--- a/Kocsis Balázs Tamás/ppt/Kelgyó projekt.pptx
+++ b/Kocsis Balázs Tamás/ppt/Kelgyó projekt.pptx
@@ -2,18 +2,18 @@
 <file path=ppt/presentation.xml><?xml version="1.0" encoding="utf-8"?>
 <p:presentation xmlns:a="http://schemas.openxmlformats.org/drawingml/2006/main" xmlns:r="http://schemas.openxmlformats.org/officeDocument/2006/relationships" xmlns:p="http://schemas.openxmlformats.org/presentationml/2006/main">
   <p:sldMasterIdLst>
-    <p:sldMasterId id="2147483648" r:id="rId1"/>
+    <p:sldMasterId id="2147483660" r:id="rId1"/>
   </p:sldMasterIdLst>
   <p:sldIdLst>
-    <p:sldId id="256" r:id="rId3"/>
-    <p:sldId id="257" r:id="rId4"/>
-    <p:sldId id="259" r:id="rId5"/>
-    <p:sldId id="260" r:id="rId6"/>
-    <p:sldId id="261" r:id="rId7"/>
-    <p:sldId id="262" r:id="rId8"/>
-    <p:sldId id="263" r:id="rId9"/>
-    <p:sldId id="265" r:id="rId10"/>
-    <p:sldId id="264" r:id="rId11"/>
+    <p:sldId id="256" r:id="rId2"/>
+    <p:sldId id="257" r:id="rId3"/>
+    <p:sldId id="259" r:id="rId4"/>
+    <p:sldId id="260" r:id="rId5"/>
+    <p:sldId id="261" r:id="rId6"/>
+    <p:sldId id="262" r:id="rId7"/>
+    <p:sldId id="263" r:id="rId8"/>
+    <p:sldId id="265" r:id="rId9"/>
+    <p:sldId id="264" r:id="rId10"/>
   </p:sldIdLst>
   <p:sldSz cx="12192000" cy="6858000"/>
   <p:notesSz cx="6858000" cy="9144000"/>
@@ -21,7 +21,7 @@
     <a:defPPr>
       <a:defRPr lang="en-US"/>
     </a:defPPr>
-    <a:lvl1pPr marL="0" algn="l" defTabSz="914400" rtl="0" eaLnBrk="1" latinLnBrk="0" hangingPunct="1">
+    <a:lvl1pPr marL="0" algn="l" defTabSz="457200" rtl="0" eaLnBrk="1" latinLnBrk="0" hangingPunct="1">
       <a:defRPr sz="1800" kern="1200">
         <a:solidFill>
           <a:schemeClr val="tx1"/>
@@ -31,7 +31,7 @@
         <a:cs typeface="+mn-cs"/>
       </a:defRPr>
     </a:lvl1pPr>
-    <a:lvl2pPr marL="457200" algn="l" defTabSz="914400" rtl="0" eaLnBrk="1" latinLnBrk="0" hangingPunct="1">
+    <a:lvl2pPr marL="457200" algn="l" defTabSz="457200" rtl="0" eaLnBrk="1" latinLnBrk="0" hangingPunct="1">
       <a:defRPr sz="1800" kern="1200">
         <a:solidFill>
           <a:schemeClr val="tx1"/>
@@ -41,7 +41,7 @@
         <a:cs typeface="+mn-cs"/>
       </a:defRPr>
     </a:lvl2pPr>
-    <a:lvl3pPr marL="914400" algn="l" defTabSz="914400" rtl="0" eaLnBrk="1" latinLnBrk="0" hangingPunct="1">
+    <a:lvl3pPr marL="914400" algn="l" defTabSz="457200" rtl="0" eaLnBrk="1" latinLnBrk="0" hangingPunct="1">
       <a:defRPr sz="1800" kern="1200">
         <a:solidFill>
           <a:schemeClr val="tx1"/>
@@ -51,7 +51,7 @@
         <a:cs typeface="+mn-cs"/>
       </a:defRPr>
     </a:lvl3pPr>
-    <a:lvl4pPr marL="1371600" algn="l" defTabSz="914400" rtl="0" eaLnBrk="1" latinLnBrk="0" hangingPunct="1">
+    <a:lvl4pPr marL="1371600" algn="l" defTabSz="457200" rtl="0" eaLnBrk="1" latinLnBrk="0" hangingPunct="1">
       <a:defRPr sz="1800" kern="1200">
         <a:solidFill>
           <a:schemeClr val="tx1"/>
@@ -61,7 +61,7 @@
         <a:cs typeface="+mn-cs"/>
       </a:defRPr>
     </a:lvl4pPr>
-    <a:lvl5pPr marL="1828800" algn="l" defTabSz="914400" rtl="0" eaLnBrk="1" latinLnBrk="0" hangingPunct="1">
+    <a:lvl5pPr marL="1828800" algn="l" defTabSz="457200" rtl="0" eaLnBrk="1" latinLnBrk="0" hangingPunct="1">
       <a:defRPr sz="1800" kern="1200">
         <a:solidFill>
           <a:schemeClr val="tx1"/>
@@ -71,7 +71,7 @@
         <a:cs typeface="+mn-cs"/>
       </a:defRPr>
     </a:lvl5pPr>
-    <a:lvl6pPr marL="2286000" algn="l" defTabSz="914400" rtl="0" eaLnBrk="1" latinLnBrk="0" hangingPunct="1">
+    <a:lvl6pPr marL="2286000" algn="l" defTabSz="457200" rtl="0" eaLnBrk="1" latinLnBrk="0" hangingPunct="1">
       <a:defRPr sz="1800" kern="1200">
         <a:solidFill>
           <a:schemeClr val="tx1"/>
@@ -81,7 +81,7 @@
         <a:cs typeface="+mn-cs"/>
       </a:defRPr>
     </a:lvl6pPr>
-    <a:lvl7pPr marL="2743200" algn="l" defTabSz="914400" rtl="0" eaLnBrk="1" latinLnBrk="0" hangingPunct="1">
+    <a:lvl7pPr marL="2743200" algn="l" defTabSz="457200" rtl="0" eaLnBrk="1" latinLnBrk="0" hangingPunct="1">
       <a:defRPr sz="1800" kern="1200">
         <a:solidFill>
           <a:schemeClr val="tx1"/>
@@ -91,7 +91,7 @@
         <a:cs typeface="+mn-cs"/>
       </a:defRPr>
     </a:lvl7pPr>
-    <a:lvl8pPr marL="3200400" algn="l" defTabSz="914400" rtl="0" eaLnBrk="1" latinLnBrk="0" hangingPunct="1">
+    <a:lvl8pPr marL="3200400" algn="l" defTabSz="457200" rtl="0" eaLnBrk="1" latinLnBrk="0" hangingPunct="1">
       <a:defRPr sz="1800" kern="1200">
         <a:solidFill>
           <a:schemeClr val="tx1"/>
@@ -101,7 +101,7 @@
         <a:cs typeface="+mn-cs"/>
       </a:defRPr>
     </a:lvl8pPr>
-    <a:lvl9pPr marL="3657600" algn="l" defTabSz="914400" rtl="0" eaLnBrk="1" latinLnBrk="0" hangingPunct="1">
+    <a:lvl9pPr marL="3657600" algn="l" defTabSz="457200" rtl="0" eaLnBrk="1" latinLnBrk="0" hangingPunct="1">
       <a:defRPr sz="1800" kern="1200">
         <a:solidFill>
           <a:schemeClr val="tx1"/>
@@ -112,12 +112,17 @@
       </a:defRPr>
     </a:lvl9pPr>
   </p:defaultTextStyle>
+  <p:extLst>
+    <p:ext uri="{EFAFB233-063F-42B5-8137-9DF3F51BA10A}">
+      <p15:sldGuideLst xmlns:p15="http://schemas.microsoft.com/office/powerpoint/2012/main"/>
+    </p:ext>
+  </p:extLst>
 </p:presentation>
 </file>
 
 <file path=ppt/slideLayouts/slideLayout1.xml><?xml version="1.0" encoding="utf-8"?>
 <p:sldLayout xmlns:a="http://schemas.openxmlformats.org/drawingml/2006/main" xmlns:r="http://schemas.openxmlformats.org/officeDocument/2006/relationships" xmlns:p="http://schemas.openxmlformats.org/presentationml/2006/main" type="title" preserve="1">
-  <p:cSld name="Title Slide">
+  <p:cSld name="Címdia">
     <p:spTree>
       <p:nvGrpSpPr>
         <p:cNvPr id="1" name=""/>
@@ -144,23 +149,25 @@
         </p:nvSpPr>
         <p:spPr>
           <a:xfrm>
-            <a:off x="1524000" y="1122363"/>
-            <a:ext cx="9144000" cy="2387600"/>
+            <a:off x="1595269" y="1122363"/>
+            <a:ext cx="9001462" cy="2387600"/>
           </a:xfrm>
         </p:spPr>
         <p:txBody>
-          <a:bodyPr anchor="b"/>
+          <a:bodyPr anchor="b">
+            <a:normAutofit/>
+          </a:bodyPr>
           <a:lstStyle>
             <a:lvl1pPr algn="ctr">
-              <a:defRPr sz="6000"/>
+              <a:defRPr sz="4800"/>
             </a:lvl1pPr>
           </a:lstStyle>
           <a:p>
             <a:r>
-              <a:rPr lang="en-US" smtClean="0"/>
-              <a:t>Click to edit Master title style</a:t>
-            </a:r>
-            <a:endParaRPr lang="en-US"/>
+              <a:rPr lang="hu-HU"/>
+              <a:t>Mintacím szerkesztése</a:t>
+            </a:r>
+            <a:endParaRPr lang="en-US" dirty="0"/>
           </a:p>
         </p:txBody>
       </p:sp>
@@ -176,8 +183,8 @@
         </p:nvSpPr>
         <p:spPr>
           <a:xfrm>
-            <a:off x="1524000" y="3602038"/>
-            <a:ext cx="9144000" cy="1655762"/>
+            <a:off x="1595269" y="3602038"/>
+            <a:ext cx="9001462" cy="1655762"/>
           </a:xfrm>
         </p:spPr>
         <p:txBody>
@@ -222,10 +229,10 @@
           </a:lstStyle>
           <a:p>
             <a:r>
-              <a:rPr lang="en-US" smtClean="0"/>
-              <a:t>Click to edit Master subtitle style</a:t>
-            </a:r>
-            <a:endParaRPr lang="en-US"/>
+              <a:rPr lang="hu-HU"/>
+              <a:t>Kattintson ide az alcím mintájának szerkesztéséhez</a:t>
+            </a:r>
+            <a:endParaRPr lang="en-US" dirty="0"/>
           </a:p>
         </p:txBody>
       </p:sp>
@@ -246,6 +253,7 @@
           <a:p>
             <a:fld id="{63A1C593-65D0-4073-BCC9-577B9352EA97}" type="datetimeFigureOut">
               <a:rPr lang="en-US" smtClean="0"/>
+              <a:t>1/12/2024</a:t>
             </a:fld>
             <a:endParaRPr lang="en-US"/>
           </a:p>
@@ -287,12 +295,18 @@
           <a:p>
             <a:fld id="{9B618960-8005-486C-9A75-10CB2AAC16F9}" type="slidenum">
               <a:rPr lang="en-US" smtClean="0"/>
+              <a:t>‹#›</a:t>
             </a:fld>
             <a:endParaRPr lang="en-US"/>
           </a:p>
         </p:txBody>
       </p:sp>
     </p:spTree>
+    <p:extLst>
+      <p:ext uri="{BB962C8B-B14F-4D97-AF65-F5344CB8AC3E}">
+        <p14:creationId xmlns:p14="http://schemas.microsoft.com/office/powerpoint/2010/main" val="2088952269"/>
+      </p:ext>
+    </p:extLst>
   </p:cSld>
   <p:clrMapOvr>
     <a:masterClrMapping/>
@@ -301,8 +315,8 @@
 </file>
 
 <file path=ppt/slideLayouts/slideLayout10.xml><?xml version="1.0" encoding="utf-8"?>
-<p:sldLayout xmlns:a="http://schemas.openxmlformats.org/drawingml/2006/main" xmlns:r="http://schemas.openxmlformats.org/officeDocument/2006/relationships" xmlns:p="http://schemas.openxmlformats.org/presentationml/2006/main" type="vertTx" preserve="1">
-  <p:cSld name="Title and Vertical Text">
+<p:sldLayout xmlns:a="http://schemas.openxmlformats.org/drawingml/2006/main" xmlns:r="http://schemas.openxmlformats.org/officeDocument/2006/relationships" xmlns:p="http://schemas.openxmlformats.org/presentationml/2006/main" preserve="1">
+  <p:cSld name="Panorámakép képaláírással">
     <p:spTree>
       <p:nvGrpSpPr>
         <p:cNvPr id="1" name=""/>
@@ -327,78 +341,191 @@
             <p:ph type="title"/>
           </p:nvPr>
         </p:nvSpPr>
-        <p:spPr/>
-        <p:txBody>
-          <a:bodyPr/>
-          <a:lstStyle/>
-          <a:p>
-            <a:r>
-              <a:rPr lang="en-US" smtClean="0"/>
-              <a:t>Click to edit Master title style</a:t>
-            </a:r>
-            <a:endParaRPr lang="en-US"/>
-          </a:p>
-        </p:txBody>
-      </p:sp>
-      <p:sp>
-        <p:nvSpPr>
-          <p:cNvPr id="3" name="Vertical Text Placeholder 2"/>
-          <p:cNvSpPr>
-            <a:spLocks noGrp="1"/>
-          </p:cNvSpPr>
-          <p:nvPr>
-            <p:ph type="body" orient="vert" idx="1"/>
-          </p:nvPr>
-        </p:nvSpPr>
-        <p:spPr/>
-        <p:txBody>
-          <a:bodyPr vert="eaVert"/>
-          <a:lstStyle/>
+        <p:spPr>
+          <a:xfrm>
+            <a:off x="913806" y="4289372"/>
+            <a:ext cx="10367564" cy="819355"/>
+          </a:xfrm>
+        </p:spPr>
+        <p:txBody>
+          <a:bodyPr anchor="b">
+            <a:normAutofit/>
+          </a:bodyPr>
+          <a:lstStyle>
+            <a:lvl1pPr>
+              <a:defRPr sz="2800"/>
+            </a:lvl1pPr>
+          </a:lstStyle>
+          <a:p>
+            <a:r>
+              <a:rPr lang="hu-HU"/>
+              <a:t>Mintacím szerkesztése</a:t>
+            </a:r>
+            <a:endParaRPr lang="en-US" dirty="0"/>
+          </a:p>
+        </p:txBody>
+      </p:sp>
+      <p:sp>
+        <p:nvSpPr>
+          <p:cNvPr id="3" name="Picture Placeholder 2"/>
+          <p:cNvSpPr>
+            <a:spLocks noGrp="1" noChangeAspect="1"/>
+          </p:cNvSpPr>
+          <p:nvPr>
+            <p:ph type="pic" idx="1"/>
+          </p:nvPr>
+        </p:nvSpPr>
+        <p:spPr>
+          <a:xfrm>
+            <a:off x="913806" y="621321"/>
+            <a:ext cx="10367564" cy="3379735"/>
+          </a:xfrm>
+          <a:noFill/>
+          <a:ln w="190500" cap="sq">
+            <a:solidFill>
+              <a:srgbClr val="FFFFFF"/>
+            </a:solidFill>
+            <a:miter lim="800000"/>
+          </a:ln>
+          <a:effectLst>
+            <a:outerShdw blurRad="55000" dist="18000" dir="5400000" algn="tl" rotWithShape="0">
+              <a:srgbClr val="000000">
+                <a:alpha val="40000"/>
+              </a:srgbClr>
+            </a:outerShdw>
+          </a:effectLst>
+          <a:scene3d>
+            <a:camera prst="orthographicFront"/>
+            <a:lightRig rig="twoPt" dir="t">
+              <a:rot lat="0" lon="0" rev="7200000"/>
+            </a:lightRig>
+          </a:scene3d>
+          <a:sp3d>
+            <a:bevelT w="25400" h="19050"/>
+            <a:contourClr>
+              <a:srgbClr val="FFFFFF"/>
+            </a:contourClr>
+          </a:sp3d>
+        </p:spPr>
+        <p:txBody>
+          <a:bodyPr anchor="t"/>
+          <a:lstStyle>
+            <a:lvl1pPr marL="0" indent="0" algn="ctr">
+              <a:buNone/>
+              <a:defRPr sz="3200"/>
+            </a:lvl1pPr>
+            <a:lvl2pPr marL="457200" indent="0">
+              <a:buNone/>
+              <a:defRPr sz="2800"/>
+            </a:lvl2pPr>
+            <a:lvl3pPr marL="914400" indent="0">
+              <a:buNone/>
+              <a:defRPr sz="2400"/>
+            </a:lvl3pPr>
+            <a:lvl4pPr marL="1371600" indent="0">
+              <a:buNone/>
+              <a:defRPr sz="2000"/>
+            </a:lvl4pPr>
+            <a:lvl5pPr marL="1828800" indent="0">
+              <a:buNone/>
+              <a:defRPr sz="2000"/>
+            </a:lvl5pPr>
+            <a:lvl6pPr marL="2286000" indent="0">
+              <a:buNone/>
+              <a:defRPr sz="2000"/>
+            </a:lvl6pPr>
+            <a:lvl7pPr marL="2743200" indent="0">
+              <a:buNone/>
+              <a:defRPr sz="2000"/>
+            </a:lvl7pPr>
+            <a:lvl8pPr marL="3200400" indent="0">
+              <a:buNone/>
+              <a:defRPr sz="2000"/>
+            </a:lvl8pPr>
+            <a:lvl9pPr marL="3657600" indent="0">
+              <a:buNone/>
+              <a:defRPr sz="2000"/>
+            </a:lvl9pPr>
+          </a:lstStyle>
+          <a:p>
+            <a:r>
+              <a:rPr lang="hu-HU"/>
+              <a:t>Kép beszúrásához kattintson az ikonra</a:t>
+            </a:r>
+            <a:endParaRPr lang="en-US" dirty="0"/>
+          </a:p>
+        </p:txBody>
+      </p:sp>
+      <p:sp>
+        <p:nvSpPr>
+          <p:cNvPr id="4" name="Text Placeholder 3"/>
+          <p:cNvSpPr>
+            <a:spLocks noGrp="1"/>
+          </p:cNvSpPr>
+          <p:nvPr>
+            <p:ph type="body" sz="half" idx="2"/>
+          </p:nvPr>
+        </p:nvSpPr>
+        <p:spPr>
+          <a:xfrm>
+            <a:off x="913795" y="5108728"/>
+            <a:ext cx="10365998" cy="682472"/>
+          </a:xfrm>
+        </p:spPr>
+        <p:txBody>
+          <a:bodyPr>
+            <a:normAutofit/>
+          </a:bodyPr>
+          <a:lstStyle>
+            <a:lvl1pPr marL="0" indent="0" algn="ctr">
+              <a:buNone/>
+              <a:defRPr sz="1800"/>
+            </a:lvl1pPr>
+            <a:lvl2pPr marL="457200" indent="0">
+              <a:buNone/>
+              <a:defRPr sz="1400"/>
+            </a:lvl2pPr>
+            <a:lvl3pPr marL="914400" indent="0">
+              <a:buNone/>
+              <a:defRPr sz="1200"/>
+            </a:lvl3pPr>
+            <a:lvl4pPr marL="1371600" indent="0">
+              <a:buNone/>
+              <a:defRPr sz="1000"/>
+            </a:lvl4pPr>
+            <a:lvl5pPr marL="1828800" indent="0">
+              <a:buNone/>
+              <a:defRPr sz="1000"/>
+            </a:lvl5pPr>
+            <a:lvl6pPr marL="2286000" indent="0">
+              <a:buNone/>
+              <a:defRPr sz="1000"/>
+            </a:lvl6pPr>
+            <a:lvl7pPr marL="2743200" indent="0">
+              <a:buNone/>
+              <a:defRPr sz="1000"/>
+            </a:lvl7pPr>
+            <a:lvl8pPr marL="3200400" indent="0">
+              <a:buNone/>
+              <a:defRPr sz="1000"/>
+            </a:lvl8pPr>
+            <a:lvl9pPr marL="3657600" indent="0">
+              <a:buNone/>
+              <a:defRPr sz="1000"/>
+            </a:lvl9pPr>
+          </a:lstStyle>
           <a:p>
             <a:pPr lvl="0"/>
             <a:r>
-              <a:rPr lang="en-US" smtClean="0"/>
-              <a:t>Click to edit Master text styles</a:t>
-            </a:r>
-            <a:endParaRPr lang="en-US" smtClean="0"/>
-          </a:p>
-          <a:p>
-            <a:pPr lvl="1"/>
-            <a:r>
-              <a:rPr lang="en-US" smtClean="0"/>
-              <a:t>Second level</a:t>
-            </a:r>
-            <a:endParaRPr lang="en-US" smtClean="0"/>
-          </a:p>
-          <a:p>
-            <a:pPr lvl="2"/>
-            <a:r>
-              <a:rPr lang="en-US" smtClean="0"/>
-              <a:t>Third level</a:t>
-            </a:r>
-            <a:endParaRPr lang="en-US" smtClean="0"/>
-          </a:p>
-          <a:p>
-            <a:pPr lvl="3"/>
-            <a:r>
-              <a:rPr lang="en-US" smtClean="0"/>
-              <a:t>Fourth level</a:t>
-            </a:r>
-            <a:endParaRPr lang="en-US" smtClean="0"/>
-          </a:p>
-          <a:p>
-            <a:pPr lvl="4"/>
-            <a:r>
-              <a:rPr lang="en-US" smtClean="0"/>
-              <a:t>Fifth level</a:t>
-            </a:r>
-            <a:endParaRPr lang="en-US"/>
-          </a:p>
-        </p:txBody>
-      </p:sp>
-      <p:sp>
-        <p:nvSpPr>
-          <p:cNvPr id="4" name="Date Placeholder 3"/>
+              <a:rPr lang="hu-HU"/>
+              <a:t>Mintaszöveg szerkesztése</a:t>
+            </a:r>
+          </a:p>
+        </p:txBody>
+      </p:sp>
+      <p:sp>
+        <p:nvSpPr>
+          <p:cNvPr id="5" name="Date Placeholder 4"/>
           <p:cNvSpPr>
             <a:spLocks noGrp="1"/>
           </p:cNvSpPr>
@@ -413,6 +540,7 @@
           <a:p>
             <a:fld id="{63A1C593-65D0-4073-BCC9-577B9352EA97}" type="datetimeFigureOut">
               <a:rPr lang="en-US" smtClean="0"/>
+              <a:t>1/12/2024</a:t>
             </a:fld>
             <a:endParaRPr lang="en-US"/>
           </a:p>
@@ -420,7 +548,7 @@
       </p:sp>
       <p:sp>
         <p:nvSpPr>
-          <p:cNvPr id="5" name="Footer Placeholder 4"/>
+          <p:cNvPr id="6" name="Footer Placeholder 5"/>
           <p:cNvSpPr>
             <a:spLocks noGrp="1"/>
           </p:cNvSpPr>
@@ -439,7 +567,7 @@
       </p:sp>
       <p:sp>
         <p:nvSpPr>
-          <p:cNvPr id="6" name="Slide Number Placeholder 5"/>
+          <p:cNvPr id="7" name="Slide Number Placeholder 6"/>
           <p:cNvSpPr>
             <a:spLocks noGrp="1"/>
           </p:cNvSpPr>
@@ -454,12 +582,18 @@
           <a:p>
             <a:fld id="{9B618960-8005-486C-9A75-10CB2AAC16F9}" type="slidenum">
               <a:rPr lang="en-US" smtClean="0"/>
+              <a:t>‹#›</a:t>
             </a:fld>
             <a:endParaRPr lang="en-US"/>
           </a:p>
         </p:txBody>
       </p:sp>
     </p:spTree>
+    <p:extLst>
+      <p:ext uri="{BB962C8B-B14F-4D97-AF65-F5344CB8AC3E}">
+        <p14:creationId xmlns:p14="http://schemas.microsoft.com/office/powerpoint/2010/main" val="3455196116"/>
+      </p:ext>
+    </p:extLst>
   </p:cSld>
   <p:clrMapOvr>
     <a:masterClrMapping/>
@@ -468,8 +602,8 @@
 </file>
 
 <file path=ppt/slideLayouts/slideLayout11.xml><?xml version="1.0" encoding="utf-8"?>
-<p:sldLayout xmlns:a="http://schemas.openxmlformats.org/drawingml/2006/main" xmlns:r="http://schemas.openxmlformats.org/officeDocument/2006/relationships" xmlns:p="http://schemas.openxmlformats.org/presentationml/2006/main" type="vertTitleAndTx" preserve="1">
-  <p:cSld name="Vertical Title and Text">
+<p:sldLayout xmlns:a="http://schemas.openxmlformats.org/drawingml/2006/main" xmlns:r="http://schemas.openxmlformats.org/officeDocument/2006/relationships" xmlns:p="http://schemas.openxmlformats.org/presentationml/2006/main" preserve="1">
+  <p:cSld name="Cím és képaláírás">
     <p:spTree>
       <p:nvGrpSpPr>
         <p:cNvPr id="1" name=""/>
@@ -486,96 +620,104 @@
       </p:grpSpPr>
       <p:sp>
         <p:nvSpPr>
-          <p:cNvPr id="2" name="Vertical Title 1"/>
-          <p:cNvSpPr>
-            <a:spLocks noGrp="1"/>
-          </p:cNvSpPr>
-          <p:nvPr>
-            <p:ph type="title" orient="vert"/>
+          <p:cNvPr id="2" name="Title 1"/>
+          <p:cNvSpPr>
+            <a:spLocks noGrp="1"/>
+          </p:cNvSpPr>
+          <p:nvPr>
+            <p:ph type="title"/>
           </p:nvPr>
         </p:nvSpPr>
         <p:spPr>
           <a:xfrm>
-            <a:off x="8724900" y="365125"/>
-            <a:ext cx="2628900" cy="5811838"/>
+            <a:off x="913795" y="609600"/>
+            <a:ext cx="10353762" cy="3424859"/>
           </a:xfrm>
         </p:spPr>
         <p:txBody>
-          <a:bodyPr vert="eaVert"/>
-          <a:lstStyle/>
-          <a:p>
-            <a:r>
-              <a:rPr lang="en-US" smtClean="0"/>
-              <a:t>Click to edit Master title style</a:t>
-            </a:r>
-            <a:endParaRPr lang="en-US"/>
-          </a:p>
-        </p:txBody>
-      </p:sp>
-      <p:sp>
-        <p:nvSpPr>
-          <p:cNvPr id="3" name="Vertical Text Placeholder 2"/>
-          <p:cNvSpPr>
-            <a:spLocks noGrp="1"/>
-          </p:cNvSpPr>
-          <p:nvPr>
-            <p:ph type="body" orient="vert" idx="1"/>
+          <a:bodyPr anchor="ctr"/>
+          <a:lstStyle>
+            <a:lvl1pPr>
+              <a:defRPr sz="3200"/>
+            </a:lvl1pPr>
+          </a:lstStyle>
+          <a:p>
+            <a:r>
+              <a:rPr lang="hu-HU"/>
+              <a:t>Mintacím szerkesztése</a:t>
+            </a:r>
+            <a:endParaRPr lang="en-US" dirty="0"/>
+          </a:p>
+        </p:txBody>
+      </p:sp>
+      <p:sp>
+        <p:nvSpPr>
+          <p:cNvPr id="4" name="Text Placeholder 3"/>
+          <p:cNvSpPr>
+            <a:spLocks noGrp="1"/>
+          </p:cNvSpPr>
+          <p:nvPr>
+            <p:ph type="body" sz="half" idx="2"/>
           </p:nvPr>
         </p:nvSpPr>
         <p:spPr>
           <a:xfrm>
-            <a:off x="838200" y="365125"/>
-            <a:ext cx="7734300" cy="5811838"/>
+            <a:off x="913795" y="4204820"/>
+            <a:ext cx="10353761" cy="1592186"/>
           </a:xfrm>
         </p:spPr>
         <p:txBody>
-          <a:bodyPr vert="eaVert"/>
-          <a:lstStyle/>
+          <a:bodyPr anchor="ctr"/>
+          <a:lstStyle>
+            <a:lvl1pPr marL="0" indent="0" algn="ctr">
+              <a:buNone/>
+              <a:defRPr sz="1600"/>
+            </a:lvl1pPr>
+            <a:lvl2pPr marL="457200" indent="0">
+              <a:buNone/>
+              <a:defRPr sz="1400"/>
+            </a:lvl2pPr>
+            <a:lvl3pPr marL="914400" indent="0">
+              <a:buNone/>
+              <a:defRPr sz="1200"/>
+            </a:lvl3pPr>
+            <a:lvl4pPr marL="1371600" indent="0">
+              <a:buNone/>
+              <a:defRPr sz="1000"/>
+            </a:lvl4pPr>
+            <a:lvl5pPr marL="1828800" indent="0">
+              <a:buNone/>
+              <a:defRPr sz="1000"/>
+            </a:lvl5pPr>
+            <a:lvl6pPr marL="2286000" indent="0">
+              <a:buNone/>
+              <a:defRPr sz="1000"/>
+            </a:lvl6pPr>
+            <a:lvl7pPr marL="2743200" indent="0">
+              <a:buNone/>
+              <a:defRPr sz="1000"/>
+            </a:lvl7pPr>
+            <a:lvl8pPr marL="3200400" indent="0">
+              <a:buNone/>
+              <a:defRPr sz="1000"/>
+            </a:lvl8pPr>
+            <a:lvl9pPr marL="3657600" indent="0">
+              <a:buNone/>
+              <a:defRPr sz="1000"/>
+            </a:lvl9pPr>
+          </a:lstStyle>
           <a:p>
             <a:pPr lvl="0"/>
             <a:r>
-              <a:rPr lang="en-US" smtClean="0"/>
-              <a:t>Click to edit Master text styles</a:t>
-            </a:r>
-            <a:endParaRPr lang="en-US" smtClean="0"/>
-          </a:p>
-          <a:p>
-            <a:pPr lvl="1"/>
-            <a:r>
-              <a:rPr lang="en-US" smtClean="0"/>
-              <a:t>Second level</a:t>
-            </a:r>
-            <a:endParaRPr lang="en-US" smtClean="0"/>
-          </a:p>
-          <a:p>
-            <a:pPr lvl="2"/>
-            <a:r>
-              <a:rPr lang="en-US" smtClean="0"/>
-              <a:t>Third level</a:t>
-            </a:r>
-            <a:endParaRPr lang="en-US" smtClean="0"/>
-          </a:p>
-          <a:p>
-            <a:pPr lvl="3"/>
-            <a:r>
-              <a:rPr lang="en-US" smtClean="0"/>
-              <a:t>Fourth level</a:t>
-            </a:r>
-            <a:endParaRPr lang="en-US" smtClean="0"/>
-          </a:p>
-          <a:p>
-            <a:pPr lvl="4"/>
-            <a:r>
-              <a:rPr lang="en-US" smtClean="0"/>
-              <a:t>Fifth level</a:t>
-            </a:r>
-            <a:endParaRPr lang="en-US"/>
-          </a:p>
-        </p:txBody>
-      </p:sp>
-      <p:sp>
-        <p:nvSpPr>
-          <p:cNvPr id="4" name="Date Placeholder 3"/>
+              <a:rPr lang="hu-HU"/>
+              <a:t>Mintaszöveg szerkesztése</a:t>
+            </a:r>
+          </a:p>
+        </p:txBody>
+      </p:sp>
+      <p:sp>
+        <p:nvSpPr>
+          <p:cNvPr id="5" name="Date Placeholder 4"/>
           <p:cNvSpPr>
             <a:spLocks noGrp="1"/>
           </p:cNvSpPr>
@@ -590,6 +732,7 @@
           <a:p>
             <a:fld id="{63A1C593-65D0-4073-BCC9-577B9352EA97}" type="datetimeFigureOut">
               <a:rPr lang="en-US" smtClean="0"/>
+              <a:t>1/12/2024</a:t>
             </a:fld>
             <a:endParaRPr lang="en-US"/>
           </a:p>
@@ -597,7 +740,7 @@
       </p:sp>
       <p:sp>
         <p:nvSpPr>
-          <p:cNvPr id="5" name="Footer Placeholder 4"/>
+          <p:cNvPr id="6" name="Footer Placeholder 5"/>
           <p:cNvSpPr>
             <a:spLocks noGrp="1"/>
           </p:cNvSpPr>
@@ -616,7 +759,7 @@
       </p:sp>
       <p:sp>
         <p:nvSpPr>
-          <p:cNvPr id="6" name="Slide Number Placeholder 5"/>
+          <p:cNvPr id="7" name="Slide Number Placeholder 6"/>
           <p:cNvSpPr>
             <a:spLocks noGrp="1"/>
           </p:cNvSpPr>
@@ -631,12 +774,18 @@
           <a:p>
             <a:fld id="{9B618960-8005-486C-9A75-10CB2AAC16F9}" type="slidenum">
               <a:rPr lang="en-US" smtClean="0"/>
+              <a:t>‹#›</a:t>
             </a:fld>
             <a:endParaRPr lang="en-US"/>
           </a:p>
         </p:txBody>
       </p:sp>
     </p:spTree>
+    <p:extLst>
+      <p:ext uri="{BB962C8B-B14F-4D97-AF65-F5344CB8AC3E}">
+        <p14:creationId xmlns:p14="http://schemas.microsoft.com/office/powerpoint/2010/main" val="1441027738"/>
+      </p:ext>
+    </p:extLst>
   </p:cSld>
   <p:clrMapOvr>
     <a:masterClrMapping/>
@@ -644,9 +793,9 @@
 </p:sldLayout>
 </file>
 
-<file path=ppt/slideLayouts/slideLayout2.xml><?xml version="1.0" encoding="utf-8"?>
-<p:sldLayout xmlns:a="http://schemas.openxmlformats.org/drawingml/2006/main" xmlns:r="http://schemas.openxmlformats.org/officeDocument/2006/relationships" xmlns:p="http://schemas.openxmlformats.org/presentationml/2006/main" type="obj" preserve="1">
-  <p:cSld name="Title and Content">
+<file path=ppt/slideLayouts/slideLayout12.xml><?xml version="1.0" encoding="utf-8"?>
+<p:sldLayout xmlns:a="http://schemas.openxmlformats.org/drawingml/2006/main" xmlns:r="http://schemas.openxmlformats.org/officeDocument/2006/relationships" xmlns:p="http://schemas.openxmlformats.org/presentationml/2006/main" preserve="1">
+  <p:cSld name="Idézet képaláírással">
     <p:spTree>
       <p:nvGrpSpPr>
         <p:cNvPr id="1" name=""/>
@@ -671,78 +820,165 @@
             <p:ph type="title"/>
           </p:nvPr>
         </p:nvSpPr>
-        <p:spPr/>
-        <p:txBody>
-          <a:bodyPr/>
-          <a:lstStyle/>
-          <a:p>
-            <a:r>
-              <a:rPr lang="en-US" smtClean="0"/>
-              <a:t>Click to edit Master title style</a:t>
-            </a:r>
-            <a:endParaRPr lang="en-US"/>
-          </a:p>
-        </p:txBody>
-      </p:sp>
-      <p:sp>
-        <p:nvSpPr>
-          <p:cNvPr id="3" name="Content Placeholder 2"/>
-          <p:cNvSpPr>
-            <a:spLocks noGrp="1"/>
-          </p:cNvSpPr>
-          <p:nvPr>
-            <p:ph idx="1"/>
-          </p:nvPr>
-        </p:nvSpPr>
-        <p:spPr/>
-        <p:txBody>
-          <a:bodyPr/>
-          <a:lstStyle/>
+        <p:spPr>
+          <a:xfrm>
+            <a:off x="1446212" y="609600"/>
+            <a:ext cx="9302752" cy="2992904"/>
+          </a:xfrm>
+        </p:spPr>
+        <p:txBody>
+          <a:bodyPr anchor="ctr"/>
+          <a:lstStyle>
+            <a:lvl1pPr>
+              <a:defRPr sz="3200"/>
+            </a:lvl1pPr>
+          </a:lstStyle>
+          <a:p>
+            <a:r>
+              <a:rPr lang="hu-HU"/>
+              <a:t>Mintacím szerkesztése</a:t>
+            </a:r>
+            <a:endParaRPr lang="en-US" dirty="0"/>
+          </a:p>
+        </p:txBody>
+      </p:sp>
+      <p:sp>
+        <p:nvSpPr>
+          <p:cNvPr id="12" name="Text Placeholder 3"/>
+          <p:cNvSpPr>
+            <a:spLocks noGrp="1"/>
+          </p:cNvSpPr>
+          <p:nvPr>
+            <p:ph type="body" sz="half" idx="13"/>
+          </p:nvPr>
+        </p:nvSpPr>
+        <p:spPr>
+          <a:xfrm>
+            <a:off x="1720644" y="3610032"/>
+            <a:ext cx="8752299" cy="426812"/>
+          </a:xfrm>
+        </p:spPr>
+        <p:txBody>
+          <a:bodyPr anchor="t">
+            <a:normAutofit/>
+          </a:bodyPr>
+          <a:lstStyle>
+            <a:lvl1pPr marL="0" indent="0" algn="r">
+              <a:buNone/>
+              <a:defRPr sz="1400"/>
+            </a:lvl1pPr>
+            <a:lvl2pPr marL="457200" indent="0">
+              <a:buNone/>
+              <a:defRPr sz="1400"/>
+            </a:lvl2pPr>
+            <a:lvl3pPr marL="914400" indent="0">
+              <a:buNone/>
+              <a:defRPr sz="1200"/>
+            </a:lvl3pPr>
+            <a:lvl4pPr marL="1371600" indent="0">
+              <a:buNone/>
+              <a:defRPr sz="1000"/>
+            </a:lvl4pPr>
+            <a:lvl5pPr marL="1828800" indent="0">
+              <a:buNone/>
+              <a:defRPr sz="1000"/>
+            </a:lvl5pPr>
+            <a:lvl6pPr marL="2286000" indent="0">
+              <a:buNone/>
+              <a:defRPr sz="1000"/>
+            </a:lvl6pPr>
+            <a:lvl7pPr marL="2743200" indent="0">
+              <a:buNone/>
+              <a:defRPr sz="1000"/>
+            </a:lvl7pPr>
+            <a:lvl8pPr marL="3200400" indent="0">
+              <a:buNone/>
+              <a:defRPr sz="1000"/>
+            </a:lvl8pPr>
+            <a:lvl9pPr marL="3657600" indent="0">
+              <a:buNone/>
+              <a:defRPr sz="1000"/>
+            </a:lvl9pPr>
+          </a:lstStyle>
           <a:p>
             <a:pPr lvl="0"/>
             <a:r>
-              <a:rPr lang="en-US" smtClean="0"/>
-              <a:t>Click to edit Master text styles</a:t>
-            </a:r>
-            <a:endParaRPr lang="en-US" smtClean="0"/>
-          </a:p>
-          <a:p>
-            <a:pPr lvl="1"/>
-            <a:r>
-              <a:rPr lang="en-US" smtClean="0"/>
-              <a:t>Second level</a:t>
-            </a:r>
-            <a:endParaRPr lang="en-US" smtClean="0"/>
-          </a:p>
-          <a:p>
-            <a:pPr lvl="2"/>
-            <a:r>
-              <a:rPr lang="en-US" smtClean="0"/>
-              <a:t>Third level</a:t>
-            </a:r>
-            <a:endParaRPr lang="en-US" smtClean="0"/>
-          </a:p>
-          <a:p>
-            <a:pPr lvl="3"/>
-            <a:r>
-              <a:rPr lang="en-US" smtClean="0"/>
-              <a:t>Fourth level</a:t>
-            </a:r>
-            <a:endParaRPr lang="en-US" smtClean="0"/>
-          </a:p>
-          <a:p>
-            <a:pPr lvl="4"/>
-            <a:r>
-              <a:rPr lang="en-US" smtClean="0"/>
-              <a:t>Fifth level</a:t>
-            </a:r>
-            <a:endParaRPr lang="en-US"/>
-          </a:p>
-        </p:txBody>
-      </p:sp>
-      <p:sp>
-        <p:nvSpPr>
-          <p:cNvPr id="4" name="Date Placeholder 3"/>
+              <a:rPr lang="hu-HU"/>
+              <a:t>Mintaszöveg szerkesztése</a:t>
+            </a:r>
+          </a:p>
+        </p:txBody>
+      </p:sp>
+      <p:sp>
+        <p:nvSpPr>
+          <p:cNvPr id="4" name="Text Placeholder 3"/>
+          <p:cNvSpPr>
+            <a:spLocks noGrp="1"/>
+          </p:cNvSpPr>
+          <p:nvPr>
+            <p:ph type="body" sz="half" idx="2"/>
+          </p:nvPr>
+        </p:nvSpPr>
+        <p:spPr>
+          <a:xfrm>
+            <a:off x="913794" y="4204821"/>
+            <a:ext cx="10353762" cy="1586380"/>
+          </a:xfrm>
+        </p:spPr>
+        <p:txBody>
+          <a:bodyPr anchor="ctr">
+            <a:normAutofit/>
+          </a:bodyPr>
+          <a:lstStyle>
+            <a:lvl1pPr marL="0" indent="0" algn="ctr">
+              <a:buNone/>
+              <a:defRPr sz="1600"/>
+            </a:lvl1pPr>
+            <a:lvl2pPr marL="457200" indent="0">
+              <a:buNone/>
+              <a:defRPr sz="1400"/>
+            </a:lvl2pPr>
+            <a:lvl3pPr marL="914400" indent="0">
+              <a:buNone/>
+              <a:defRPr sz="1200"/>
+            </a:lvl3pPr>
+            <a:lvl4pPr marL="1371600" indent="0">
+              <a:buNone/>
+              <a:defRPr sz="1000"/>
+            </a:lvl4pPr>
+            <a:lvl5pPr marL="1828800" indent="0">
+              <a:buNone/>
+              <a:defRPr sz="1000"/>
+            </a:lvl5pPr>
+            <a:lvl6pPr marL="2286000" indent="0">
+              <a:buNone/>
+              <a:defRPr sz="1000"/>
+            </a:lvl6pPr>
+            <a:lvl7pPr marL="2743200" indent="0">
+              <a:buNone/>
+              <a:defRPr sz="1000"/>
+            </a:lvl7pPr>
+            <a:lvl8pPr marL="3200400" indent="0">
+              <a:buNone/>
+              <a:defRPr sz="1000"/>
+            </a:lvl8pPr>
+            <a:lvl9pPr marL="3657600" indent="0">
+              <a:buNone/>
+              <a:defRPr sz="1000"/>
+            </a:lvl9pPr>
+          </a:lstStyle>
+          <a:p>
+            <a:pPr lvl="0"/>
+            <a:r>
+              <a:rPr lang="hu-HU"/>
+              <a:t>Mintaszöveg szerkesztése</a:t>
+            </a:r>
+          </a:p>
+        </p:txBody>
+      </p:sp>
+      <p:sp>
+        <p:nvSpPr>
+          <p:cNvPr id="5" name="Date Placeholder 4"/>
           <p:cNvSpPr>
             <a:spLocks noGrp="1"/>
           </p:cNvSpPr>
@@ -757,6 +993,7 @@
           <a:p>
             <a:fld id="{63A1C593-65D0-4073-BCC9-577B9352EA97}" type="datetimeFigureOut">
               <a:rPr lang="en-US" smtClean="0"/>
+              <a:t>1/12/2024</a:t>
             </a:fld>
             <a:endParaRPr lang="en-US"/>
           </a:p>
@@ -764,7 +1001,7 @@
       </p:sp>
       <p:sp>
         <p:nvSpPr>
-          <p:cNvPr id="5" name="Footer Placeholder 4"/>
+          <p:cNvPr id="6" name="Footer Placeholder 5"/>
           <p:cNvSpPr>
             <a:spLocks noGrp="1"/>
           </p:cNvSpPr>
@@ -783,7 +1020,7 @@
       </p:sp>
       <p:sp>
         <p:nvSpPr>
-          <p:cNvPr id="6" name="Slide Number Placeholder 5"/>
+          <p:cNvPr id="7" name="Slide Number Placeholder 6"/>
           <p:cNvSpPr>
             <a:spLocks noGrp="1"/>
           </p:cNvSpPr>
@@ -798,12 +1035,250 @@
           <a:p>
             <a:fld id="{9B618960-8005-486C-9A75-10CB2AAC16F9}" type="slidenum">
               <a:rPr lang="en-US" smtClean="0"/>
+              <a:t>‹#›</a:t>
             </a:fld>
             <a:endParaRPr lang="en-US"/>
           </a:p>
         </p:txBody>
       </p:sp>
+      <p:sp>
+        <p:nvSpPr>
+          <p:cNvPr id="11" name="TextBox 10"/>
+          <p:cNvSpPr txBox="1"/>
+          <p:nvPr/>
+        </p:nvSpPr>
+        <p:spPr>
+          <a:xfrm>
+            <a:off x="836612" y="735241"/>
+            <a:ext cx="609600" cy="584776"/>
+          </a:xfrm>
+          <a:prstGeom prst="rect">
+            <a:avLst/>
+          </a:prstGeom>
+        </p:spPr>
+        <p:txBody>
+          <a:bodyPr vert="horz" lIns="91440" tIns="45720" rIns="91440" bIns="45720" rtlCol="0" anchor="ctr">
+            <a:noAutofit/>
+          </a:bodyPr>
+          <a:lstStyle>
+            <a:lvl1pPr>
+              <a:spcBef>
+                <a:spcPct val="0"/>
+              </a:spcBef>
+              <a:buNone/>
+              <a:defRPr sz="3200" b="0" cap="all">
+                <a:ln w="3175" cmpd="sng">
+                  <a:noFill/>
+                </a:ln>
+                <a:effectLst>
+                  <a:glow rad="38100">
+                    <a:schemeClr val="bg1">
+                      <a:lumMod val="65000"/>
+                      <a:lumOff val="35000"/>
+                      <a:alpha val="40000"/>
+                    </a:schemeClr>
+                  </a:glow>
+                  <a:outerShdw blurRad="28575" dist="38100" dir="14040000" algn="tl" rotWithShape="0">
+                    <a:srgbClr val="000000">
+                      <a:alpha val="25000"/>
+                    </a:srgbClr>
+                  </a:outerShdw>
+                </a:effectLst>
+              </a:defRPr>
+            </a:lvl1pPr>
+            <a:lvl2pPr>
+              <a:defRPr>
+                <a:solidFill>
+                  <a:schemeClr val="tx2"/>
+                </a:solidFill>
+              </a:defRPr>
+            </a:lvl2pPr>
+            <a:lvl3pPr>
+              <a:defRPr>
+                <a:solidFill>
+                  <a:schemeClr val="tx2"/>
+                </a:solidFill>
+              </a:defRPr>
+            </a:lvl3pPr>
+            <a:lvl4pPr>
+              <a:defRPr>
+                <a:solidFill>
+                  <a:schemeClr val="tx2"/>
+                </a:solidFill>
+              </a:defRPr>
+            </a:lvl4pPr>
+            <a:lvl5pPr>
+              <a:defRPr>
+                <a:solidFill>
+                  <a:schemeClr val="tx2"/>
+                </a:solidFill>
+              </a:defRPr>
+            </a:lvl5pPr>
+            <a:lvl6pPr>
+              <a:defRPr>
+                <a:solidFill>
+                  <a:schemeClr val="tx2"/>
+                </a:solidFill>
+              </a:defRPr>
+            </a:lvl6pPr>
+            <a:lvl7pPr>
+              <a:defRPr>
+                <a:solidFill>
+                  <a:schemeClr val="tx2"/>
+                </a:solidFill>
+              </a:defRPr>
+            </a:lvl7pPr>
+            <a:lvl8pPr>
+              <a:defRPr>
+                <a:solidFill>
+                  <a:schemeClr val="tx2"/>
+                </a:solidFill>
+              </a:defRPr>
+            </a:lvl8pPr>
+            <a:lvl9pPr>
+              <a:defRPr>
+                <a:solidFill>
+                  <a:schemeClr val="tx2"/>
+                </a:solidFill>
+              </a:defRPr>
+            </a:lvl9pPr>
+          </a:lstStyle>
+          <a:p>
+            <a:pPr lvl="0"/>
+            <a:r>
+              <a:rPr lang="en-US" sz="8000" dirty="0">
+                <a:solidFill>
+                  <a:schemeClr val="tx1"/>
+                </a:solidFill>
+                <a:effectLst/>
+              </a:rPr>
+              <a:t>“</a:t>
+            </a:r>
+          </a:p>
+        </p:txBody>
+      </p:sp>
+      <p:sp>
+        <p:nvSpPr>
+          <p:cNvPr id="13" name="TextBox 12"/>
+          <p:cNvSpPr txBox="1"/>
+          <p:nvPr/>
+        </p:nvSpPr>
+        <p:spPr>
+          <a:xfrm>
+            <a:off x="10657956" y="2972093"/>
+            <a:ext cx="609600" cy="584776"/>
+          </a:xfrm>
+          <a:prstGeom prst="rect">
+            <a:avLst/>
+          </a:prstGeom>
+        </p:spPr>
+        <p:txBody>
+          <a:bodyPr vert="horz" lIns="91440" tIns="45720" rIns="91440" bIns="45720" rtlCol="0" anchor="ctr">
+            <a:noAutofit/>
+          </a:bodyPr>
+          <a:lstStyle>
+            <a:lvl1pPr>
+              <a:spcBef>
+                <a:spcPct val="0"/>
+              </a:spcBef>
+              <a:buNone/>
+              <a:defRPr sz="3200" b="0" cap="all">
+                <a:ln w="3175" cmpd="sng">
+                  <a:noFill/>
+                </a:ln>
+                <a:effectLst>
+                  <a:glow rad="38100">
+                    <a:schemeClr val="bg1">
+                      <a:lumMod val="65000"/>
+                      <a:lumOff val="35000"/>
+                      <a:alpha val="40000"/>
+                    </a:schemeClr>
+                  </a:glow>
+                  <a:outerShdw blurRad="28575" dist="38100" dir="14040000" algn="tl" rotWithShape="0">
+                    <a:srgbClr val="000000">
+                      <a:alpha val="25000"/>
+                    </a:srgbClr>
+                  </a:outerShdw>
+                </a:effectLst>
+              </a:defRPr>
+            </a:lvl1pPr>
+            <a:lvl2pPr>
+              <a:defRPr>
+                <a:solidFill>
+                  <a:schemeClr val="tx2"/>
+                </a:solidFill>
+              </a:defRPr>
+            </a:lvl2pPr>
+            <a:lvl3pPr>
+              <a:defRPr>
+                <a:solidFill>
+                  <a:schemeClr val="tx2"/>
+                </a:solidFill>
+              </a:defRPr>
+            </a:lvl3pPr>
+            <a:lvl4pPr>
+              <a:defRPr>
+                <a:solidFill>
+                  <a:schemeClr val="tx2"/>
+                </a:solidFill>
+              </a:defRPr>
+            </a:lvl4pPr>
+            <a:lvl5pPr>
+              <a:defRPr>
+                <a:solidFill>
+                  <a:schemeClr val="tx2"/>
+                </a:solidFill>
+              </a:defRPr>
+            </a:lvl5pPr>
+            <a:lvl6pPr>
+              <a:defRPr>
+                <a:solidFill>
+                  <a:schemeClr val="tx2"/>
+                </a:solidFill>
+              </a:defRPr>
+            </a:lvl6pPr>
+            <a:lvl7pPr>
+              <a:defRPr>
+                <a:solidFill>
+                  <a:schemeClr val="tx2"/>
+                </a:solidFill>
+              </a:defRPr>
+            </a:lvl7pPr>
+            <a:lvl8pPr>
+              <a:defRPr>
+                <a:solidFill>
+                  <a:schemeClr val="tx2"/>
+                </a:solidFill>
+              </a:defRPr>
+            </a:lvl8pPr>
+            <a:lvl9pPr>
+              <a:defRPr>
+                <a:solidFill>
+                  <a:schemeClr val="tx2"/>
+                </a:solidFill>
+              </a:defRPr>
+            </a:lvl9pPr>
+          </a:lstStyle>
+          <a:p>
+            <a:pPr lvl="0" algn="r"/>
+            <a:r>
+              <a:rPr lang="en-US" sz="8000" dirty="0">
+                <a:solidFill>
+                  <a:schemeClr val="tx1"/>
+                </a:solidFill>
+                <a:effectLst/>
+              </a:rPr>
+              <a:t>”</a:t>
+            </a:r>
+          </a:p>
+        </p:txBody>
+      </p:sp>
     </p:spTree>
+    <p:extLst>
+      <p:ext uri="{BB962C8B-B14F-4D97-AF65-F5344CB8AC3E}">
+        <p14:creationId xmlns:p14="http://schemas.microsoft.com/office/powerpoint/2010/main" val="3142125862"/>
+      </p:ext>
+    </p:extLst>
   </p:cSld>
   <p:clrMapOvr>
     <a:masterClrMapping/>
@@ -811,9 +1286,9 @@
 </p:sldLayout>
 </file>
 
-<file path=ppt/slideLayouts/slideLayout3.xml><?xml version="1.0" encoding="utf-8"?>
-<p:sldLayout xmlns:a="http://schemas.openxmlformats.org/drawingml/2006/main" xmlns:r="http://schemas.openxmlformats.org/officeDocument/2006/relationships" xmlns:p="http://schemas.openxmlformats.org/presentationml/2006/main" type="secHead" preserve="1">
-  <p:cSld name="Section Header">
+<file path=ppt/slideLayouts/slideLayout13.xml><?xml version="1.0" encoding="utf-8"?>
+<p:sldLayout xmlns:a="http://schemas.openxmlformats.org/drawingml/2006/main" xmlns:r="http://schemas.openxmlformats.org/officeDocument/2006/relationships" xmlns:p="http://schemas.openxmlformats.org/presentationml/2006/main" preserve="1">
+  <p:cSld name="Névkártya">
     <p:spTree>
       <p:nvGrpSpPr>
         <p:cNvPr id="1" name=""/>
@@ -840,149 +1315,94 @@
         </p:nvSpPr>
         <p:spPr>
           <a:xfrm>
-            <a:off x="831850" y="1709738"/>
-            <a:ext cx="10515600" cy="2852737"/>
+            <a:off x="913806" y="2126942"/>
+            <a:ext cx="10355327" cy="2511835"/>
           </a:xfrm>
         </p:spPr>
         <p:txBody>
           <a:bodyPr anchor="b"/>
           <a:lstStyle>
             <a:lvl1pPr>
-              <a:defRPr sz="6000"/>
+              <a:defRPr sz="3200"/>
             </a:lvl1pPr>
           </a:lstStyle>
           <a:p>
             <a:r>
-              <a:rPr lang="en-US" smtClean="0"/>
-              <a:t>Click to edit Master title style</a:t>
-            </a:r>
-            <a:endParaRPr lang="en-US"/>
-          </a:p>
-        </p:txBody>
-      </p:sp>
-      <p:sp>
-        <p:nvSpPr>
-          <p:cNvPr id="3" name="Text Placeholder 2"/>
-          <p:cNvSpPr>
-            <a:spLocks noGrp="1"/>
-          </p:cNvSpPr>
-          <p:nvPr>
-            <p:ph type="body" idx="1"/>
+              <a:rPr lang="hu-HU"/>
+              <a:t>Mintacím szerkesztése</a:t>
+            </a:r>
+            <a:endParaRPr lang="en-US" dirty="0"/>
+          </a:p>
+        </p:txBody>
+      </p:sp>
+      <p:sp>
+        <p:nvSpPr>
+          <p:cNvPr id="4" name="Text Placeholder 3"/>
+          <p:cNvSpPr>
+            <a:spLocks noGrp="1"/>
+          </p:cNvSpPr>
+          <p:nvPr>
+            <p:ph type="body" sz="half" idx="2"/>
           </p:nvPr>
         </p:nvSpPr>
         <p:spPr>
           <a:xfrm>
-            <a:off x="831850" y="4589463"/>
-            <a:ext cx="10515600" cy="1500187"/>
+            <a:off x="913794" y="4650556"/>
+            <a:ext cx="10353763" cy="1140644"/>
           </a:xfrm>
         </p:spPr>
         <p:txBody>
-          <a:bodyPr/>
+          <a:bodyPr anchor="t"/>
           <a:lstStyle>
-            <a:lvl1pPr marL="0" indent="0">
-              <a:buNone/>
-              <a:defRPr sz="2400">
-                <a:solidFill>
-                  <a:schemeClr val="tx1">
-                    <a:tint val="75000"/>
-                  </a:schemeClr>
-                </a:solidFill>
-              </a:defRPr>
+            <a:lvl1pPr marL="0" indent="0" algn="ctr">
+              <a:buNone/>
+              <a:defRPr sz="1600"/>
             </a:lvl1pPr>
             <a:lvl2pPr marL="457200" indent="0">
               <a:buNone/>
-              <a:defRPr sz="2000">
-                <a:solidFill>
-                  <a:schemeClr val="tx1">
-                    <a:tint val="75000"/>
-                  </a:schemeClr>
-                </a:solidFill>
-              </a:defRPr>
+              <a:defRPr sz="1400"/>
             </a:lvl2pPr>
             <a:lvl3pPr marL="914400" indent="0">
               <a:buNone/>
-              <a:defRPr sz="1800">
-                <a:solidFill>
-                  <a:schemeClr val="tx1">
-                    <a:tint val="75000"/>
-                  </a:schemeClr>
-                </a:solidFill>
-              </a:defRPr>
+              <a:defRPr sz="1200"/>
             </a:lvl3pPr>
             <a:lvl4pPr marL="1371600" indent="0">
               <a:buNone/>
-              <a:defRPr sz="1600">
-                <a:solidFill>
-                  <a:schemeClr val="tx1">
-                    <a:tint val="75000"/>
-                  </a:schemeClr>
-                </a:solidFill>
-              </a:defRPr>
+              <a:defRPr sz="1000"/>
             </a:lvl4pPr>
             <a:lvl5pPr marL="1828800" indent="0">
               <a:buNone/>
-              <a:defRPr sz="1600">
-                <a:solidFill>
-                  <a:schemeClr val="tx1">
-                    <a:tint val="75000"/>
-                  </a:schemeClr>
-                </a:solidFill>
-              </a:defRPr>
+              <a:defRPr sz="1000"/>
             </a:lvl5pPr>
             <a:lvl6pPr marL="2286000" indent="0">
               <a:buNone/>
-              <a:defRPr sz="1600">
-                <a:solidFill>
-                  <a:schemeClr val="tx1">
-                    <a:tint val="75000"/>
-                  </a:schemeClr>
-                </a:solidFill>
-              </a:defRPr>
+              <a:defRPr sz="1000"/>
             </a:lvl6pPr>
             <a:lvl7pPr marL="2743200" indent="0">
               <a:buNone/>
-              <a:defRPr sz="1600">
-                <a:solidFill>
-                  <a:schemeClr val="tx1">
-                    <a:tint val="75000"/>
-                  </a:schemeClr>
-                </a:solidFill>
-              </a:defRPr>
+              <a:defRPr sz="1000"/>
             </a:lvl7pPr>
             <a:lvl8pPr marL="3200400" indent="0">
               <a:buNone/>
-              <a:defRPr sz="1600">
-                <a:solidFill>
-                  <a:schemeClr val="tx1">
-                    <a:tint val="75000"/>
-                  </a:schemeClr>
-                </a:solidFill>
-              </a:defRPr>
+              <a:defRPr sz="1000"/>
             </a:lvl8pPr>
             <a:lvl9pPr marL="3657600" indent="0">
               <a:buNone/>
-              <a:defRPr sz="1600">
-                <a:solidFill>
-                  <a:schemeClr val="tx1">
-                    <a:tint val="75000"/>
-                  </a:schemeClr>
-                </a:solidFill>
-              </a:defRPr>
+              <a:defRPr sz="1000"/>
             </a:lvl9pPr>
           </a:lstStyle>
           <a:p>
             <a:pPr lvl="0"/>
             <a:r>
-              <a:rPr lang="en-US" smtClean="0"/>
-              <a:t>Click to edit Master text styles</a:t>
-            </a:r>
-            <a:endParaRPr lang="en-US" smtClean="0"/>
-          </a:p>
-        </p:txBody>
-      </p:sp>
-      <p:sp>
-        <p:nvSpPr>
-          <p:cNvPr id="4" name="Date Placeholder 3"/>
+              <a:rPr lang="hu-HU"/>
+              <a:t>Mintaszöveg szerkesztése</a:t>
+            </a:r>
+          </a:p>
+        </p:txBody>
+      </p:sp>
+      <p:sp>
+        <p:nvSpPr>
+          <p:cNvPr id="5" name="Date Placeholder 4"/>
           <p:cNvSpPr>
             <a:spLocks noGrp="1"/>
           </p:cNvSpPr>
@@ -997,6 +1417,7 @@
           <a:p>
             <a:fld id="{63A1C593-65D0-4073-BCC9-577B9352EA97}" type="datetimeFigureOut">
               <a:rPr lang="en-US" smtClean="0"/>
+              <a:t>1/12/2024</a:t>
             </a:fld>
             <a:endParaRPr lang="en-US"/>
           </a:p>
@@ -1004,7 +1425,7 @@
       </p:sp>
       <p:sp>
         <p:nvSpPr>
-          <p:cNvPr id="5" name="Footer Placeholder 4"/>
+          <p:cNvPr id="6" name="Footer Placeholder 5"/>
           <p:cNvSpPr>
             <a:spLocks noGrp="1"/>
           </p:cNvSpPr>
@@ -1023,7 +1444,7 @@
       </p:sp>
       <p:sp>
         <p:nvSpPr>
-          <p:cNvPr id="6" name="Slide Number Placeholder 5"/>
+          <p:cNvPr id="7" name="Slide Number Placeholder 6"/>
           <p:cNvSpPr>
             <a:spLocks noGrp="1"/>
           </p:cNvSpPr>
@@ -1038,12 +1459,18 @@
           <a:p>
             <a:fld id="{9B618960-8005-486C-9A75-10CB2AAC16F9}" type="slidenum">
               <a:rPr lang="en-US" smtClean="0"/>
+              <a:t>‹#›</a:t>
             </a:fld>
             <a:endParaRPr lang="en-US"/>
           </a:p>
         </p:txBody>
       </p:sp>
     </p:spTree>
+    <p:extLst>
+      <p:ext uri="{BB962C8B-B14F-4D97-AF65-F5344CB8AC3E}">
+        <p14:creationId xmlns:p14="http://schemas.microsoft.com/office/powerpoint/2010/main" val="1373634362"/>
+      </p:ext>
+    </p:extLst>
   </p:cSld>
   <p:clrMapOvr>
     <a:masterClrMapping/>
@@ -1051,9 +1478,9 @@
 </p:sldLayout>
 </file>
 
-<file path=ppt/slideLayouts/slideLayout4.xml><?xml version="1.0" encoding="utf-8"?>
-<p:sldLayout xmlns:a="http://schemas.openxmlformats.org/drawingml/2006/main" xmlns:r="http://schemas.openxmlformats.org/officeDocument/2006/relationships" xmlns:p="http://schemas.openxmlformats.org/presentationml/2006/main" type="twoObj" preserve="1">
-  <p:cSld name="Two Content">
+<file path=ppt/slideLayouts/slideLayout14.xml><?xml version="1.0" encoding="utf-8"?>
+<p:sldLayout xmlns:a="http://schemas.openxmlformats.org/drawingml/2006/main" xmlns:r="http://schemas.openxmlformats.org/officeDocument/2006/relationships" xmlns:p="http://schemas.openxmlformats.org/presentationml/2006/main" preserve="1">
+  <p:cSld name="3 hasáb">
     <p:spTree>
       <p:nvGrpSpPr>
         <p:cNvPr id="1" name=""/>
@@ -1070,152 +1497,458 @@
       </p:grpSpPr>
       <p:sp>
         <p:nvSpPr>
-          <p:cNvPr id="2" name="Title 1"/>
+          <p:cNvPr id="15" name="Title 1"/>
           <p:cNvSpPr>
             <a:spLocks noGrp="1"/>
           </p:cNvSpPr>
           <p:nvPr>
             <p:ph type="title"/>
-          </p:nvPr>
-        </p:nvSpPr>
-        <p:spPr/>
-        <p:txBody>
-          <a:bodyPr/>
-          <a:lstStyle/>
-          <a:p>
-            <a:r>
-              <a:rPr lang="en-US" smtClean="0"/>
-              <a:t>Click to edit Master title style</a:t>
-            </a:r>
-            <a:endParaRPr lang="en-US"/>
-          </a:p>
-        </p:txBody>
-      </p:sp>
-      <p:sp>
-        <p:nvSpPr>
-          <p:cNvPr id="3" name="Content Placeholder 2"/>
-          <p:cNvSpPr>
-            <a:spLocks noGrp="1"/>
-          </p:cNvSpPr>
-          <p:nvPr>
-            <p:ph sz="half" idx="1"/>
           </p:nvPr>
         </p:nvSpPr>
         <p:spPr>
           <a:xfrm>
-            <a:off x="838200" y="1825625"/>
-            <a:ext cx="5181600" cy="4351338"/>
+            <a:off x="913794" y="609600"/>
+            <a:ext cx="10353762" cy="1325563"/>
           </a:xfrm>
         </p:spPr>
         <p:txBody>
           <a:bodyPr/>
           <a:lstStyle/>
           <a:p>
-            <a:pPr lvl="0"/>
-            <a:r>
-              <a:rPr lang="en-US" smtClean="0"/>
-              <a:t>Click to edit Master text styles</a:t>
-            </a:r>
-            <a:endParaRPr lang="en-US" smtClean="0"/>
-          </a:p>
-          <a:p>
-            <a:pPr lvl="1"/>
-            <a:r>
-              <a:rPr lang="en-US" smtClean="0"/>
-              <a:t>Second level</a:t>
-            </a:r>
-            <a:endParaRPr lang="en-US" smtClean="0"/>
-          </a:p>
-          <a:p>
-            <a:pPr lvl="2"/>
-            <a:r>
-              <a:rPr lang="en-US" smtClean="0"/>
-              <a:t>Third level</a:t>
-            </a:r>
-            <a:endParaRPr lang="en-US" smtClean="0"/>
-          </a:p>
-          <a:p>
-            <a:pPr lvl="3"/>
-            <a:r>
-              <a:rPr lang="en-US" smtClean="0"/>
-              <a:t>Fourth level</a:t>
-            </a:r>
-            <a:endParaRPr lang="en-US" smtClean="0"/>
-          </a:p>
-          <a:p>
-            <a:pPr lvl="4"/>
-            <a:r>
-              <a:rPr lang="en-US" smtClean="0"/>
-              <a:t>Fifth level</a:t>
-            </a:r>
-            <a:endParaRPr lang="en-US"/>
-          </a:p>
-        </p:txBody>
-      </p:sp>
-      <p:sp>
-        <p:nvSpPr>
-          <p:cNvPr id="4" name="Content Placeholder 3"/>
-          <p:cNvSpPr>
-            <a:spLocks noGrp="1"/>
-          </p:cNvSpPr>
-          <p:nvPr>
-            <p:ph sz="half" idx="2"/>
+            <a:r>
+              <a:rPr lang="hu-HU"/>
+              <a:t>Mintacím szerkesztése</a:t>
+            </a:r>
+            <a:endParaRPr lang="en-US" dirty="0"/>
+          </a:p>
+        </p:txBody>
+      </p:sp>
+      <p:sp>
+        <p:nvSpPr>
+          <p:cNvPr id="7" name="Text Placeholder 2"/>
+          <p:cNvSpPr>
+            <a:spLocks noGrp="1"/>
+          </p:cNvSpPr>
+          <p:nvPr>
+            <p:ph type="body" idx="1"/>
           </p:nvPr>
         </p:nvSpPr>
         <p:spPr>
           <a:xfrm>
-            <a:off x="6172200" y="1825625"/>
-            <a:ext cx="5181600" cy="4351338"/>
+            <a:off x="913794" y="2088319"/>
+            <a:ext cx="3298956" cy="823305"/>
           </a:xfrm>
         </p:spPr>
         <p:txBody>
-          <a:bodyPr/>
-          <a:lstStyle/>
+          <a:bodyPr anchor="b">
+            <a:noAutofit/>
+          </a:bodyPr>
+          <a:lstStyle>
+            <a:lvl1pPr marL="0" indent="0" algn="ctr">
+              <a:lnSpc>
+                <a:spcPct val="100000"/>
+              </a:lnSpc>
+              <a:buNone/>
+              <a:defRPr sz="2400" b="0">
+                <a:solidFill>
+                  <a:schemeClr val="tx1"/>
+                </a:solidFill>
+              </a:defRPr>
+            </a:lvl1pPr>
+            <a:lvl2pPr marL="457200" indent="0">
+              <a:buNone/>
+              <a:defRPr sz="2000" b="1"/>
+            </a:lvl2pPr>
+            <a:lvl3pPr marL="914400" indent="0">
+              <a:buNone/>
+              <a:defRPr sz="1800" b="1"/>
+            </a:lvl3pPr>
+            <a:lvl4pPr marL="1371600" indent="0">
+              <a:buNone/>
+              <a:defRPr sz="1600" b="1"/>
+            </a:lvl4pPr>
+            <a:lvl5pPr marL="1828800" indent="0">
+              <a:buNone/>
+              <a:defRPr sz="1600" b="1"/>
+            </a:lvl5pPr>
+            <a:lvl6pPr marL="2286000" indent="0">
+              <a:buNone/>
+              <a:defRPr sz="1600" b="1"/>
+            </a:lvl6pPr>
+            <a:lvl7pPr marL="2743200" indent="0">
+              <a:buNone/>
+              <a:defRPr sz="1600" b="1"/>
+            </a:lvl7pPr>
+            <a:lvl8pPr marL="3200400" indent="0">
+              <a:buNone/>
+              <a:defRPr sz="1600" b="1"/>
+            </a:lvl8pPr>
+            <a:lvl9pPr marL="3657600" indent="0">
+              <a:buNone/>
+              <a:defRPr sz="1600" b="1"/>
+            </a:lvl9pPr>
+          </a:lstStyle>
           <a:p>
             <a:pPr lvl="0"/>
             <a:r>
-              <a:rPr lang="en-US" smtClean="0"/>
-              <a:t>Click to edit Master text styles</a:t>
-            </a:r>
-            <a:endParaRPr lang="en-US" smtClean="0"/>
-          </a:p>
-          <a:p>
-            <a:pPr lvl="1"/>
-            <a:r>
-              <a:rPr lang="en-US" smtClean="0"/>
-              <a:t>Second level</a:t>
-            </a:r>
-            <a:endParaRPr lang="en-US" smtClean="0"/>
-          </a:p>
-          <a:p>
-            <a:pPr lvl="2"/>
-            <a:r>
-              <a:rPr lang="en-US" smtClean="0"/>
-              <a:t>Third level</a:t>
-            </a:r>
-            <a:endParaRPr lang="en-US" smtClean="0"/>
-          </a:p>
-          <a:p>
-            <a:pPr lvl="3"/>
-            <a:r>
-              <a:rPr lang="en-US" smtClean="0"/>
-              <a:t>Fourth level</a:t>
-            </a:r>
-            <a:endParaRPr lang="en-US" smtClean="0"/>
-          </a:p>
-          <a:p>
-            <a:pPr lvl="4"/>
-            <a:r>
-              <a:rPr lang="en-US" smtClean="0"/>
-              <a:t>Fifth level</a:t>
-            </a:r>
-            <a:endParaRPr lang="en-US"/>
-          </a:p>
-        </p:txBody>
-      </p:sp>
-      <p:sp>
-        <p:nvSpPr>
-          <p:cNvPr id="5" name="Date Placeholder 4"/>
+              <a:rPr lang="hu-HU"/>
+              <a:t>Mintaszöveg szerkesztése</a:t>
+            </a:r>
+          </a:p>
+        </p:txBody>
+      </p:sp>
+      <p:sp>
+        <p:nvSpPr>
+          <p:cNvPr id="8" name="Text Placeholder 3"/>
+          <p:cNvSpPr>
+            <a:spLocks noGrp="1"/>
+          </p:cNvSpPr>
+          <p:nvPr>
+            <p:ph type="body" sz="half" idx="15"/>
+          </p:nvPr>
+        </p:nvSpPr>
+        <p:spPr>
+          <a:xfrm>
+            <a:off x="913794" y="2911624"/>
+            <a:ext cx="3298956" cy="2879576"/>
+          </a:xfrm>
+        </p:spPr>
+        <p:txBody>
+          <a:bodyPr anchor="t">
+            <a:normAutofit/>
+          </a:bodyPr>
+          <a:lstStyle>
+            <a:lvl1pPr marL="0" indent="0" algn="ctr">
+              <a:buNone/>
+              <a:defRPr sz="1400"/>
+            </a:lvl1pPr>
+            <a:lvl2pPr marL="457200" indent="0">
+              <a:buNone/>
+              <a:defRPr sz="1200"/>
+            </a:lvl2pPr>
+            <a:lvl3pPr marL="914400" indent="0">
+              <a:buNone/>
+              <a:defRPr sz="1000"/>
+            </a:lvl3pPr>
+            <a:lvl4pPr marL="1371600" indent="0">
+              <a:buNone/>
+              <a:defRPr sz="900"/>
+            </a:lvl4pPr>
+            <a:lvl5pPr marL="1828800" indent="0">
+              <a:buNone/>
+              <a:defRPr sz="900"/>
+            </a:lvl5pPr>
+            <a:lvl6pPr marL="2286000" indent="0">
+              <a:buNone/>
+              <a:defRPr sz="900"/>
+            </a:lvl6pPr>
+            <a:lvl7pPr marL="2743200" indent="0">
+              <a:buNone/>
+              <a:defRPr sz="900"/>
+            </a:lvl7pPr>
+            <a:lvl8pPr marL="3200400" indent="0">
+              <a:buNone/>
+              <a:defRPr sz="900"/>
+            </a:lvl8pPr>
+            <a:lvl9pPr marL="3657600" indent="0">
+              <a:buNone/>
+              <a:defRPr sz="900"/>
+            </a:lvl9pPr>
+          </a:lstStyle>
+          <a:p>
+            <a:pPr lvl="0"/>
+            <a:r>
+              <a:rPr lang="hu-HU"/>
+              <a:t>Mintaszöveg szerkesztése</a:t>
+            </a:r>
+          </a:p>
+        </p:txBody>
+      </p:sp>
+      <p:sp>
+        <p:nvSpPr>
+          <p:cNvPr id="9" name="Text Placeholder 4"/>
+          <p:cNvSpPr>
+            <a:spLocks noGrp="1"/>
+          </p:cNvSpPr>
+          <p:nvPr>
+            <p:ph type="body" sz="quarter" idx="3"/>
+          </p:nvPr>
+        </p:nvSpPr>
+        <p:spPr>
+          <a:xfrm>
+            <a:off x="4444878" y="2088320"/>
+            <a:ext cx="3298558" cy="823304"/>
+          </a:xfrm>
+        </p:spPr>
+        <p:txBody>
+          <a:bodyPr anchor="b">
+            <a:noAutofit/>
+          </a:bodyPr>
+          <a:lstStyle>
+            <a:lvl1pPr marL="0" indent="0" algn="ctr">
+              <a:lnSpc>
+                <a:spcPct val="100000"/>
+              </a:lnSpc>
+              <a:buNone/>
+              <a:defRPr sz="2400" b="0">
+                <a:solidFill>
+                  <a:schemeClr val="tx1"/>
+                </a:solidFill>
+              </a:defRPr>
+            </a:lvl1pPr>
+            <a:lvl2pPr marL="457200" indent="0">
+              <a:buNone/>
+              <a:defRPr sz="2000" b="1"/>
+            </a:lvl2pPr>
+            <a:lvl3pPr marL="914400" indent="0">
+              <a:buNone/>
+              <a:defRPr sz="1800" b="1"/>
+            </a:lvl3pPr>
+            <a:lvl4pPr marL="1371600" indent="0">
+              <a:buNone/>
+              <a:defRPr sz="1600" b="1"/>
+            </a:lvl4pPr>
+            <a:lvl5pPr marL="1828800" indent="0">
+              <a:buNone/>
+              <a:defRPr sz="1600" b="1"/>
+            </a:lvl5pPr>
+            <a:lvl6pPr marL="2286000" indent="0">
+              <a:buNone/>
+              <a:defRPr sz="1600" b="1"/>
+            </a:lvl6pPr>
+            <a:lvl7pPr marL="2743200" indent="0">
+              <a:buNone/>
+              <a:defRPr sz="1600" b="1"/>
+            </a:lvl7pPr>
+            <a:lvl8pPr marL="3200400" indent="0">
+              <a:buNone/>
+              <a:defRPr sz="1600" b="1"/>
+            </a:lvl8pPr>
+            <a:lvl9pPr marL="3657600" indent="0">
+              <a:buNone/>
+              <a:defRPr sz="1600" b="1"/>
+            </a:lvl9pPr>
+          </a:lstStyle>
+          <a:p>
+            <a:pPr lvl="0"/>
+            <a:r>
+              <a:rPr lang="hu-HU"/>
+              <a:t>Mintaszöveg szerkesztése</a:t>
+            </a:r>
+          </a:p>
+        </p:txBody>
+      </p:sp>
+      <p:sp>
+        <p:nvSpPr>
+          <p:cNvPr id="10" name="Text Placeholder 3"/>
+          <p:cNvSpPr>
+            <a:spLocks noGrp="1"/>
+          </p:cNvSpPr>
+          <p:nvPr>
+            <p:ph type="body" sz="half" idx="16"/>
+          </p:nvPr>
+        </p:nvSpPr>
+        <p:spPr>
+          <a:xfrm>
+            <a:off x="4444878" y="2911624"/>
+            <a:ext cx="3299821" cy="2879576"/>
+          </a:xfrm>
+        </p:spPr>
+        <p:txBody>
+          <a:bodyPr anchor="t">
+            <a:normAutofit/>
+          </a:bodyPr>
+          <a:lstStyle>
+            <a:lvl1pPr marL="0" indent="0" algn="ctr">
+              <a:buNone/>
+              <a:defRPr sz="1400"/>
+            </a:lvl1pPr>
+            <a:lvl2pPr marL="457200" indent="0">
+              <a:buNone/>
+              <a:defRPr sz="1200"/>
+            </a:lvl2pPr>
+            <a:lvl3pPr marL="914400" indent="0">
+              <a:buNone/>
+              <a:defRPr sz="1000"/>
+            </a:lvl3pPr>
+            <a:lvl4pPr marL="1371600" indent="0">
+              <a:buNone/>
+              <a:defRPr sz="900"/>
+            </a:lvl4pPr>
+            <a:lvl5pPr marL="1828800" indent="0">
+              <a:buNone/>
+              <a:defRPr sz="900"/>
+            </a:lvl5pPr>
+            <a:lvl6pPr marL="2286000" indent="0">
+              <a:buNone/>
+              <a:defRPr sz="900"/>
+            </a:lvl6pPr>
+            <a:lvl7pPr marL="2743200" indent="0">
+              <a:buNone/>
+              <a:defRPr sz="900"/>
+            </a:lvl7pPr>
+            <a:lvl8pPr marL="3200400" indent="0">
+              <a:buNone/>
+              <a:defRPr sz="900"/>
+            </a:lvl8pPr>
+            <a:lvl9pPr marL="3657600" indent="0">
+              <a:buNone/>
+              <a:defRPr sz="900"/>
+            </a:lvl9pPr>
+          </a:lstStyle>
+          <a:p>
+            <a:pPr lvl="0"/>
+            <a:r>
+              <a:rPr lang="hu-HU"/>
+              <a:t>Mintaszöveg szerkesztése</a:t>
+            </a:r>
+          </a:p>
+        </p:txBody>
+      </p:sp>
+      <p:sp>
+        <p:nvSpPr>
+          <p:cNvPr id="11" name="Text Placeholder 4"/>
+          <p:cNvSpPr>
+            <a:spLocks noGrp="1"/>
+          </p:cNvSpPr>
+          <p:nvPr>
+            <p:ph type="body" sz="quarter" idx="13"/>
+          </p:nvPr>
+        </p:nvSpPr>
+        <p:spPr>
+          <a:xfrm>
+            <a:off x="7973298" y="2088320"/>
+            <a:ext cx="3291211" cy="823304"/>
+          </a:xfrm>
+        </p:spPr>
+        <p:txBody>
+          <a:bodyPr anchor="b">
+            <a:noAutofit/>
+          </a:bodyPr>
+          <a:lstStyle>
+            <a:lvl1pPr marL="0" indent="0" algn="ctr">
+              <a:lnSpc>
+                <a:spcPct val="100000"/>
+              </a:lnSpc>
+              <a:buNone/>
+              <a:defRPr sz="2400" b="0">
+                <a:solidFill>
+                  <a:schemeClr val="tx1"/>
+                </a:solidFill>
+              </a:defRPr>
+            </a:lvl1pPr>
+            <a:lvl2pPr marL="457200" indent="0">
+              <a:buNone/>
+              <a:defRPr sz="2000" b="1"/>
+            </a:lvl2pPr>
+            <a:lvl3pPr marL="914400" indent="0">
+              <a:buNone/>
+              <a:defRPr sz="1800" b="1"/>
+            </a:lvl3pPr>
+            <a:lvl4pPr marL="1371600" indent="0">
+              <a:buNone/>
+              <a:defRPr sz="1600" b="1"/>
+            </a:lvl4pPr>
+            <a:lvl5pPr marL="1828800" indent="0">
+              <a:buNone/>
+              <a:defRPr sz="1600" b="1"/>
+            </a:lvl5pPr>
+            <a:lvl6pPr marL="2286000" indent="0">
+              <a:buNone/>
+              <a:defRPr sz="1600" b="1"/>
+            </a:lvl6pPr>
+            <a:lvl7pPr marL="2743200" indent="0">
+              <a:buNone/>
+              <a:defRPr sz="1600" b="1"/>
+            </a:lvl7pPr>
+            <a:lvl8pPr marL="3200400" indent="0">
+              <a:buNone/>
+              <a:defRPr sz="1600" b="1"/>
+            </a:lvl8pPr>
+            <a:lvl9pPr marL="3657600" indent="0">
+              <a:buNone/>
+              <a:defRPr sz="1600" b="1"/>
+            </a:lvl9pPr>
+          </a:lstStyle>
+          <a:p>
+            <a:pPr lvl="0"/>
+            <a:r>
+              <a:rPr lang="hu-HU"/>
+              <a:t>Mintaszöveg szerkesztése</a:t>
+            </a:r>
+          </a:p>
+        </p:txBody>
+      </p:sp>
+      <p:sp>
+        <p:nvSpPr>
+          <p:cNvPr id="12" name="Text Placeholder 3"/>
+          <p:cNvSpPr>
+            <a:spLocks noGrp="1"/>
+          </p:cNvSpPr>
+          <p:nvPr>
+            <p:ph type="body" sz="half" idx="17"/>
+          </p:nvPr>
+        </p:nvSpPr>
+        <p:spPr>
+          <a:xfrm>
+            <a:off x="7976346" y="2911624"/>
+            <a:ext cx="3291211" cy="2879576"/>
+          </a:xfrm>
+        </p:spPr>
+        <p:txBody>
+          <a:bodyPr anchor="t">
+            <a:normAutofit/>
+          </a:bodyPr>
+          <a:lstStyle>
+            <a:lvl1pPr marL="0" indent="0" algn="ctr">
+              <a:buNone/>
+              <a:defRPr sz="1400"/>
+            </a:lvl1pPr>
+            <a:lvl2pPr marL="457200" indent="0">
+              <a:buNone/>
+              <a:defRPr sz="1200"/>
+            </a:lvl2pPr>
+            <a:lvl3pPr marL="914400" indent="0">
+              <a:buNone/>
+              <a:defRPr sz="1000"/>
+            </a:lvl3pPr>
+            <a:lvl4pPr marL="1371600" indent="0">
+              <a:buNone/>
+              <a:defRPr sz="900"/>
+            </a:lvl4pPr>
+            <a:lvl5pPr marL="1828800" indent="0">
+              <a:buNone/>
+              <a:defRPr sz="900"/>
+            </a:lvl5pPr>
+            <a:lvl6pPr marL="2286000" indent="0">
+              <a:buNone/>
+              <a:defRPr sz="900"/>
+            </a:lvl6pPr>
+            <a:lvl7pPr marL="2743200" indent="0">
+              <a:buNone/>
+              <a:defRPr sz="900"/>
+            </a:lvl7pPr>
+            <a:lvl8pPr marL="3200400" indent="0">
+              <a:buNone/>
+              <a:defRPr sz="900"/>
+            </a:lvl8pPr>
+            <a:lvl9pPr marL="3657600" indent="0">
+              <a:buNone/>
+              <a:defRPr sz="900"/>
+            </a:lvl9pPr>
+          </a:lstStyle>
+          <a:p>
+            <a:pPr lvl="0"/>
+            <a:r>
+              <a:rPr lang="hu-HU"/>
+              <a:t>Mintaszöveg szerkesztése</a:t>
+            </a:r>
+          </a:p>
+        </p:txBody>
+      </p:sp>
+      <p:sp>
+        <p:nvSpPr>
+          <p:cNvPr id="3" name="Date Placeholder 2"/>
           <p:cNvSpPr>
             <a:spLocks noGrp="1"/>
           </p:cNvSpPr>
@@ -1230,6 +1963,7 @@
           <a:p>
             <a:fld id="{63A1C593-65D0-4073-BCC9-577B9352EA97}" type="datetimeFigureOut">
               <a:rPr lang="en-US" smtClean="0"/>
+              <a:t>1/12/2024</a:t>
             </a:fld>
             <a:endParaRPr lang="en-US"/>
           </a:p>
@@ -1237,7 +1971,7 @@
       </p:sp>
       <p:sp>
         <p:nvSpPr>
-          <p:cNvPr id="6" name="Footer Placeholder 5"/>
+          <p:cNvPr id="4" name="Footer Placeholder 3"/>
           <p:cNvSpPr>
             <a:spLocks noGrp="1"/>
           </p:cNvSpPr>
@@ -1256,7 +1990,7 @@
       </p:sp>
       <p:sp>
         <p:nvSpPr>
-          <p:cNvPr id="7" name="Slide Number Placeholder 6"/>
+          <p:cNvPr id="5" name="Slide Number Placeholder 4"/>
           <p:cNvSpPr>
             <a:spLocks noGrp="1"/>
           </p:cNvSpPr>
@@ -1271,12 +2005,18 @@
           <a:p>
             <a:fld id="{9B618960-8005-486C-9A75-10CB2AAC16F9}" type="slidenum">
               <a:rPr lang="en-US" smtClean="0"/>
+              <a:t>‹#›</a:t>
             </a:fld>
             <a:endParaRPr lang="en-US"/>
           </a:p>
         </p:txBody>
       </p:sp>
     </p:spTree>
+    <p:extLst>
+      <p:ext uri="{BB962C8B-B14F-4D97-AF65-F5344CB8AC3E}">
+        <p14:creationId xmlns:p14="http://schemas.microsoft.com/office/powerpoint/2010/main" val="619489702"/>
+      </p:ext>
+    </p:extLst>
   </p:cSld>
   <p:clrMapOvr>
     <a:masterClrMapping/>
@@ -1284,9 +2024,9 @@
 </p:sldLayout>
 </file>
 
-<file path=ppt/slideLayouts/slideLayout5.xml><?xml version="1.0" encoding="utf-8"?>
-<p:sldLayout xmlns:a="http://schemas.openxmlformats.org/drawingml/2006/main" xmlns:r="http://schemas.openxmlformats.org/officeDocument/2006/relationships" xmlns:p="http://schemas.openxmlformats.org/presentationml/2006/main" type="twoTxTwoObj" preserve="1">
-  <p:cSld name="Comparison">
+<file path=ppt/slideLayouts/slideLayout15.xml><?xml version="1.0" encoding="utf-8"?>
+<p:sldLayout xmlns:a="http://schemas.openxmlformats.org/drawingml/2006/main" xmlns:r="http://schemas.openxmlformats.org/officeDocument/2006/relationships" xmlns:p="http://schemas.openxmlformats.org/presentationml/2006/main" preserve="1">
+  <p:cSld name="3 képhasáb">
     <p:spTree>
       <p:nvGrpSpPr>
         <p:cNvPr id="1" name=""/>
@@ -1303,7 +2043,7 @@
       </p:grpSpPr>
       <p:sp>
         <p:nvSpPr>
-          <p:cNvPr id="2" name="Title 1"/>
+          <p:cNvPr id="30" name="Title 1"/>
           <p:cNvSpPr>
             <a:spLocks noGrp="1"/>
           </p:cNvSpPr>
@@ -1313,8 +2053,8 @@
         </p:nvSpPr>
         <p:spPr>
           <a:xfrm>
-            <a:off x="839788" y="365125"/>
-            <a:ext cx="10515600" cy="1325563"/>
+            <a:off x="913795" y="609600"/>
+            <a:ext cx="10353762" cy="1325563"/>
           </a:xfrm>
         </p:spPr>
         <p:txBody>
@@ -1322,16 +2062,16 @@
           <a:lstStyle/>
           <a:p>
             <a:r>
-              <a:rPr lang="en-US" smtClean="0"/>
-              <a:t>Click to edit Master title style</a:t>
-            </a:r>
-            <a:endParaRPr lang="en-US"/>
-          </a:p>
-        </p:txBody>
-      </p:sp>
-      <p:sp>
-        <p:nvSpPr>
-          <p:cNvPr id="3" name="Text Placeholder 2"/>
+              <a:rPr lang="hu-HU"/>
+              <a:t>Mintacím szerkesztése</a:t>
+            </a:r>
+            <a:endParaRPr lang="en-US" dirty="0"/>
+          </a:p>
+        </p:txBody>
+      </p:sp>
+      <p:sp>
+        <p:nvSpPr>
+          <p:cNvPr id="19" name="Text Placeholder 2"/>
           <p:cNvSpPr>
             <a:spLocks noGrp="1"/>
           </p:cNvSpPr>
@@ -1341,16 +2081,25 @@
         </p:nvSpPr>
         <p:spPr>
           <a:xfrm>
-            <a:off x="839788" y="1681163"/>
-            <a:ext cx="5157787" cy="823912"/>
+            <a:off x="913795" y="4195899"/>
+            <a:ext cx="3298955" cy="576262"/>
           </a:xfrm>
         </p:spPr>
         <p:txBody>
-          <a:bodyPr anchor="b"/>
+          <a:bodyPr anchor="b">
+            <a:noAutofit/>
+          </a:bodyPr>
           <a:lstStyle>
-            <a:lvl1pPr marL="0" indent="0">
-              <a:buNone/>
-              <a:defRPr sz="2400" b="1"/>
+            <a:lvl1pPr marL="0" indent="0" algn="ctr">
+              <a:lnSpc>
+                <a:spcPct val="100000"/>
+              </a:lnSpc>
+              <a:buNone/>
+              <a:defRPr sz="2000" b="0">
+                <a:solidFill>
+                  <a:schemeClr val="tx1"/>
+                </a:solidFill>
+              </a:defRPr>
             </a:lvl1pPr>
             <a:lvl2pPr marL="457200" indent="0">
               <a:buNone/>
@@ -1388,77 +2137,180 @@
           <a:p>
             <a:pPr lvl="0"/>
             <a:r>
-              <a:rPr lang="en-US" smtClean="0"/>
-              <a:t>Click to edit Master text styles</a:t>
-            </a:r>
-            <a:endParaRPr lang="en-US" smtClean="0"/>
-          </a:p>
-        </p:txBody>
-      </p:sp>
-      <p:sp>
-        <p:nvSpPr>
-          <p:cNvPr id="4" name="Content Placeholder 3"/>
-          <p:cNvSpPr>
-            <a:spLocks noGrp="1"/>
-          </p:cNvSpPr>
-          <p:nvPr>
-            <p:ph sz="half" idx="2"/>
+              <a:rPr lang="hu-HU"/>
+              <a:t>Mintaszöveg szerkesztése</a:t>
+            </a:r>
+          </a:p>
+        </p:txBody>
+      </p:sp>
+      <p:sp>
+        <p:nvSpPr>
+          <p:cNvPr id="20" name="Picture Placeholder 2"/>
+          <p:cNvSpPr>
+            <a:spLocks noGrp="1" noChangeAspect="1"/>
+          </p:cNvSpPr>
+          <p:nvPr>
+            <p:ph type="pic" idx="15"/>
           </p:nvPr>
         </p:nvSpPr>
         <p:spPr>
           <a:xfrm>
-            <a:off x="839788" y="2505075"/>
-            <a:ext cx="5157787" cy="3684588"/>
+            <a:off x="1092020" y="2298987"/>
+            <a:ext cx="2940050" cy="1524000"/>
+          </a:xfrm>
+          <a:prstGeom prst="roundRect">
+            <a:avLst>
+              <a:gd name="adj" fmla="val 0"/>
+            </a:avLst>
+          </a:prstGeom>
+          <a:noFill/>
+          <a:ln w="146050" cap="sq">
+            <a:solidFill>
+              <a:srgbClr val="FFFFFF"/>
+            </a:solidFill>
+            <a:miter lim="800000"/>
+          </a:ln>
+          <a:effectLst>
+            <a:outerShdw blurRad="55000" dist="18000" dir="5400000" algn="tl" rotWithShape="0">
+              <a:srgbClr val="000000">
+                <a:alpha val="40000"/>
+              </a:srgbClr>
+            </a:outerShdw>
+          </a:effectLst>
+          <a:scene3d>
+            <a:camera prst="orthographicFront"/>
+            <a:lightRig rig="twoPt" dir="t">
+              <a:rot lat="0" lon="0" rev="7200000"/>
+            </a:lightRig>
+          </a:scene3d>
+          <a:sp3d>
+            <a:bevelT w="25400" h="19050"/>
+            <a:contourClr>
+              <a:srgbClr val="FFFFFF"/>
+            </a:contourClr>
+          </a:sp3d>
+        </p:spPr>
+        <p:txBody>
+          <a:bodyPr anchor="t">
+            <a:normAutofit/>
+          </a:bodyPr>
+          <a:lstStyle>
+            <a:lvl1pPr marL="0" indent="0" algn="ctr">
+              <a:buNone/>
+              <a:defRPr sz="1600"/>
+            </a:lvl1pPr>
+            <a:lvl2pPr marL="457200" indent="0">
+              <a:buNone/>
+              <a:defRPr sz="1600"/>
+            </a:lvl2pPr>
+            <a:lvl3pPr marL="914400" indent="0">
+              <a:buNone/>
+              <a:defRPr sz="1600"/>
+            </a:lvl3pPr>
+            <a:lvl4pPr marL="1371600" indent="0">
+              <a:buNone/>
+              <a:defRPr sz="1600"/>
+            </a:lvl4pPr>
+            <a:lvl5pPr marL="1828800" indent="0">
+              <a:buNone/>
+              <a:defRPr sz="1600"/>
+            </a:lvl5pPr>
+            <a:lvl6pPr marL="2286000" indent="0">
+              <a:buNone/>
+              <a:defRPr sz="1600"/>
+            </a:lvl6pPr>
+            <a:lvl7pPr marL="2743200" indent="0">
+              <a:buNone/>
+              <a:defRPr sz="1600"/>
+            </a:lvl7pPr>
+            <a:lvl8pPr marL="3200400" indent="0">
+              <a:buNone/>
+              <a:defRPr sz="1600"/>
+            </a:lvl8pPr>
+            <a:lvl9pPr marL="3657600" indent="0">
+              <a:buNone/>
+              <a:defRPr sz="1600"/>
+            </a:lvl9pPr>
+          </a:lstStyle>
+          <a:p>
+            <a:r>
+              <a:rPr lang="hu-HU"/>
+              <a:t>Kép beszúrásához kattintson az ikonra</a:t>
+            </a:r>
+            <a:endParaRPr lang="en-US" dirty="0"/>
+          </a:p>
+        </p:txBody>
+      </p:sp>
+      <p:sp>
+        <p:nvSpPr>
+          <p:cNvPr id="21" name="Text Placeholder 3"/>
+          <p:cNvSpPr>
+            <a:spLocks noGrp="1"/>
+          </p:cNvSpPr>
+          <p:nvPr>
+            <p:ph type="body" sz="half" idx="18"/>
+          </p:nvPr>
+        </p:nvSpPr>
+        <p:spPr>
+          <a:xfrm>
+            <a:off x="913795" y="4772161"/>
+            <a:ext cx="3298955" cy="1019038"/>
           </a:xfrm>
         </p:spPr>
         <p:txBody>
-          <a:bodyPr/>
-          <a:lstStyle/>
+          <a:bodyPr anchor="t">
+            <a:normAutofit/>
+          </a:bodyPr>
+          <a:lstStyle>
+            <a:lvl1pPr marL="0" indent="0" algn="ctr">
+              <a:buNone/>
+              <a:defRPr sz="1400"/>
+            </a:lvl1pPr>
+            <a:lvl2pPr marL="457200" indent="0">
+              <a:buNone/>
+              <a:defRPr sz="1200"/>
+            </a:lvl2pPr>
+            <a:lvl3pPr marL="914400" indent="0">
+              <a:buNone/>
+              <a:defRPr sz="1000"/>
+            </a:lvl3pPr>
+            <a:lvl4pPr marL="1371600" indent="0">
+              <a:buNone/>
+              <a:defRPr sz="900"/>
+            </a:lvl4pPr>
+            <a:lvl5pPr marL="1828800" indent="0">
+              <a:buNone/>
+              <a:defRPr sz="900"/>
+            </a:lvl5pPr>
+            <a:lvl6pPr marL="2286000" indent="0">
+              <a:buNone/>
+              <a:defRPr sz="900"/>
+            </a:lvl6pPr>
+            <a:lvl7pPr marL="2743200" indent="0">
+              <a:buNone/>
+              <a:defRPr sz="900"/>
+            </a:lvl7pPr>
+            <a:lvl8pPr marL="3200400" indent="0">
+              <a:buNone/>
+              <a:defRPr sz="900"/>
+            </a:lvl8pPr>
+            <a:lvl9pPr marL="3657600" indent="0">
+              <a:buNone/>
+              <a:defRPr sz="900"/>
+            </a:lvl9pPr>
+          </a:lstStyle>
           <a:p>
             <a:pPr lvl="0"/>
             <a:r>
-              <a:rPr lang="en-US" smtClean="0"/>
-              <a:t>Click to edit Master text styles</a:t>
-            </a:r>
-            <a:endParaRPr lang="en-US" smtClean="0"/>
-          </a:p>
-          <a:p>
-            <a:pPr lvl="1"/>
-            <a:r>
-              <a:rPr lang="en-US" smtClean="0"/>
-              <a:t>Second level</a:t>
-            </a:r>
-            <a:endParaRPr lang="en-US" smtClean="0"/>
-          </a:p>
-          <a:p>
-            <a:pPr lvl="2"/>
-            <a:r>
-              <a:rPr lang="en-US" smtClean="0"/>
-              <a:t>Third level</a:t>
-            </a:r>
-            <a:endParaRPr lang="en-US" smtClean="0"/>
-          </a:p>
-          <a:p>
-            <a:pPr lvl="3"/>
-            <a:r>
-              <a:rPr lang="en-US" smtClean="0"/>
-              <a:t>Fourth level</a:t>
-            </a:r>
-            <a:endParaRPr lang="en-US" smtClean="0"/>
-          </a:p>
-          <a:p>
-            <a:pPr lvl="4"/>
-            <a:r>
-              <a:rPr lang="en-US" smtClean="0"/>
-              <a:t>Fifth level</a:t>
-            </a:r>
-            <a:endParaRPr lang="en-US"/>
-          </a:p>
-        </p:txBody>
-      </p:sp>
-      <p:sp>
-        <p:nvSpPr>
-          <p:cNvPr id="5" name="Text Placeholder 4"/>
+              <a:rPr lang="hu-HU"/>
+              <a:t>Mintaszöveg szerkesztése</a:t>
+            </a:r>
+          </a:p>
+        </p:txBody>
+      </p:sp>
+      <p:sp>
+        <p:nvSpPr>
+          <p:cNvPr id="22" name="Text Placeholder 4"/>
           <p:cNvSpPr>
             <a:spLocks noGrp="1"/>
           </p:cNvSpPr>
@@ -1468,16 +2320,25 @@
         </p:nvSpPr>
         <p:spPr>
           <a:xfrm>
-            <a:off x="6172200" y="1681163"/>
-            <a:ext cx="5183188" cy="823912"/>
+            <a:off x="4442701" y="4195899"/>
+            <a:ext cx="3298983" cy="576262"/>
           </a:xfrm>
         </p:spPr>
         <p:txBody>
-          <a:bodyPr anchor="b"/>
+          <a:bodyPr anchor="b">
+            <a:noAutofit/>
+          </a:bodyPr>
           <a:lstStyle>
-            <a:lvl1pPr marL="0" indent="0">
-              <a:buNone/>
-              <a:defRPr sz="2400" b="1"/>
+            <a:lvl1pPr marL="0" indent="0" algn="ctr">
+              <a:lnSpc>
+                <a:spcPct val="100000"/>
+              </a:lnSpc>
+              <a:buNone/>
+              <a:defRPr sz="2000" b="0">
+                <a:solidFill>
+                  <a:schemeClr val="tx1"/>
+                </a:solidFill>
+              </a:defRPr>
             </a:lvl1pPr>
             <a:lvl2pPr marL="457200" indent="0">
               <a:buNone/>
@@ -1515,77 +2376,419 @@
           <a:p>
             <a:pPr lvl="0"/>
             <a:r>
-              <a:rPr lang="en-US" smtClean="0"/>
-              <a:t>Click to edit Master text styles</a:t>
-            </a:r>
-            <a:endParaRPr lang="en-US" smtClean="0"/>
-          </a:p>
-        </p:txBody>
-      </p:sp>
-      <p:sp>
-        <p:nvSpPr>
-          <p:cNvPr id="6" name="Content Placeholder 5"/>
-          <p:cNvSpPr>
-            <a:spLocks noGrp="1"/>
-          </p:cNvSpPr>
-          <p:nvPr>
-            <p:ph sz="quarter" idx="4"/>
+              <a:rPr lang="hu-HU"/>
+              <a:t>Mintaszöveg szerkesztése</a:t>
+            </a:r>
+          </a:p>
+        </p:txBody>
+      </p:sp>
+      <p:sp>
+        <p:nvSpPr>
+          <p:cNvPr id="23" name="Picture Placeholder 2"/>
+          <p:cNvSpPr>
+            <a:spLocks noGrp="1" noChangeAspect="1"/>
+          </p:cNvSpPr>
+          <p:nvPr>
+            <p:ph type="pic" idx="21"/>
           </p:nvPr>
         </p:nvSpPr>
         <p:spPr>
           <a:xfrm>
-            <a:off x="6172200" y="2505075"/>
-            <a:ext cx="5183188" cy="3684588"/>
+            <a:off x="4568996" y="2298987"/>
+            <a:ext cx="2930525" cy="1524000"/>
+          </a:xfrm>
+          <a:prstGeom prst="roundRect">
+            <a:avLst>
+              <a:gd name="adj" fmla="val 0"/>
+            </a:avLst>
+          </a:prstGeom>
+          <a:noFill/>
+          <a:ln w="146050" cap="sq">
+            <a:solidFill>
+              <a:srgbClr val="FFFFFF"/>
+            </a:solidFill>
+            <a:miter lim="800000"/>
+          </a:ln>
+          <a:effectLst>
+            <a:outerShdw blurRad="55000" dist="18000" dir="5400000" algn="tl" rotWithShape="0">
+              <a:srgbClr val="000000">
+                <a:alpha val="40000"/>
+              </a:srgbClr>
+            </a:outerShdw>
+          </a:effectLst>
+          <a:scene3d>
+            <a:camera prst="orthographicFront"/>
+            <a:lightRig rig="twoPt" dir="t">
+              <a:rot lat="0" lon="0" rev="7200000"/>
+            </a:lightRig>
+          </a:scene3d>
+          <a:sp3d>
+            <a:bevelT w="25400" h="19050"/>
+            <a:contourClr>
+              <a:srgbClr val="FFFFFF"/>
+            </a:contourClr>
+          </a:sp3d>
+        </p:spPr>
+        <p:txBody>
+          <a:bodyPr anchor="t">
+            <a:normAutofit/>
+          </a:bodyPr>
+          <a:lstStyle>
+            <a:lvl1pPr marL="0" indent="0" algn="ctr">
+              <a:buNone/>
+              <a:defRPr sz="1600"/>
+            </a:lvl1pPr>
+            <a:lvl2pPr marL="457200" indent="0">
+              <a:buNone/>
+              <a:defRPr sz="1600"/>
+            </a:lvl2pPr>
+            <a:lvl3pPr marL="914400" indent="0">
+              <a:buNone/>
+              <a:defRPr sz="1600"/>
+            </a:lvl3pPr>
+            <a:lvl4pPr marL="1371600" indent="0">
+              <a:buNone/>
+              <a:defRPr sz="1600"/>
+            </a:lvl4pPr>
+            <a:lvl5pPr marL="1828800" indent="0">
+              <a:buNone/>
+              <a:defRPr sz="1600"/>
+            </a:lvl5pPr>
+            <a:lvl6pPr marL="2286000" indent="0">
+              <a:buNone/>
+              <a:defRPr sz="1600"/>
+            </a:lvl6pPr>
+            <a:lvl7pPr marL="2743200" indent="0">
+              <a:buNone/>
+              <a:defRPr sz="1600"/>
+            </a:lvl7pPr>
+            <a:lvl8pPr marL="3200400" indent="0">
+              <a:buNone/>
+              <a:defRPr sz="1600"/>
+            </a:lvl8pPr>
+            <a:lvl9pPr marL="3657600" indent="0">
+              <a:buNone/>
+              <a:defRPr sz="1600"/>
+            </a:lvl9pPr>
+          </a:lstStyle>
+          <a:p>
+            <a:r>
+              <a:rPr lang="hu-HU"/>
+              <a:t>Kép beszúrásához kattintson az ikonra</a:t>
+            </a:r>
+            <a:endParaRPr lang="en-US" dirty="0"/>
+          </a:p>
+        </p:txBody>
+      </p:sp>
+      <p:sp>
+        <p:nvSpPr>
+          <p:cNvPr id="24" name="Text Placeholder 3"/>
+          <p:cNvSpPr>
+            <a:spLocks noGrp="1"/>
+          </p:cNvSpPr>
+          <p:nvPr>
+            <p:ph type="body" sz="half" idx="19"/>
+          </p:nvPr>
+        </p:nvSpPr>
+        <p:spPr>
+          <a:xfrm>
+            <a:off x="4441348" y="4772160"/>
+            <a:ext cx="3300336" cy="1019038"/>
           </a:xfrm>
         </p:spPr>
         <p:txBody>
-          <a:bodyPr/>
-          <a:lstStyle/>
+          <a:bodyPr anchor="t">
+            <a:normAutofit/>
+          </a:bodyPr>
+          <a:lstStyle>
+            <a:lvl1pPr marL="0" indent="0" algn="ctr">
+              <a:buNone/>
+              <a:defRPr sz="1400"/>
+            </a:lvl1pPr>
+            <a:lvl2pPr marL="457200" indent="0">
+              <a:buNone/>
+              <a:defRPr sz="1200"/>
+            </a:lvl2pPr>
+            <a:lvl3pPr marL="914400" indent="0">
+              <a:buNone/>
+              <a:defRPr sz="1000"/>
+            </a:lvl3pPr>
+            <a:lvl4pPr marL="1371600" indent="0">
+              <a:buNone/>
+              <a:defRPr sz="900"/>
+            </a:lvl4pPr>
+            <a:lvl5pPr marL="1828800" indent="0">
+              <a:buNone/>
+              <a:defRPr sz="900"/>
+            </a:lvl5pPr>
+            <a:lvl6pPr marL="2286000" indent="0">
+              <a:buNone/>
+              <a:defRPr sz="900"/>
+            </a:lvl6pPr>
+            <a:lvl7pPr marL="2743200" indent="0">
+              <a:buNone/>
+              <a:defRPr sz="900"/>
+            </a:lvl7pPr>
+            <a:lvl8pPr marL="3200400" indent="0">
+              <a:buNone/>
+              <a:defRPr sz="900"/>
+            </a:lvl8pPr>
+            <a:lvl9pPr marL="3657600" indent="0">
+              <a:buNone/>
+              <a:defRPr sz="900"/>
+            </a:lvl9pPr>
+          </a:lstStyle>
           <a:p>
             <a:pPr lvl="0"/>
             <a:r>
-              <a:rPr lang="en-US" smtClean="0"/>
-              <a:t>Click to edit Master text styles</a:t>
-            </a:r>
-            <a:endParaRPr lang="en-US" smtClean="0"/>
-          </a:p>
-          <a:p>
-            <a:pPr lvl="1"/>
-            <a:r>
-              <a:rPr lang="en-US" smtClean="0"/>
-              <a:t>Second level</a:t>
-            </a:r>
-            <a:endParaRPr lang="en-US" smtClean="0"/>
-          </a:p>
-          <a:p>
-            <a:pPr lvl="2"/>
-            <a:r>
-              <a:rPr lang="en-US" smtClean="0"/>
-              <a:t>Third level</a:t>
-            </a:r>
-            <a:endParaRPr lang="en-US" smtClean="0"/>
-          </a:p>
-          <a:p>
-            <a:pPr lvl="3"/>
-            <a:r>
-              <a:rPr lang="en-US" smtClean="0"/>
-              <a:t>Fourth level</a:t>
-            </a:r>
-            <a:endParaRPr lang="en-US" smtClean="0"/>
-          </a:p>
-          <a:p>
-            <a:pPr lvl="4"/>
-            <a:r>
-              <a:rPr lang="en-US" smtClean="0"/>
-              <a:t>Fifth level</a:t>
-            </a:r>
-            <a:endParaRPr lang="en-US"/>
-          </a:p>
-        </p:txBody>
-      </p:sp>
-      <p:sp>
-        <p:nvSpPr>
-          <p:cNvPr id="7" name="Date Placeholder 6"/>
+              <a:rPr lang="hu-HU"/>
+              <a:t>Mintaszöveg szerkesztése</a:t>
+            </a:r>
+          </a:p>
+        </p:txBody>
+      </p:sp>
+      <p:sp>
+        <p:nvSpPr>
+          <p:cNvPr id="25" name="Text Placeholder 4"/>
+          <p:cNvSpPr>
+            <a:spLocks noGrp="1"/>
+          </p:cNvSpPr>
+          <p:nvPr>
+            <p:ph type="body" sz="quarter" idx="13"/>
+          </p:nvPr>
+        </p:nvSpPr>
+        <p:spPr>
+          <a:xfrm>
+            <a:off x="7973423" y="4195899"/>
+            <a:ext cx="3289900" cy="576262"/>
+          </a:xfrm>
+        </p:spPr>
+        <p:txBody>
+          <a:bodyPr anchor="b">
+            <a:noAutofit/>
+          </a:bodyPr>
+          <a:lstStyle>
+            <a:lvl1pPr marL="0" indent="0" algn="ctr">
+              <a:lnSpc>
+                <a:spcPct val="100000"/>
+              </a:lnSpc>
+              <a:buNone/>
+              <a:defRPr sz="2000" b="0">
+                <a:solidFill>
+                  <a:schemeClr val="tx1"/>
+                </a:solidFill>
+              </a:defRPr>
+            </a:lvl1pPr>
+            <a:lvl2pPr marL="457200" indent="0">
+              <a:buNone/>
+              <a:defRPr sz="2000" b="1"/>
+            </a:lvl2pPr>
+            <a:lvl3pPr marL="914400" indent="0">
+              <a:buNone/>
+              <a:defRPr sz="1800" b="1"/>
+            </a:lvl3pPr>
+            <a:lvl4pPr marL="1371600" indent="0">
+              <a:buNone/>
+              <a:defRPr sz="1600" b="1"/>
+            </a:lvl4pPr>
+            <a:lvl5pPr marL="1828800" indent="0">
+              <a:buNone/>
+              <a:defRPr sz="1600" b="1"/>
+            </a:lvl5pPr>
+            <a:lvl6pPr marL="2286000" indent="0">
+              <a:buNone/>
+              <a:defRPr sz="1600" b="1"/>
+            </a:lvl6pPr>
+            <a:lvl7pPr marL="2743200" indent="0">
+              <a:buNone/>
+              <a:defRPr sz="1600" b="1"/>
+            </a:lvl7pPr>
+            <a:lvl8pPr marL="3200400" indent="0">
+              <a:buNone/>
+              <a:defRPr sz="1600" b="1"/>
+            </a:lvl8pPr>
+            <a:lvl9pPr marL="3657600" indent="0">
+              <a:buNone/>
+              <a:defRPr sz="1600" b="1"/>
+            </a:lvl9pPr>
+          </a:lstStyle>
+          <a:p>
+            <a:pPr lvl="0"/>
+            <a:r>
+              <a:rPr lang="hu-HU"/>
+              <a:t>Mintaszöveg szerkesztése</a:t>
+            </a:r>
+          </a:p>
+        </p:txBody>
+      </p:sp>
+      <p:sp>
+        <p:nvSpPr>
+          <p:cNvPr id="26" name="Picture Placeholder 2"/>
+          <p:cNvSpPr>
+            <a:spLocks noGrp="1" noChangeAspect="1"/>
+          </p:cNvSpPr>
+          <p:nvPr>
+            <p:ph type="pic" idx="22"/>
+          </p:nvPr>
+        </p:nvSpPr>
+        <p:spPr>
+          <a:xfrm>
+            <a:off x="8152803" y="2298987"/>
+            <a:ext cx="2932113" cy="1524000"/>
+          </a:xfrm>
+          <a:prstGeom prst="roundRect">
+            <a:avLst>
+              <a:gd name="adj" fmla="val 0"/>
+            </a:avLst>
+          </a:prstGeom>
+          <a:noFill/>
+          <a:ln w="146050" cap="sq">
+            <a:solidFill>
+              <a:srgbClr val="FFFFFF"/>
+            </a:solidFill>
+            <a:miter lim="800000"/>
+          </a:ln>
+          <a:effectLst>
+            <a:outerShdw blurRad="55000" dist="18000" dir="5400000" algn="tl" rotWithShape="0">
+              <a:srgbClr val="000000">
+                <a:alpha val="40000"/>
+              </a:srgbClr>
+            </a:outerShdw>
+          </a:effectLst>
+          <a:scene3d>
+            <a:camera prst="orthographicFront"/>
+            <a:lightRig rig="twoPt" dir="t">
+              <a:rot lat="0" lon="0" rev="7200000"/>
+            </a:lightRig>
+          </a:scene3d>
+          <a:sp3d>
+            <a:bevelT w="25400" h="19050"/>
+            <a:contourClr>
+              <a:srgbClr val="FFFFFF"/>
+            </a:contourClr>
+          </a:sp3d>
+        </p:spPr>
+        <p:txBody>
+          <a:bodyPr anchor="t">
+            <a:normAutofit/>
+          </a:bodyPr>
+          <a:lstStyle>
+            <a:lvl1pPr marL="0" indent="0" algn="ctr">
+              <a:buNone/>
+              <a:defRPr sz="1600"/>
+            </a:lvl1pPr>
+            <a:lvl2pPr marL="457200" indent="0">
+              <a:buNone/>
+              <a:defRPr sz="1600"/>
+            </a:lvl2pPr>
+            <a:lvl3pPr marL="914400" indent="0">
+              <a:buNone/>
+              <a:defRPr sz="1600"/>
+            </a:lvl3pPr>
+            <a:lvl4pPr marL="1371600" indent="0">
+              <a:buNone/>
+              <a:defRPr sz="1600"/>
+            </a:lvl4pPr>
+            <a:lvl5pPr marL="1828800" indent="0">
+              <a:buNone/>
+              <a:defRPr sz="1600"/>
+            </a:lvl5pPr>
+            <a:lvl6pPr marL="2286000" indent="0">
+              <a:buNone/>
+              <a:defRPr sz="1600"/>
+            </a:lvl6pPr>
+            <a:lvl7pPr marL="2743200" indent="0">
+              <a:buNone/>
+              <a:defRPr sz="1600"/>
+            </a:lvl7pPr>
+            <a:lvl8pPr marL="3200400" indent="0">
+              <a:buNone/>
+              <a:defRPr sz="1600"/>
+            </a:lvl8pPr>
+            <a:lvl9pPr marL="3657600" indent="0">
+              <a:buNone/>
+              <a:defRPr sz="1600"/>
+            </a:lvl9pPr>
+          </a:lstStyle>
+          <a:p>
+            <a:r>
+              <a:rPr lang="hu-HU"/>
+              <a:t>Kép beszúrásához kattintson az ikonra</a:t>
+            </a:r>
+            <a:endParaRPr lang="en-US" dirty="0"/>
+          </a:p>
+        </p:txBody>
+      </p:sp>
+      <p:sp>
+        <p:nvSpPr>
+          <p:cNvPr id="27" name="Text Placeholder 3"/>
+          <p:cNvSpPr>
+            <a:spLocks noGrp="1"/>
+          </p:cNvSpPr>
+          <p:nvPr>
+            <p:ph type="body" sz="half" idx="20"/>
+          </p:nvPr>
+        </p:nvSpPr>
+        <p:spPr>
+          <a:xfrm>
+            <a:off x="7973298" y="4772161"/>
+            <a:ext cx="3294258" cy="1019037"/>
+          </a:xfrm>
+        </p:spPr>
+        <p:txBody>
+          <a:bodyPr anchor="t">
+            <a:normAutofit/>
+          </a:bodyPr>
+          <a:lstStyle>
+            <a:lvl1pPr marL="0" indent="0" algn="ctr">
+              <a:buNone/>
+              <a:defRPr sz="1400"/>
+            </a:lvl1pPr>
+            <a:lvl2pPr marL="457200" indent="0">
+              <a:buNone/>
+              <a:defRPr sz="1200"/>
+            </a:lvl2pPr>
+            <a:lvl3pPr marL="914400" indent="0">
+              <a:buNone/>
+              <a:defRPr sz="1000"/>
+            </a:lvl3pPr>
+            <a:lvl4pPr marL="1371600" indent="0">
+              <a:buNone/>
+              <a:defRPr sz="900"/>
+            </a:lvl4pPr>
+            <a:lvl5pPr marL="1828800" indent="0">
+              <a:buNone/>
+              <a:defRPr sz="900"/>
+            </a:lvl5pPr>
+            <a:lvl6pPr marL="2286000" indent="0">
+              <a:buNone/>
+              <a:defRPr sz="900"/>
+            </a:lvl6pPr>
+            <a:lvl7pPr marL="2743200" indent="0">
+              <a:buNone/>
+              <a:defRPr sz="900"/>
+            </a:lvl7pPr>
+            <a:lvl8pPr marL="3200400" indent="0">
+              <a:buNone/>
+              <a:defRPr sz="900"/>
+            </a:lvl8pPr>
+            <a:lvl9pPr marL="3657600" indent="0">
+              <a:buNone/>
+              <a:defRPr sz="900"/>
+            </a:lvl9pPr>
+          </a:lstStyle>
+          <a:p>
+            <a:pPr lvl="0"/>
+            <a:r>
+              <a:rPr lang="hu-HU"/>
+              <a:t>Mintaszöveg szerkesztése</a:t>
+            </a:r>
+          </a:p>
+        </p:txBody>
+      </p:sp>
+      <p:sp>
+        <p:nvSpPr>
+          <p:cNvPr id="3" name="Date Placeholder 2"/>
           <p:cNvSpPr>
             <a:spLocks noGrp="1"/>
           </p:cNvSpPr>
@@ -1600,6 +2803,7 @@
           <a:p>
             <a:fld id="{63A1C593-65D0-4073-BCC9-577B9352EA97}" type="datetimeFigureOut">
               <a:rPr lang="en-US" smtClean="0"/>
+              <a:t>1/12/2024</a:t>
             </a:fld>
             <a:endParaRPr lang="en-US"/>
           </a:p>
@@ -1607,7 +2811,7 @@
       </p:sp>
       <p:sp>
         <p:nvSpPr>
-          <p:cNvPr id="8" name="Footer Placeholder 7"/>
+          <p:cNvPr id="4" name="Footer Placeholder 3"/>
           <p:cNvSpPr>
             <a:spLocks noGrp="1"/>
           </p:cNvSpPr>
@@ -1626,7 +2830,7 @@
       </p:sp>
       <p:sp>
         <p:nvSpPr>
-          <p:cNvPr id="9" name="Slide Number Placeholder 8"/>
+          <p:cNvPr id="5" name="Slide Number Placeholder 4"/>
           <p:cNvSpPr>
             <a:spLocks noGrp="1"/>
           </p:cNvSpPr>
@@ -1641,12 +2845,18 @@
           <a:p>
             <a:fld id="{9B618960-8005-486C-9A75-10CB2AAC16F9}" type="slidenum">
               <a:rPr lang="en-US" smtClean="0"/>
+              <a:t>‹#›</a:t>
             </a:fld>
             <a:endParaRPr lang="en-US"/>
           </a:p>
         </p:txBody>
       </p:sp>
     </p:spTree>
+    <p:extLst>
+      <p:ext uri="{BB962C8B-B14F-4D97-AF65-F5344CB8AC3E}">
+        <p14:creationId xmlns:p14="http://schemas.microsoft.com/office/powerpoint/2010/main" val="2966585227"/>
+      </p:ext>
+    </p:extLst>
   </p:cSld>
   <p:clrMapOvr>
     <a:masterClrMapping/>
@@ -1654,9 +2864,9 @@
 </p:sldLayout>
 </file>
 
-<file path=ppt/slideLayouts/slideLayout6.xml><?xml version="1.0" encoding="utf-8"?>
-<p:sldLayout xmlns:a="http://schemas.openxmlformats.org/drawingml/2006/main" xmlns:r="http://schemas.openxmlformats.org/officeDocument/2006/relationships" xmlns:p="http://schemas.openxmlformats.org/presentationml/2006/main" type="titleOnly" preserve="1">
-  <p:cSld name="Title Only">
+<file path=ppt/slideLayouts/slideLayout16.xml><?xml version="1.0" encoding="utf-8"?>
+<p:sldLayout xmlns:a="http://schemas.openxmlformats.org/drawingml/2006/main" xmlns:r="http://schemas.openxmlformats.org/officeDocument/2006/relationships" xmlns:p="http://schemas.openxmlformats.org/presentationml/2006/main" type="vertTx" preserve="1">
+  <p:cSld name="Cím és függőleges szöveg">
     <p:spTree>
       <p:nvGrpSpPr>
         <p:cNvPr id="1" name=""/>
@@ -1687,16 +2897,68 @@
           <a:lstStyle/>
           <a:p>
             <a:r>
-              <a:rPr lang="en-US" smtClean="0"/>
-              <a:t>Click to edit Master title style</a:t>
-            </a:r>
-            <a:endParaRPr lang="en-US"/>
-          </a:p>
-        </p:txBody>
-      </p:sp>
-      <p:sp>
-        <p:nvSpPr>
-          <p:cNvPr id="3" name="Date Placeholder 2"/>
+              <a:rPr lang="hu-HU"/>
+              <a:t>Mintacím szerkesztése</a:t>
+            </a:r>
+            <a:endParaRPr lang="en-US" dirty="0"/>
+          </a:p>
+        </p:txBody>
+      </p:sp>
+      <p:sp>
+        <p:nvSpPr>
+          <p:cNvPr id="3" name="Vertical Text Placeholder 2"/>
+          <p:cNvSpPr>
+            <a:spLocks noGrp="1"/>
+          </p:cNvSpPr>
+          <p:nvPr>
+            <p:ph type="body" orient="vert" idx="1"/>
+          </p:nvPr>
+        </p:nvSpPr>
+        <p:spPr/>
+        <p:txBody>
+          <a:bodyPr vert="eaVert"/>
+          <a:lstStyle/>
+          <a:p>
+            <a:pPr lvl="0"/>
+            <a:r>
+              <a:rPr lang="hu-HU"/>
+              <a:t>Mintaszöveg szerkesztése</a:t>
+            </a:r>
+          </a:p>
+          <a:p>
+            <a:pPr lvl="1"/>
+            <a:r>
+              <a:rPr lang="hu-HU"/>
+              <a:t>Második szint</a:t>
+            </a:r>
+          </a:p>
+          <a:p>
+            <a:pPr lvl="2"/>
+            <a:r>
+              <a:rPr lang="hu-HU"/>
+              <a:t>Harmadik szint</a:t>
+            </a:r>
+          </a:p>
+          <a:p>
+            <a:pPr lvl="3"/>
+            <a:r>
+              <a:rPr lang="hu-HU"/>
+              <a:t>Negyedik szint</a:t>
+            </a:r>
+          </a:p>
+          <a:p>
+            <a:pPr lvl="4"/>
+            <a:r>
+              <a:rPr lang="hu-HU"/>
+              <a:t>Ötödik szint</a:t>
+            </a:r>
+            <a:endParaRPr lang="en-US" dirty="0"/>
+          </a:p>
+        </p:txBody>
+      </p:sp>
+      <p:sp>
+        <p:nvSpPr>
+          <p:cNvPr id="4" name="Date Placeholder 3"/>
           <p:cNvSpPr>
             <a:spLocks noGrp="1"/>
           </p:cNvSpPr>
@@ -1711,6 +2973,7 @@
           <a:p>
             <a:fld id="{63A1C593-65D0-4073-BCC9-577B9352EA97}" type="datetimeFigureOut">
               <a:rPr lang="en-US" smtClean="0"/>
+              <a:t>1/12/2024</a:t>
             </a:fld>
             <a:endParaRPr lang="en-US"/>
           </a:p>
@@ -1718,7 +2981,7 @@
       </p:sp>
       <p:sp>
         <p:nvSpPr>
-          <p:cNvPr id="4" name="Footer Placeholder 3"/>
+          <p:cNvPr id="5" name="Footer Placeholder 4"/>
           <p:cNvSpPr>
             <a:spLocks noGrp="1"/>
           </p:cNvSpPr>
@@ -1737,7 +3000,7 @@
       </p:sp>
       <p:sp>
         <p:nvSpPr>
-          <p:cNvPr id="5" name="Slide Number Placeholder 4"/>
+          <p:cNvPr id="6" name="Slide Number Placeholder 5"/>
           <p:cNvSpPr>
             <a:spLocks noGrp="1"/>
           </p:cNvSpPr>
@@ -1752,12 +3015,18 @@
           <a:p>
             <a:fld id="{9B618960-8005-486C-9A75-10CB2AAC16F9}" type="slidenum">
               <a:rPr lang="en-US" smtClean="0"/>
+              <a:t>‹#›</a:t>
             </a:fld>
             <a:endParaRPr lang="en-US"/>
           </a:p>
         </p:txBody>
       </p:sp>
     </p:spTree>
+    <p:extLst>
+      <p:ext uri="{BB962C8B-B14F-4D97-AF65-F5344CB8AC3E}">
+        <p14:creationId xmlns:p14="http://schemas.microsoft.com/office/powerpoint/2010/main" val="818497896"/>
+      </p:ext>
+    </p:extLst>
   </p:cSld>
   <p:clrMapOvr>
     <a:masterClrMapping/>
@@ -1765,9 +3034,9 @@
 </p:sldLayout>
 </file>
 
-<file path=ppt/slideLayouts/slideLayout7.xml><?xml version="1.0" encoding="utf-8"?>
-<p:sldLayout xmlns:a="http://schemas.openxmlformats.org/drawingml/2006/main" xmlns:r="http://schemas.openxmlformats.org/officeDocument/2006/relationships" xmlns:p="http://schemas.openxmlformats.org/presentationml/2006/main" type="blank" preserve="1">
-  <p:cSld name="Blank">
+<file path=ppt/slideLayouts/slideLayout17.xml><?xml version="1.0" encoding="utf-8"?>
+<p:sldLayout xmlns:a="http://schemas.openxmlformats.org/drawingml/2006/main" xmlns:r="http://schemas.openxmlformats.org/officeDocument/2006/relationships" xmlns:p="http://schemas.openxmlformats.org/presentationml/2006/main" type="vertTitleAndTx" preserve="1">
+  <p:cSld name="Függőleges cím és szöveg">
     <p:spTree>
       <p:nvGrpSpPr>
         <p:cNvPr id="1" name=""/>
@@ -1784,7 +3053,96 @@
       </p:grpSpPr>
       <p:sp>
         <p:nvSpPr>
-          <p:cNvPr id="2" name="Date Placeholder 1"/>
+          <p:cNvPr id="2" name="Vertical Title 1"/>
+          <p:cNvSpPr>
+            <a:spLocks noGrp="1"/>
+          </p:cNvSpPr>
+          <p:nvPr>
+            <p:ph type="title" orient="vert"/>
+          </p:nvPr>
+        </p:nvSpPr>
+        <p:spPr>
+          <a:xfrm>
+            <a:off x="8724900" y="609599"/>
+            <a:ext cx="2542657" cy="5181601"/>
+          </a:xfrm>
+        </p:spPr>
+        <p:txBody>
+          <a:bodyPr vert="eaVert"/>
+          <a:lstStyle>
+            <a:lvl1pPr algn="l">
+              <a:defRPr/>
+            </a:lvl1pPr>
+          </a:lstStyle>
+          <a:p>
+            <a:r>
+              <a:rPr lang="hu-HU"/>
+              <a:t>Mintacím szerkesztése</a:t>
+            </a:r>
+            <a:endParaRPr lang="en-US" dirty="0"/>
+          </a:p>
+        </p:txBody>
+      </p:sp>
+      <p:sp>
+        <p:nvSpPr>
+          <p:cNvPr id="3" name="Vertical Text Placeholder 2"/>
+          <p:cNvSpPr>
+            <a:spLocks noGrp="1"/>
+          </p:cNvSpPr>
+          <p:nvPr>
+            <p:ph type="body" orient="vert" idx="1"/>
+          </p:nvPr>
+        </p:nvSpPr>
+        <p:spPr>
+          <a:xfrm>
+            <a:off x="913794" y="609599"/>
+            <a:ext cx="7658705" cy="5181601"/>
+          </a:xfrm>
+        </p:spPr>
+        <p:txBody>
+          <a:bodyPr vert="eaVert"/>
+          <a:lstStyle/>
+          <a:p>
+            <a:pPr lvl="0"/>
+            <a:r>
+              <a:rPr lang="hu-HU"/>
+              <a:t>Mintaszöveg szerkesztése</a:t>
+            </a:r>
+          </a:p>
+          <a:p>
+            <a:pPr lvl="1"/>
+            <a:r>
+              <a:rPr lang="hu-HU"/>
+              <a:t>Második szint</a:t>
+            </a:r>
+          </a:p>
+          <a:p>
+            <a:pPr lvl="2"/>
+            <a:r>
+              <a:rPr lang="hu-HU"/>
+              <a:t>Harmadik szint</a:t>
+            </a:r>
+          </a:p>
+          <a:p>
+            <a:pPr lvl="3"/>
+            <a:r>
+              <a:rPr lang="hu-HU"/>
+              <a:t>Negyedik szint</a:t>
+            </a:r>
+          </a:p>
+          <a:p>
+            <a:pPr lvl="4"/>
+            <a:r>
+              <a:rPr lang="hu-HU"/>
+              <a:t>Ötödik szint</a:t>
+            </a:r>
+            <a:endParaRPr lang="en-US" dirty="0"/>
+          </a:p>
+        </p:txBody>
+      </p:sp>
+      <p:sp>
+        <p:nvSpPr>
+          <p:cNvPr id="4" name="Date Placeholder 3"/>
           <p:cNvSpPr>
             <a:spLocks noGrp="1"/>
           </p:cNvSpPr>
@@ -1799,6 +3157,7 @@
           <a:p>
             <a:fld id="{63A1C593-65D0-4073-BCC9-577B9352EA97}" type="datetimeFigureOut">
               <a:rPr lang="en-US" smtClean="0"/>
+              <a:t>1/12/2024</a:t>
             </a:fld>
             <a:endParaRPr lang="en-US"/>
           </a:p>
@@ -1806,7 +3165,7 @@
       </p:sp>
       <p:sp>
         <p:nvSpPr>
-          <p:cNvPr id="3" name="Footer Placeholder 2"/>
+          <p:cNvPr id="5" name="Footer Placeholder 4"/>
           <p:cNvSpPr>
             <a:spLocks noGrp="1"/>
           </p:cNvSpPr>
@@ -1825,7 +3184,7 @@
       </p:sp>
       <p:sp>
         <p:nvSpPr>
-          <p:cNvPr id="4" name="Slide Number Placeholder 3"/>
+          <p:cNvPr id="6" name="Slide Number Placeholder 5"/>
           <p:cNvSpPr>
             <a:spLocks noGrp="1"/>
           </p:cNvSpPr>
@@ -1840,12 +3199,18 @@
           <a:p>
             <a:fld id="{9B618960-8005-486C-9A75-10CB2AAC16F9}" type="slidenum">
               <a:rPr lang="en-US" smtClean="0"/>
+              <a:t>‹#›</a:t>
             </a:fld>
             <a:endParaRPr lang="en-US"/>
           </a:p>
         </p:txBody>
       </p:sp>
     </p:spTree>
+    <p:extLst>
+      <p:ext uri="{BB962C8B-B14F-4D97-AF65-F5344CB8AC3E}">
+        <p14:creationId xmlns:p14="http://schemas.microsoft.com/office/powerpoint/2010/main" val="368293674"/>
+      </p:ext>
+    </p:extLst>
   </p:cSld>
   <p:clrMapOvr>
     <a:masterClrMapping/>
@@ -1853,9 +3218,9 @@
 </p:sldLayout>
 </file>
 
-<file path=ppt/slideLayouts/slideLayout8.xml><?xml version="1.0" encoding="utf-8"?>
-<p:sldLayout xmlns:a="http://schemas.openxmlformats.org/drawingml/2006/main" xmlns:r="http://schemas.openxmlformats.org/officeDocument/2006/relationships" xmlns:p="http://schemas.openxmlformats.org/presentationml/2006/main" type="objTx" preserve="1">
-  <p:cSld name="Content with Caption">
+<file path=ppt/slideLayouts/slideLayout2.xml><?xml version="1.0" encoding="utf-8"?>
+<p:sldLayout xmlns:a="http://schemas.openxmlformats.org/drawingml/2006/main" xmlns:r="http://schemas.openxmlformats.org/officeDocument/2006/relationships" xmlns:p="http://schemas.openxmlformats.org/presentationml/2006/main" type="obj" preserve="1">
+  <p:cSld name="Cím és tartalom">
     <p:spTree>
       <p:nvGrpSpPr>
         <p:cNvPr id="1" name=""/>
@@ -1880,25 +3245,16 @@
             <p:ph type="title"/>
           </p:nvPr>
         </p:nvSpPr>
-        <p:spPr>
-          <a:xfrm>
-            <a:off x="839788" y="457200"/>
-            <a:ext cx="3932237" cy="1600200"/>
-          </a:xfrm>
-        </p:spPr>
-        <p:txBody>
-          <a:bodyPr anchor="b"/>
-          <a:lstStyle>
-            <a:lvl1pPr>
-              <a:defRPr sz="3200"/>
-            </a:lvl1pPr>
-          </a:lstStyle>
-          <a:p>
-            <a:r>
-              <a:rPr lang="en-US" smtClean="0"/>
-              <a:t>Click to edit Master title style</a:t>
-            </a:r>
-            <a:endParaRPr lang="en-US"/>
+        <p:spPr/>
+        <p:txBody>
+          <a:bodyPr/>
+          <a:lstStyle/>
+          <a:p>
+            <a:r>
+              <a:rPr lang="hu-HU"/>
+              <a:t>Mintacím szerkesztése</a:t>
+            </a:r>
+            <a:endParaRPr lang="en-US" dirty="0"/>
           </a:p>
         </p:txBody>
       </p:sp>
@@ -1912,154 +3268,51 @@
             <p:ph idx="1"/>
           </p:nvPr>
         </p:nvSpPr>
-        <p:spPr>
-          <a:xfrm>
-            <a:off x="5183188" y="987425"/>
-            <a:ext cx="6172200" cy="4873625"/>
-          </a:xfrm>
-        </p:spPr>
-        <p:txBody>
-          <a:bodyPr/>
-          <a:lstStyle>
-            <a:lvl1pPr>
-              <a:defRPr sz="3200"/>
-            </a:lvl1pPr>
-            <a:lvl2pPr>
-              <a:defRPr sz="2800"/>
-            </a:lvl2pPr>
-            <a:lvl3pPr>
-              <a:defRPr sz="2400"/>
-            </a:lvl3pPr>
-            <a:lvl4pPr>
-              <a:defRPr sz="2000"/>
-            </a:lvl4pPr>
-            <a:lvl5pPr>
-              <a:defRPr sz="2000"/>
-            </a:lvl5pPr>
-            <a:lvl6pPr>
-              <a:defRPr sz="2000"/>
-            </a:lvl6pPr>
-            <a:lvl7pPr>
-              <a:defRPr sz="2000"/>
-            </a:lvl7pPr>
-            <a:lvl8pPr>
-              <a:defRPr sz="2000"/>
-            </a:lvl8pPr>
-            <a:lvl9pPr>
-              <a:defRPr sz="2000"/>
-            </a:lvl9pPr>
-          </a:lstStyle>
+        <p:spPr/>
+        <p:txBody>
+          <a:bodyPr/>
+          <a:lstStyle/>
           <a:p>
             <a:pPr lvl="0"/>
             <a:r>
-              <a:rPr lang="en-US" smtClean="0"/>
-              <a:t>Click to edit Master text styles</a:t>
-            </a:r>
-            <a:endParaRPr lang="en-US" smtClean="0"/>
+              <a:rPr lang="hu-HU"/>
+              <a:t>Mintaszöveg szerkesztése</a:t>
+            </a:r>
           </a:p>
           <a:p>
             <a:pPr lvl="1"/>
             <a:r>
-              <a:rPr lang="en-US" smtClean="0"/>
-              <a:t>Second level</a:t>
-            </a:r>
-            <a:endParaRPr lang="en-US" smtClean="0"/>
+              <a:rPr lang="hu-HU"/>
+              <a:t>Második szint</a:t>
+            </a:r>
           </a:p>
           <a:p>
             <a:pPr lvl="2"/>
             <a:r>
-              <a:rPr lang="en-US" smtClean="0"/>
-              <a:t>Third level</a:t>
-            </a:r>
-            <a:endParaRPr lang="en-US" smtClean="0"/>
+              <a:rPr lang="hu-HU"/>
+              <a:t>Harmadik szint</a:t>
+            </a:r>
           </a:p>
           <a:p>
             <a:pPr lvl="3"/>
             <a:r>
-              <a:rPr lang="en-US" smtClean="0"/>
-              <a:t>Fourth level</a:t>
-            </a:r>
-            <a:endParaRPr lang="en-US" smtClean="0"/>
+              <a:rPr lang="hu-HU"/>
+              <a:t>Negyedik szint</a:t>
+            </a:r>
           </a:p>
           <a:p>
             <a:pPr lvl="4"/>
             <a:r>
-              <a:rPr lang="en-US" smtClean="0"/>
-              <a:t>Fifth level</a:t>
-            </a:r>
-            <a:endParaRPr lang="en-US"/>
-          </a:p>
-        </p:txBody>
-      </p:sp>
-      <p:sp>
-        <p:nvSpPr>
-          <p:cNvPr id="4" name="Text Placeholder 3"/>
-          <p:cNvSpPr>
-            <a:spLocks noGrp="1"/>
-          </p:cNvSpPr>
-          <p:nvPr>
-            <p:ph type="body" sz="half" idx="2"/>
-          </p:nvPr>
-        </p:nvSpPr>
-        <p:spPr>
-          <a:xfrm>
-            <a:off x="839788" y="2057400"/>
-            <a:ext cx="3932237" cy="3811588"/>
-          </a:xfrm>
-        </p:spPr>
-        <p:txBody>
-          <a:bodyPr/>
-          <a:lstStyle>
-            <a:lvl1pPr marL="0" indent="0">
-              <a:buNone/>
-              <a:defRPr sz="1600"/>
-            </a:lvl1pPr>
-            <a:lvl2pPr marL="457200" indent="0">
-              <a:buNone/>
-              <a:defRPr sz="1400"/>
-            </a:lvl2pPr>
-            <a:lvl3pPr marL="914400" indent="0">
-              <a:buNone/>
-              <a:defRPr sz="1200"/>
-            </a:lvl3pPr>
-            <a:lvl4pPr marL="1371600" indent="0">
-              <a:buNone/>
-              <a:defRPr sz="1000"/>
-            </a:lvl4pPr>
-            <a:lvl5pPr marL="1828800" indent="0">
-              <a:buNone/>
-              <a:defRPr sz="1000"/>
-            </a:lvl5pPr>
-            <a:lvl6pPr marL="2286000" indent="0">
-              <a:buNone/>
-              <a:defRPr sz="1000"/>
-            </a:lvl6pPr>
-            <a:lvl7pPr marL="2743200" indent="0">
-              <a:buNone/>
-              <a:defRPr sz="1000"/>
-            </a:lvl7pPr>
-            <a:lvl8pPr marL="3200400" indent="0">
-              <a:buNone/>
-              <a:defRPr sz="1000"/>
-            </a:lvl8pPr>
-            <a:lvl9pPr marL="3657600" indent="0">
-              <a:buNone/>
-              <a:defRPr sz="1000"/>
-            </a:lvl9pPr>
-          </a:lstStyle>
-          <a:p>
-            <a:pPr lvl="0"/>
-            <a:r>
-              <a:rPr lang="en-US" smtClean="0"/>
-              <a:t>Click to edit Master text styles</a:t>
-            </a:r>
-            <a:endParaRPr lang="en-US" smtClean="0"/>
-          </a:p>
-        </p:txBody>
-      </p:sp>
-      <p:sp>
-        <p:nvSpPr>
-          <p:cNvPr id="5" name="Date Placeholder 4"/>
+              <a:rPr lang="hu-HU"/>
+              <a:t>Ötödik szint</a:t>
+            </a:r>
+            <a:endParaRPr lang="en-US" dirty="0"/>
+          </a:p>
+        </p:txBody>
+      </p:sp>
+      <p:sp>
+        <p:nvSpPr>
+          <p:cNvPr id="4" name="Date Placeholder 3"/>
           <p:cNvSpPr>
             <a:spLocks noGrp="1"/>
           </p:cNvSpPr>
@@ -2074,6 +3327,7 @@
           <a:p>
             <a:fld id="{63A1C593-65D0-4073-BCC9-577B9352EA97}" type="datetimeFigureOut">
               <a:rPr lang="en-US" smtClean="0"/>
+              <a:t>1/12/2024</a:t>
             </a:fld>
             <a:endParaRPr lang="en-US"/>
           </a:p>
@@ -2081,7 +3335,7 @@
       </p:sp>
       <p:sp>
         <p:nvSpPr>
-          <p:cNvPr id="6" name="Footer Placeholder 5"/>
+          <p:cNvPr id="5" name="Footer Placeholder 4"/>
           <p:cNvSpPr>
             <a:spLocks noGrp="1"/>
           </p:cNvSpPr>
@@ -2100,7 +3354,7 @@
       </p:sp>
       <p:sp>
         <p:nvSpPr>
-          <p:cNvPr id="7" name="Slide Number Placeholder 6"/>
+          <p:cNvPr id="6" name="Slide Number Placeholder 5"/>
           <p:cNvSpPr>
             <a:spLocks noGrp="1"/>
           </p:cNvSpPr>
@@ -2115,12 +3369,18 @@
           <a:p>
             <a:fld id="{9B618960-8005-486C-9A75-10CB2AAC16F9}" type="slidenum">
               <a:rPr lang="en-US" smtClean="0"/>
+              <a:t>‹#›</a:t>
             </a:fld>
             <a:endParaRPr lang="en-US"/>
           </a:p>
         </p:txBody>
       </p:sp>
     </p:spTree>
+    <p:extLst>
+      <p:ext uri="{BB962C8B-B14F-4D97-AF65-F5344CB8AC3E}">
+        <p14:creationId xmlns:p14="http://schemas.microsoft.com/office/powerpoint/2010/main" val="978455730"/>
+      </p:ext>
+    </p:extLst>
   </p:cSld>
   <p:clrMapOvr>
     <a:masterClrMapping/>
@@ -2128,9 +3388,9 @@
 </p:sldLayout>
 </file>
 
-<file path=ppt/slideLayouts/slideLayout9.xml><?xml version="1.0" encoding="utf-8"?>
-<p:sldLayout xmlns:a="http://schemas.openxmlformats.org/drawingml/2006/main" xmlns:r="http://schemas.openxmlformats.org/officeDocument/2006/relationships" xmlns:p="http://schemas.openxmlformats.org/presentationml/2006/main" type="picTx" preserve="1">
-  <p:cSld name="Picture with Caption">
+<file path=ppt/slideLayouts/slideLayout3.xml><?xml version="1.0" encoding="utf-8"?>
+<p:sldLayout xmlns:a="http://schemas.openxmlformats.org/drawingml/2006/main" xmlns:r="http://schemas.openxmlformats.org/officeDocument/2006/relationships" xmlns:p="http://schemas.openxmlformats.org/presentationml/2006/main" type="secHead" preserve="1">
+  <p:cSld name="Szakaszfejléc">
     <p:spTree>
       <p:nvGrpSpPr>
         <p:cNvPr id="1" name=""/>
@@ -2157,12 +3417,1336 @@
         </p:nvSpPr>
         <p:spPr>
           <a:xfrm>
-            <a:off x="839788" y="457200"/>
-            <a:ext cx="3932237" cy="1600200"/>
+            <a:off x="1229244" y="657226"/>
+            <a:ext cx="9733512" cy="2852737"/>
           </a:xfrm>
         </p:spPr>
         <p:txBody>
+          <a:bodyPr anchor="b">
+            <a:normAutofit/>
+          </a:bodyPr>
+          <a:lstStyle>
+            <a:lvl1pPr>
+              <a:defRPr sz="3400"/>
+            </a:lvl1pPr>
+          </a:lstStyle>
+          <a:p>
+            <a:r>
+              <a:rPr lang="hu-HU"/>
+              <a:t>Mintacím szerkesztése</a:t>
+            </a:r>
+            <a:endParaRPr lang="en-US" dirty="0"/>
+          </a:p>
+        </p:txBody>
+      </p:sp>
+      <p:sp>
+        <p:nvSpPr>
+          <p:cNvPr id="3" name="Text Placeholder 2"/>
+          <p:cNvSpPr>
+            <a:spLocks noGrp="1"/>
+          </p:cNvSpPr>
+          <p:nvPr>
+            <p:ph type="body" idx="1"/>
+          </p:nvPr>
+        </p:nvSpPr>
+        <p:spPr>
+          <a:xfrm>
+            <a:off x="1229244" y="3602038"/>
+            <a:ext cx="9733512" cy="1500187"/>
+          </a:xfrm>
+        </p:spPr>
+        <p:txBody>
+          <a:bodyPr/>
+          <a:lstStyle>
+            <a:lvl1pPr marL="0" indent="0" algn="ctr">
+              <a:buNone/>
+              <a:defRPr sz="2400">
+                <a:solidFill>
+                  <a:schemeClr val="tx1">
+                    <a:tint val="75000"/>
+                  </a:schemeClr>
+                </a:solidFill>
+              </a:defRPr>
+            </a:lvl1pPr>
+            <a:lvl2pPr marL="457200" indent="0">
+              <a:buNone/>
+              <a:defRPr sz="2000">
+                <a:solidFill>
+                  <a:schemeClr val="tx1">
+                    <a:tint val="75000"/>
+                  </a:schemeClr>
+                </a:solidFill>
+              </a:defRPr>
+            </a:lvl2pPr>
+            <a:lvl3pPr marL="914400" indent="0">
+              <a:buNone/>
+              <a:defRPr sz="1800">
+                <a:solidFill>
+                  <a:schemeClr val="tx1">
+                    <a:tint val="75000"/>
+                  </a:schemeClr>
+                </a:solidFill>
+              </a:defRPr>
+            </a:lvl3pPr>
+            <a:lvl4pPr marL="1371600" indent="0">
+              <a:buNone/>
+              <a:defRPr sz="1600">
+                <a:solidFill>
+                  <a:schemeClr val="tx1">
+                    <a:tint val="75000"/>
+                  </a:schemeClr>
+                </a:solidFill>
+              </a:defRPr>
+            </a:lvl4pPr>
+            <a:lvl5pPr marL="1828800" indent="0">
+              <a:buNone/>
+              <a:defRPr sz="1600">
+                <a:solidFill>
+                  <a:schemeClr val="tx1">
+                    <a:tint val="75000"/>
+                  </a:schemeClr>
+                </a:solidFill>
+              </a:defRPr>
+            </a:lvl5pPr>
+            <a:lvl6pPr marL="2286000" indent="0">
+              <a:buNone/>
+              <a:defRPr sz="1600">
+                <a:solidFill>
+                  <a:schemeClr val="tx1">
+                    <a:tint val="75000"/>
+                  </a:schemeClr>
+                </a:solidFill>
+              </a:defRPr>
+            </a:lvl6pPr>
+            <a:lvl7pPr marL="2743200" indent="0">
+              <a:buNone/>
+              <a:defRPr sz="1600">
+                <a:solidFill>
+                  <a:schemeClr val="tx1">
+                    <a:tint val="75000"/>
+                  </a:schemeClr>
+                </a:solidFill>
+              </a:defRPr>
+            </a:lvl7pPr>
+            <a:lvl8pPr marL="3200400" indent="0">
+              <a:buNone/>
+              <a:defRPr sz="1600">
+                <a:solidFill>
+                  <a:schemeClr val="tx1">
+                    <a:tint val="75000"/>
+                  </a:schemeClr>
+                </a:solidFill>
+              </a:defRPr>
+            </a:lvl8pPr>
+            <a:lvl9pPr marL="3657600" indent="0">
+              <a:buNone/>
+              <a:defRPr sz="1600">
+                <a:solidFill>
+                  <a:schemeClr val="tx1">
+                    <a:tint val="75000"/>
+                  </a:schemeClr>
+                </a:solidFill>
+              </a:defRPr>
+            </a:lvl9pPr>
+          </a:lstStyle>
+          <a:p>
+            <a:pPr lvl="0"/>
+            <a:r>
+              <a:rPr lang="hu-HU"/>
+              <a:t>Mintaszöveg szerkesztése</a:t>
+            </a:r>
+          </a:p>
+        </p:txBody>
+      </p:sp>
+      <p:sp>
+        <p:nvSpPr>
+          <p:cNvPr id="4" name="Date Placeholder 3"/>
+          <p:cNvSpPr>
+            <a:spLocks noGrp="1"/>
+          </p:cNvSpPr>
+          <p:nvPr>
+            <p:ph type="dt" sz="half" idx="10"/>
+          </p:nvPr>
+        </p:nvSpPr>
+        <p:spPr/>
+        <p:txBody>
+          <a:bodyPr/>
+          <a:lstStyle/>
+          <a:p>
+            <a:fld id="{63A1C593-65D0-4073-BCC9-577B9352EA97}" type="datetimeFigureOut">
+              <a:rPr lang="en-US" smtClean="0"/>
+              <a:t>1/12/2024</a:t>
+            </a:fld>
+            <a:endParaRPr lang="en-US"/>
+          </a:p>
+        </p:txBody>
+      </p:sp>
+      <p:sp>
+        <p:nvSpPr>
+          <p:cNvPr id="5" name="Footer Placeholder 4"/>
+          <p:cNvSpPr>
+            <a:spLocks noGrp="1"/>
+          </p:cNvSpPr>
+          <p:nvPr>
+            <p:ph type="ftr" sz="quarter" idx="11"/>
+          </p:nvPr>
+        </p:nvSpPr>
+        <p:spPr/>
+        <p:txBody>
+          <a:bodyPr/>
+          <a:lstStyle/>
+          <a:p>
+            <a:endParaRPr lang="en-US"/>
+          </a:p>
+        </p:txBody>
+      </p:sp>
+      <p:sp>
+        <p:nvSpPr>
+          <p:cNvPr id="6" name="Slide Number Placeholder 5"/>
+          <p:cNvSpPr>
+            <a:spLocks noGrp="1"/>
+          </p:cNvSpPr>
+          <p:nvPr>
+            <p:ph type="sldNum" sz="quarter" idx="12"/>
+          </p:nvPr>
+        </p:nvSpPr>
+        <p:spPr/>
+        <p:txBody>
+          <a:bodyPr/>
+          <a:lstStyle/>
+          <a:p>
+            <a:fld id="{9B618960-8005-486C-9A75-10CB2AAC16F9}" type="slidenum">
+              <a:rPr lang="en-US" smtClean="0"/>
+              <a:t>‹#›</a:t>
+            </a:fld>
+            <a:endParaRPr lang="en-US"/>
+          </a:p>
+        </p:txBody>
+      </p:sp>
+    </p:spTree>
+    <p:extLst>
+      <p:ext uri="{BB962C8B-B14F-4D97-AF65-F5344CB8AC3E}">
+        <p14:creationId xmlns:p14="http://schemas.microsoft.com/office/powerpoint/2010/main" val="3438929836"/>
+      </p:ext>
+    </p:extLst>
+  </p:cSld>
+  <p:clrMapOvr>
+    <a:masterClrMapping/>
+  </p:clrMapOvr>
+</p:sldLayout>
+</file>
+
+<file path=ppt/slideLayouts/slideLayout4.xml><?xml version="1.0" encoding="utf-8"?>
+<p:sldLayout xmlns:a="http://schemas.openxmlformats.org/drawingml/2006/main" xmlns:r="http://schemas.openxmlformats.org/officeDocument/2006/relationships" xmlns:p="http://schemas.openxmlformats.org/presentationml/2006/main" type="twoObj" preserve="1">
+  <p:cSld name="2 tartalomrész">
+    <p:spTree>
+      <p:nvGrpSpPr>
+        <p:cNvPr id="1" name=""/>
+        <p:cNvGrpSpPr/>
+        <p:nvPr/>
+      </p:nvGrpSpPr>
+      <p:grpSpPr>
+        <a:xfrm>
+          <a:off x="0" y="0"/>
+          <a:ext cx="0" cy="0"/>
+          <a:chOff x="0" y="0"/>
+          <a:chExt cx="0" cy="0"/>
+        </a:xfrm>
+      </p:grpSpPr>
+      <p:sp>
+        <p:nvSpPr>
+          <p:cNvPr id="2" name="Title 1"/>
+          <p:cNvSpPr>
+            <a:spLocks noGrp="1"/>
+          </p:cNvSpPr>
+          <p:nvPr>
+            <p:ph type="title"/>
+          </p:nvPr>
+        </p:nvSpPr>
+        <p:spPr>
+          <a:xfrm>
+            <a:off x="913795" y="609600"/>
+            <a:ext cx="10353761" cy="1326321"/>
+          </a:xfrm>
+        </p:spPr>
+        <p:txBody>
+          <a:bodyPr/>
+          <a:lstStyle/>
+          <a:p>
+            <a:r>
+              <a:rPr lang="hu-HU"/>
+              <a:t>Mintacím szerkesztése</a:t>
+            </a:r>
+            <a:endParaRPr lang="en-US" dirty="0"/>
+          </a:p>
+        </p:txBody>
+      </p:sp>
+      <p:sp>
+        <p:nvSpPr>
+          <p:cNvPr id="3" name="Content Placeholder 2"/>
+          <p:cNvSpPr>
+            <a:spLocks noGrp="1"/>
+          </p:cNvSpPr>
+          <p:nvPr>
+            <p:ph sz="half" idx="1"/>
+          </p:nvPr>
+        </p:nvSpPr>
+        <p:spPr>
+          <a:xfrm>
+            <a:off x="913795" y="2088319"/>
+            <a:ext cx="5106004" cy="3702881"/>
+          </a:xfrm>
+        </p:spPr>
+        <p:txBody>
+          <a:bodyPr/>
+          <a:lstStyle/>
+          <a:p>
+            <a:pPr lvl="0"/>
+            <a:r>
+              <a:rPr lang="hu-HU"/>
+              <a:t>Mintaszöveg szerkesztése</a:t>
+            </a:r>
+          </a:p>
+          <a:p>
+            <a:pPr lvl="1"/>
+            <a:r>
+              <a:rPr lang="hu-HU"/>
+              <a:t>Második szint</a:t>
+            </a:r>
+          </a:p>
+          <a:p>
+            <a:pPr lvl="2"/>
+            <a:r>
+              <a:rPr lang="hu-HU"/>
+              <a:t>Harmadik szint</a:t>
+            </a:r>
+          </a:p>
+          <a:p>
+            <a:pPr lvl="3"/>
+            <a:r>
+              <a:rPr lang="hu-HU"/>
+              <a:t>Negyedik szint</a:t>
+            </a:r>
+          </a:p>
+          <a:p>
+            <a:pPr lvl="4"/>
+            <a:r>
+              <a:rPr lang="hu-HU"/>
+              <a:t>Ötödik szint</a:t>
+            </a:r>
+            <a:endParaRPr lang="en-US" dirty="0"/>
+          </a:p>
+        </p:txBody>
+      </p:sp>
+      <p:sp>
+        <p:nvSpPr>
+          <p:cNvPr id="4" name="Content Placeholder 3"/>
+          <p:cNvSpPr>
+            <a:spLocks noGrp="1"/>
+          </p:cNvSpPr>
+          <p:nvPr>
+            <p:ph sz="half" idx="2"/>
+          </p:nvPr>
+        </p:nvSpPr>
+        <p:spPr>
+          <a:xfrm>
+            <a:off x="6173403" y="2088319"/>
+            <a:ext cx="5094154" cy="3702881"/>
+          </a:xfrm>
+        </p:spPr>
+        <p:txBody>
+          <a:bodyPr/>
+          <a:lstStyle/>
+          <a:p>
+            <a:pPr lvl="0"/>
+            <a:r>
+              <a:rPr lang="hu-HU"/>
+              <a:t>Mintaszöveg szerkesztése</a:t>
+            </a:r>
+          </a:p>
+          <a:p>
+            <a:pPr lvl="1"/>
+            <a:r>
+              <a:rPr lang="hu-HU"/>
+              <a:t>Második szint</a:t>
+            </a:r>
+          </a:p>
+          <a:p>
+            <a:pPr lvl="2"/>
+            <a:r>
+              <a:rPr lang="hu-HU"/>
+              <a:t>Harmadik szint</a:t>
+            </a:r>
+          </a:p>
+          <a:p>
+            <a:pPr lvl="3"/>
+            <a:r>
+              <a:rPr lang="hu-HU"/>
+              <a:t>Negyedik szint</a:t>
+            </a:r>
+          </a:p>
+          <a:p>
+            <a:pPr lvl="4"/>
+            <a:r>
+              <a:rPr lang="hu-HU"/>
+              <a:t>Ötödik szint</a:t>
+            </a:r>
+            <a:endParaRPr lang="en-US" dirty="0"/>
+          </a:p>
+        </p:txBody>
+      </p:sp>
+      <p:sp>
+        <p:nvSpPr>
+          <p:cNvPr id="5" name="Date Placeholder 4"/>
+          <p:cNvSpPr>
+            <a:spLocks noGrp="1"/>
+          </p:cNvSpPr>
+          <p:nvPr>
+            <p:ph type="dt" sz="half" idx="10"/>
+          </p:nvPr>
+        </p:nvSpPr>
+        <p:spPr/>
+        <p:txBody>
+          <a:bodyPr/>
+          <a:lstStyle/>
+          <a:p>
+            <a:fld id="{63A1C593-65D0-4073-BCC9-577B9352EA97}" type="datetimeFigureOut">
+              <a:rPr lang="en-US" smtClean="0"/>
+              <a:t>1/12/2024</a:t>
+            </a:fld>
+            <a:endParaRPr lang="en-US"/>
+          </a:p>
+        </p:txBody>
+      </p:sp>
+      <p:sp>
+        <p:nvSpPr>
+          <p:cNvPr id="6" name="Footer Placeholder 5"/>
+          <p:cNvSpPr>
+            <a:spLocks noGrp="1"/>
+          </p:cNvSpPr>
+          <p:nvPr>
+            <p:ph type="ftr" sz="quarter" idx="11"/>
+          </p:nvPr>
+        </p:nvSpPr>
+        <p:spPr/>
+        <p:txBody>
+          <a:bodyPr/>
+          <a:lstStyle/>
+          <a:p>
+            <a:endParaRPr lang="en-US"/>
+          </a:p>
+        </p:txBody>
+      </p:sp>
+      <p:sp>
+        <p:nvSpPr>
+          <p:cNvPr id="7" name="Slide Number Placeholder 6"/>
+          <p:cNvSpPr>
+            <a:spLocks noGrp="1"/>
+          </p:cNvSpPr>
+          <p:nvPr>
+            <p:ph type="sldNum" sz="quarter" idx="12"/>
+          </p:nvPr>
+        </p:nvSpPr>
+        <p:spPr/>
+        <p:txBody>
+          <a:bodyPr/>
+          <a:lstStyle/>
+          <a:p>
+            <a:fld id="{9B618960-8005-486C-9A75-10CB2AAC16F9}" type="slidenum">
+              <a:rPr lang="en-US" smtClean="0"/>
+              <a:t>‹#›</a:t>
+            </a:fld>
+            <a:endParaRPr lang="en-US"/>
+          </a:p>
+        </p:txBody>
+      </p:sp>
+    </p:spTree>
+    <p:extLst>
+      <p:ext uri="{BB962C8B-B14F-4D97-AF65-F5344CB8AC3E}">
+        <p14:creationId xmlns:p14="http://schemas.microsoft.com/office/powerpoint/2010/main" val="1128894141"/>
+      </p:ext>
+    </p:extLst>
+  </p:cSld>
+  <p:clrMapOvr>
+    <a:masterClrMapping/>
+  </p:clrMapOvr>
+</p:sldLayout>
+</file>
+
+<file path=ppt/slideLayouts/slideLayout5.xml><?xml version="1.0" encoding="utf-8"?>
+<p:sldLayout xmlns:a="http://schemas.openxmlformats.org/drawingml/2006/main" xmlns:r="http://schemas.openxmlformats.org/officeDocument/2006/relationships" xmlns:p="http://schemas.openxmlformats.org/presentationml/2006/main" type="twoTxTwoObj" preserve="1">
+  <p:cSld name="Összehasonlítás">
+    <p:spTree>
+      <p:nvGrpSpPr>
+        <p:cNvPr id="1" name=""/>
+        <p:cNvGrpSpPr/>
+        <p:nvPr/>
+      </p:nvGrpSpPr>
+      <p:grpSpPr>
+        <a:xfrm>
+          <a:off x="0" y="0"/>
+          <a:ext cx="0" cy="0"/>
+          <a:chOff x="0" y="0"/>
+          <a:chExt cx="0" cy="0"/>
+        </a:xfrm>
+      </p:grpSpPr>
+      <p:sp>
+        <p:nvSpPr>
+          <p:cNvPr id="2" name="Title 1"/>
+          <p:cNvSpPr>
+            <a:spLocks noGrp="1"/>
+          </p:cNvSpPr>
+          <p:nvPr>
+            <p:ph type="title"/>
+          </p:nvPr>
+        </p:nvSpPr>
+        <p:spPr>
+          <a:xfrm>
+            <a:off x="913795" y="609600"/>
+            <a:ext cx="10353761" cy="1325563"/>
+          </a:xfrm>
+        </p:spPr>
+        <p:txBody>
+          <a:bodyPr/>
+          <a:lstStyle/>
+          <a:p>
+            <a:r>
+              <a:rPr lang="hu-HU"/>
+              <a:t>Mintacím szerkesztése</a:t>
+            </a:r>
+            <a:endParaRPr lang="en-US" dirty="0"/>
+          </a:p>
+        </p:txBody>
+      </p:sp>
+      <p:sp>
+        <p:nvSpPr>
+          <p:cNvPr id="3" name="Text Placeholder 2"/>
+          <p:cNvSpPr>
+            <a:spLocks noGrp="1"/>
+          </p:cNvSpPr>
+          <p:nvPr>
+            <p:ph type="body" idx="1"/>
+          </p:nvPr>
+        </p:nvSpPr>
+        <p:spPr>
+          <a:xfrm>
+            <a:off x="1141804" y="2088320"/>
+            <a:ext cx="4879199" cy="823912"/>
+          </a:xfrm>
+        </p:spPr>
+        <p:txBody>
           <a:bodyPr anchor="b"/>
+          <a:lstStyle>
+            <a:lvl1pPr marL="0" indent="0">
+              <a:lnSpc>
+                <a:spcPct val="100000"/>
+              </a:lnSpc>
+              <a:buNone/>
+              <a:defRPr sz="2400" b="1"/>
+            </a:lvl1pPr>
+            <a:lvl2pPr marL="457200" indent="0">
+              <a:buNone/>
+              <a:defRPr sz="2000" b="1"/>
+            </a:lvl2pPr>
+            <a:lvl3pPr marL="914400" indent="0">
+              <a:buNone/>
+              <a:defRPr sz="1800" b="1"/>
+            </a:lvl3pPr>
+            <a:lvl4pPr marL="1371600" indent="0">
+              <a:buNone/>
+              <a:defRPr sz="1600" b="1"/>
+            </a:lvl4pPr>
+            <a:lvl5pPr marL="1828800" indent="0">
+              <a:buNone/>
+              <a:defRPr sz="1600" b="1"/>
+            </a:lvl5pPr>
+            <a:lvl6pPr marL="2286000" indent="0">
+              <a:buNone/>
+              <a:defRPr sz="1600" b="1"/>
+            </a:lvl6pPr>
+            <a:lvl7pPr marL="2743200" indent="0">
+              <a:buNone/>
+              <a:defRPr sz="1600" b="1"/>
+            </a:lvl7pPr>
+            <a:lvl8pPr marL="3200400" indent="0">
+              <a:buNone/>
+              <a:defRPr sz="1600" b="1"/>
+            </a:lvl8pPr>
+            <a:lvl9pPr marL="3657600" indent="0">
+              <a:buNone/>
+              <a:defRPr sz="1600" b="1"/>
+            </a:lvl9pPr>
+          </a:lstStyle>
+          <a:p>
+            <a:pPr lvl="0"/>
+            <a:r>
+              <a:rPr lang="hu-HU"/>
+              <a:t>Mintaszöveg szerkesztése</a:t>
+            </a:r>
+          </a:p>
+        </p:txBody>
+      </p:sp>
+      <p:sp>
+        <p:nvSpPr>
+          <p:cNvPr id="4" name="Content Placeholder 3"/>
+          <p:cNvSpPr>
+            <a:spLocks noGrp="1"/>
+          </p:cNvSpPr>
+          <p:nvPr>
+            <p:ph sz="half" idx="2"/>
+          </p:nvPr>
+        </p:nvSpPr>
+        <p:spPr>
+          <a:xfrm>
+            <a:off x="913795" y="2912232"/>
+            <a:ext cx="5107208" cy="2878968"/>
+          </a:xfrm>
+        </p:spPr>
+        <p:txBody>
+          <a:bodyPr/>
+          <a:lstStyle/>
+          <a:p>
+            <a:pPr lvl="0"/>
+            <a:r>
+              <a:rPr lang="hu-HU"/>
+              <a:t>Mintaszöveg szerkesztése</a:t>
+            </a:r>
+          </a:p>
+          <a:p>
+            <a:pPr lvl="1"/>
+            <a:r>
+              <a:rPr lang="hu-HU"/>
+              <a:t>Második szint</a:t>
+            </a:r>
+          </a:p>
+          <a:p>
+            <a:pPr lvl="2"/>
+            <a:r>
+              <a:rPr lang="hu-HU"/>
+              <a:t>Harmadik szint</a:t>
+            </a:r>
+          </a:p>
+          <a:p>
+            <a:pPr lvl="3"/>
+            <a:r>
+              <a:rPr lang="hu-HU"/>
+              <a:t>Negyedik szint</a:t>
+            </a:r>
+          </a:p>
+          <a:p>
+            <a:pPr lvl="4"/>
+            <a:r>
+              <a:rPr lang="hu-HU"/>
+              <a:t>Ötödik szint</a:t>
+            </a:r>
+            <a:endParaRPr lang="en-US" dirty="0"/>
+          </a:p>
+        </p:txBody>
+      </p:sp>
+      <p:sp>
+        <p:nvSpPr>
+          <p:cNvPr id="5" name="Text Placeholder 4"/>
+          <p:cNvSpPr>
+            <a:spLocks noGrp="1"/>
+          </p:cNvSpPr>
+          <p:nvPr>
+            <p:ph type="body" sz="quarter" idx="3"/>
+          </p:nvPr>
+        </p:nvSpPr>
+        <p:spPr>
+          <a:xfrm>
+            <a:off x="6402003" y="2088320"/>
+            <a:ext cx="4865554" cy="823912"/>
+          </a:xfrm>
+        </p:spPr>
+        <p:txBody>
+          <a:bodyPr anchor="b"/>
+          <a:lstStyle>
+            <a:lvl1pPr marL="0" indent="0">
+              <a:lnSpc>
+                <a:spcPct val="100000"/>
+              </a:lnSpc>
+              <a:buNone/>
+              <a:defRPr sz="2400" b="1"/>
+            </a:lvl1pPr>
+            <a:lvl2pPr marL="457200" indent="0">
+              <a:buNone/>
+              <a:defRPr sz="2000" b="1"/>
+            </a:lvl2pPr>
+            <a:lvl3pPr marL="914400" indent="0">
+              <a:buNone/>
+              <a:defRPr sz="1800" b="1"/>
+            </a:lvl3pPr>
+            <a:lvl4pPr marL="1371600" indent="0">
+              <a:buNone/>
+              <a:defRPr sz="1600" b="1"/>
+            </a:lvl4pPr>
+            <a:lvl5pPr marL="1828800" indent="0">
+              <a:buNone/>
+              <a:defRPr sz="1600" b="1"/>
+            </a:lvl5pPr>
+            <a:lvl6pPr marL="2286000" indent="0">
+              <a:buNone/>
+              <a:defRPr sz="1600" b="1"/>
+            </a:lvl6pPr>
+            <a:lvl7pPr marL="2743200" indent="0">
+              <a:buNone/>
+              <a:defRPr sz="1600" b="1"/>
+            </a:lvl7pPr>
+            <a:lvl8pPr marL="3200400" indent="0">
+              <a:buNone/>
+              <a:defRPr sz="1600" b="1"/>
+            </a:lvl8pPr>
+            <a:lvl9pPr marL="3657600" indent="0">
+              <a:buNone/>
+              <a:defRPr sz="1600" b="1"/>
+            </a:lvl9pPr>
+          </a:lstStyle>
+          <a:p>
+            <a:pPr lvl="0"/>
+            <a:r>
+              <a:rPr lang="hu-HU"/>
+              <a:t>Mintaszöveg szerkesztése</a:t>
+            </a:r>
+          </a:p>
+        </p:txBody>
+      </p:sp>
+      <p:sp>
+        <p:nvSpPr>
+          <p:cNvPr id="6" name="Content Placeholder 5"/>
+          <p:cNvSpPr>
+            <a:spLocks noGrp="1"/>
+          </p:cNvSpPr>
+          <p:nvPr>
+            <p:ph sz="quarter" idx="4"/>
+          </p:nvPr>
+        </p:nvSpPr>
+        <p:spPr>
+          <a:xfrm>
+            <a:off x="6172200" y="2912232"/>
+            <a:ext cx="5095357" cy="2878968"/>
+          </a:xfrm>
+        </p:spPr>
+        <p:txBody>
+          <a:bodyPr/>
+          <a:lstStyle/>
+          <a:p>
+            <a:pPr lvl="0"/>
+            <a:r>
+              <a:rPr lang="hu-HU"/>
+              <a:t>Mintaszöveg szerkesztése</a:t>
+            </a:r>
+          </a:p>
+          <a:p>
+            <a:pPr lvl="1"/>
+            <a:r>
+              <a:rPr lang="hu-HU"/>
+              <a:t>Második szint</a:t>
+            </a:r>
+          </a:p>
+          <a:p>
+            <a:pPr lvl="2"/>
+            <a:r>
+              <a:rPr lang="hu-HU"/>
+              <a:t>Harmadik szint</a:t>
+            </a:r>
+          </a:p>
+          <a:p>
+            <a:pPr lvl="3"/>
+            <a:r>
+              <a:rPr lang="hu-HU"/>
+              <a:t>Negyedik szint</a:t>
+            </a:r>
+          </a:p>
+          <a:p>
+            <a:pPr lvl="4"/>
+            <a:r>
+              <a:rPr lang="hu-HU"/>
+              <a:t>Ötödik szint</a:t>
+            </a:r>
+            <a:endParaRPr lang="en-US" dirty="0"/>
+          </a:p>
+        </p:txBody>
+      </p:sp>
+      <p:sp>
+        <p:nvSpPr>
+          <p:cNvPr id="7" name="Date Placeholder 6"/>
+          <p:cNvSpPr>
+            <a:spLocks noGrp="1"/>
+          </p:cNvSpPr>
+          <p:nvPr>
+            <p:ph type="dt" sz="half" idx="10"/>
+          </p:nvPr>
+        </p:nvSpPr>
+        <p:spPr/>
+        <p:txBody>
+          <a:bodyPr/>
+          <a:lstStyle/>
+          <a:p>
+            <a:fld id="{63A1C593-65D0-4073-BCC9-577B9352EA97}" type="datetimeFigureOut">
+              <a:rPr lang="en-US" smtClean="0"/>
+              <a:t>1/12/2024</a:t>
+            </a:fld>
+            <a:endParaRPr lang="en-US"/>
+          </a:p>
+        </p:txBody>
+      </p:sp>
+      <p:sp>
+        <p:nvSpPr>
+          <p:cNvPr id="8" name="Footer Placeholder 7"/>
+          <p:cNvSpPr>
+            <a:spLocks noGrp="1"/>
+          </p:cNvSpPr>
+          <p:nvPr>
+            <p:ph type="ftr" sz="quarter" idx="11"/>
+          </p:nvPr>
+        </p:nvSpPr>
+        <p:spPr/>
+        <p:txBody>
+          <a:bodyPr/>
+          <a:lstStyle/>
+          <a:p>
+            <a:endParaRPr lang="en-US"/>
+          </a:p>
+        </p:txBody>
+      </p:sp>
+      <p:sp>
+        <p:nvSpPr>
+          <p:cNvPr id="9" name="Slide Number Placeholder 8"/>
+          <p:cNvSpPr>
+            <a:spLocks noGrp="1"/>
+          </p:cNvSpPr>
+          <p:nvPr>
+            <p:ph type="sldNum" sz="quarter" idx="12"/>
+          </p:nvPr>
+        </p:nvSpPr>
+        <p:spPr/>
+        <p:txBody>
+          <a:bodyPr/>
+          <a:lstStyle/>
+          <a:p>
+            <a:fld id="{9B618960-8005-486C-9A75-10CB2AAC16F9}" type="slidenum">
+              <a:rPr lang="en-US" smtClean="0"/>
+              <a:t>‹#›</a:t>
+            </a:fld>
+            <a:endParaRPr lang="en-US"/>
+          </a:p>
+        </p:txBody>
+      </p:sp>
+    </p:spTree>
+    <p:extLst>
+      <p:ext uri="{BB962C8B-B14F-4D97-AF65-F5344CB8AC3E}">
+        <p14:creationId xmlns:p14="http://schemas.microsoft.com/office/powerpoint/2010/main" val="2923234840"/>
+      </p:ext>
+    </p:extLst>
+  </p:cSld>
+  <p:clrMapOvr>
+    <a:masterClrMapping/>
+  </p:clrMapOvr>
+</p:sldLayout>
+</file>
+
+<file path=ppt/slideLayouts/slideLayout6.xml><?xml version="1.0" encoding="utf-8"?>
+<p:sldLayout xmlns:a="http://schemas.openxmlformats.org/drawingml/2006/main" xmlns:r="http://schemas.openxmlformats.org/officeDocument/2006/relationships" xmlns:p="http://schemas.openxmlformats.org/presentationml/2006/main" type="titleOnly" preserve="1">
+  <p:cSld name="Csak cím">
+    <p:spTree>
+      <p:nvGrpSpPr>
+        <p:cNvPr id="1" name=""/>
+        <p:cNvGrpSpPr/>
+        <p:nvPr/>
+      </p:nvGrpSpPr>
+      <p:grpSpPr>
+        <a:xfrm>
+          <a:off x="0" y="0"/>
+          <a:ext cx="0" cy="0"/>
+          <a:chOff x="0" y="0"/>
+          <a:chExt cx="0" cy="0"/>
+        </a:xfrm>
+      </p:grpSpPr>
+      <p:sp>
+        <p:nvSpPr>
+          <p:cNvPr id="2" name="Title 1"/>
+          <p:cNvSpPr>
+            <a:spLocks noGrp="1"/>
+          </p:cNvSpPr>
+          <p:nvPr>
+            <p:ph type="title"/>
+          </p:nvPr>
+        </p:nvSpPr>
+        <p:spPr/>
+        <p:txBody>
+          <a:bodyPr/>
+          <a:lstStyle/>
+          <a:p>
+            <a:r>
+              <a:rPr lang="hu-HU"/>
+              <a:t>Mintacím szerkesztése</a:t>
+            </a:r>
+            <a:endParaRPr lang="en-US" dirty="0"/>
+          </a:p>
+        </p:txBody>
+      </p:sp>
+      <p:sp>
+        <p:nvSpPr>
+          <p:cNvPr id="3" name="Date Placeholder 2"/>
+          <p:cNvSpPr>
+            <a:spLocks noGrp="1"/>
+          </p:cNvSpPr>
+          <p:nvPr>
+            <p:ph type="dt" sz="half" idx="10"/>
+          </p:nvPr>
+        </p:nvSpPr>
+        <p:spPr/>
+        <p:txBody>
+          <a:bodyPr/>
+          <a:lstStyle/>
+          <a:p>
+            <a:fld id="{63A1C593-65D0-4073-BCC9-577B9352EA97}" type="datetimeFigureOut">
+              <a:rPr lang="en-US" smtClean="0"/>
+              <a:t>1/12/2024</a:t>
+            </a:fld>
+            <a:endParaRPr lang="en-US"/>
+          </a:p>
+        </p:txBody>
+      </p:sp>
+      <p:sp>
+        <p:nvSpPr>
+          <p:cNvPr id="4" name="Footer Placeholder 3"/>
+          <p:cNvSpPr>
+            <a:spLocks noGrp="1"/>
+          </p:cNvSpPr>
+          <p:nvPr>
+            <p:ph type="ftr" sz="quarter" idx="11"/>
+          </p:nvPr>
+        </p:nvSpPr>
+        <p:spPr/>
+        <p:txBody>
+          <a:bodyPr/>
+          <a:lstStyle/>
+          <a:p>
+            <a:endParaRPr lang="en-US"/>
+          </a:p>
+        </p:txBody>
+      </p:sp>
+      <p:sp>
+        <p:nvSpPr>
+          <p:cNvPr id="5" name="Slide Number Placeholder 4"/>
+          <p:cNvSpPr>
+            <a:spLocks noGrp="1"/>
+          </p:cNvSpPr>
+          <p:nvPr>
+            <p:ph type="sldNum" sz="quarter" idx="12"/>
+          </p:nvPr>
+        </p:nvSpPr>
+        <p:spPr/>
+        <p:txBody>
+          <a:bodyPr/>
+          <a:lstStyle/>
+          <a:p>
+            <a:fld id="{9B618960-8005-486C-9A75-10CB2AAC16F9}" type="slidenum">
+              <a:rPr lang="en-US" smtClean="0"/>
+              <a:t>‹#›</a:t>
+            </a:fld>
+            <a:endParaRPr lang="en-US"/>
+          </a:p>
+        </p:txBody>
+      </p:sp>
+    </p:spTree>
+    <p:extLst>
+      <p:ext uri="{BB962C8B-B14F-4D97-AF65-F5344CB8AC3E}">
+        <p14:creationId xmlns:p14="http://schemas.microsoft.com/office/powerpoint/2010/main" val="2126193718"/>
+      </p:ext>
+    </p:extLst>
+  </p:cSld>
+  <p:clrMapOvr>
+    <a:masterClrMapping/>
+  </p:clrMapOvr>
+</p:sldLayout>
+</file>
+
+<file path=ppt/slideLayouts/slideLayout7.xml><?xml version="1.0" encoding="utf-8"?>
+<p:sldLayout xmlns:a="http://schemas.openxmlformats.org/drawingml/2006/main" xmlns:r="http://schemas.openxmlformats.org/officeDocument/2006/relationships" xmlns:p="http://schemas.openxmlformats.org/presentationml/2006/main" type="blank" preserve="1">
+  <p:cSld name="Üres">
+    <p:spTree>
+      <p:nvGrpSpPr>
+        <p:cNvPr id="1" name=""/>
+        <p:cNvGrpSpPr/>
+        <p:nvPr/>
+      </p:nvGrpSpPr>
+      <p:grpSpPr>
+        <a:xfrm>
+          <a:off x="0" y="0"/>
+          <a:ext cx="0" cy="0"/>
+          <a:chOff x="0" y="0"/>
+          <a:chExt cx="0" cy="0"/>
+        </a:xfrm>
+      </p:grpSpPr>
+      <p:sp>
+        <p:nvSpPr>
+          <p:cNvPr id="2" name="Date Placeholder 1"/>
+          <p:cNvSpPr>
+            <a:spLocks noGrp="1"/>
+          </p:cNvSpPr>
+          <p:nvPr>
+            <p:ph type="dt" sz="half" idx="10"/>
+          </p:nvPr>
+        </p:nvSpPr>
+        <p:spPr/>
+        <p:txBody>
+          <a:bodyPr/>
+          <a:lstStyle/>
+          <a:p>
+            <a:fld id="{63A1C593-65D0-4073-BCC9-577B9352EA97}" type="datetimeFigureOut">
+              <a:rPr lang="en-US" smtClean="0"/>
+              <a:t>1/12/2024</a:t>
+            </a:fld>
+            <a:endParaRPr lang="en-US"/>
+          </a:p>
+        </p:txBody>
+      </p:sp>
+      <p:sp>
+        <p:nvSpPr>
+          <p:cNvPr id="3" name="Footer Placeholder 2"/>
+          <p:cNvSpPr>
+            <a:spLocks noGrp="1"/>
+          </p:cNvSpPr>
+          <p:nvPr>
+            <p:ph type="ftr" sz="quarter" idx="11"/>
+          </p:nvPr>
+        </p:nvSpPr>
+        <p:spPr/>
+        <p:txBody>
+          <a:bodyPr/>
+          <a:lstStyle/>
+          <a:p>
+            <a:endParaRPr lang="en-US"/>
+          </a:p>
+        </p:txBody>
+      </p:sp>
+      <p:sp>
+        <p:nvSpPr>
+          <p:cNvPr id="4" name="Slide Number Placeholder 3"/>
+          <p:cNvSpPr>
+            <a:spLocks noGrp="1"/>
+          </p:cNvSpPr>
+          <p:nvPr>
+            <p:ph type="sldNum" sz="quarter" idx="12"/>
+          </p:nvPr>
+        </p:nvSpPr>
+        <p:spPr/>
+        <p:txBody>
+          <a:bodyPr/>
+          <a:lstStyle/>
+          <a:p>
+            <a:fld id="{9B618960-8005-486C-9A75-10CB2AAC16F9}" type="slidenum">
+              <a:rPr lang="en-US" smtClean="0"/>
+              <a:t>‹#›</a:t>
+            </a:fld>
+            <a:endParaRPr lang="en-US"/>
+          </a:p>
+        </p:txBody>
+      </p:sp>
+    </p:spTree>
+    <p:extLst>
+      <p:ext uri="{BB962C8B-B14F-4D97-AF65-F5344CB8AC3E}">
+        <p14:creationId xmlns:p14="http://schemas.microsoft.com/office/powerpoint/2010/main" val="131298455"/>
+      </p:ext>
+    </p:extLst>
+  </p:cSld>
+  <p:clrMapOvr>
+    <a:masterClrMapping/>
+  </p:clrMapOvr>
+</p:sldLayout>
+</file>
+
+<file path=ppt/slideLayouts/slideLayout8.xml><?xml version="1.0" encoding="utf-8"?>
+<p:sldLayout xmlns:a="http://schemas.openxmlformats.org/drawingml/2006/main" xmlns:r="http://schemas.openxmlformats.org/officeDocument/2006/relationships" xmlns:p="http://schemas.openxmlformats.org/presentationml/2006/main" type="objTx" preserve="1">
+  <p:cSld name="Tartalomrész képaláírással">
+    <p:spTree>
+      <p:nvGrpSpPr>
+        <p:cNvPr id="1" name=""/>
+        <p:cNvGrpSpPr/>
+        <p:nvPr/>
+      </p:nvGrpSpPr>
+      <p:grpSpPr>
+        <a:xfrm>
+          <a:off x="0" y="0"/>
+          <a:ext cx="0" cy="0"/>
+          <a:chOff x="0" y="0"/>
+          <a:chExt cx="0" cy="0"/>
+        </a:xfrm>
+      </p:grpSpPr>
+      <p:sp>
+        <p:nvSpPr>
+          <p:cNvPr id="2" name="Title 1"/>
+          <p:cNvSpPr>
+            <a:spLocks noGrp="1"/>
+          </p:cNvSpPr>
+          <p:nvPr>
+            <p:ph type="title"/>
+          </p:nvPr>
+        </p:nvSpPr>
+        <p:spPr>
+          <a:xfrm>
+            <a:off x="917228" y="609600"/>
+            <a:ext cx="3932237" cy="2362200"/>
+          </a:xfrm>
+        </p:spPr>
+        <p:txBody>
+          <a:bodyPr anchor="b">
+            <a:normAutofit/>
+          </a:bodyPr>
+          <a:lstStyle>
+            <a:lvl1pPr>
+              <a:defRPr sz="2800"/>
+            </a:lvl1pPr>
+          </a:lstStyle>
+          <a:p>
+            <a:r>
+              <a:rPr lang="hu-HU"/>
+              <a:t>Mintacím szerkesztése</a:t>
+            </a:r>
+            <a:endParaRPr lang="en-US" dirty="0"/>
+          </a:p>
+        </p:txBody>
+      </p:sp>
+      <p:sp>
+        <p:nvSpPr>
+          <p:cNvPr id="3" name="Content Placeholder 2"/>
+          <p:cNvSpPr>
+            <a:spLocks noGrp="1"/>
+          </p:cNvSpPr>
+          <p:nvPr>
+            <p:ph idx="1"/>
+          </p:nvPr>
+        </p:nvSpPr>
+        <p:spPr>
+          <a:xfrm>
+            <a:off x="5078064" y="609600"/>
+            <a:ext cx="6189492" cy="5181600"/>
+          </a:xfrm>
+        </p:spPr>
+        <p:txBody>
+          <a:bodyPr anchor="ctr"/>
+          <a:lstStyle/>
+          <a:p>
+            <a:pPr lvl="0"/>
+            <a:r>
+              <a:rPr lang="hu-HU"/>
+              <a:t>Mintaszöveg szerkesztése</a:t>
+            </a:r>
+          </a:p>
+          <a:p>
+            <a:pPr lvl="1"/>
+            <a:r>
+              <a:rPr lang="hu-HU"/>
+              <a:t>Második szint</a:t>
+            </a:r>
+          </a:p>
+          <a:p>
+            <a:pPr lvl="2"/>
+            <a:r>
+              <a:rPr lang="hu-HU"/>
+              <a:t>Harmadik szint</a:t>
+            </a:r>
+          </a:p>
+          <a:p>
+            <a:pPr lvl="3"/>
+            <a:r>
+              <a:rPr lang="hu-HU"/>
+              <a:t>Negyedik szint</a:t>
+            </a:r>
+          </a:p>
+          <a:p>
+            <a:pPr lvl="4"/>
+            <a:r>
+              <a:rPr lang="hu-HU"/>
+              <a:t>Ötödik szint</a:t>
+            </a:r>
+            <a:endParaRPr lang="en-US" dirty="0"/>
+          </a:p>
+        </p:txBody>
+      </p:sp>
+      <p:sp>
+        <p:nvSpPr>
+          <p:cNvPr id="4" name="Text Placeholder 3"/>
+          <p:cNvSpPr>
+            <a:spLocks noGrp="1"/>
+          </p:cNvSpPr>
+          <p:nvPr>
+            <p:ph type="body" sz="half" idx="2"/>
+          </p:nvPr>
+        </p:nvSpPr>
+        <p:spPr>
+          <a:xfrm>
+            <a:off x="917228" y="2971800"/>
+            <a:ext cx="3932237" cy="2819399"/>
+          </a:xfrm>
+        </p:spPr>
+        <p:txBody>
+          <a:bodyPr/>
+          <a:lstStyle>
+            <a:lvl1pPr marL="0" indent="0" algn="ctr">
+              <a:buNone/>
+              <a:defRPr sz="1600"/>
+            </a:lvl1pPr>
+            <a:lvl2pPr marL="457200" indent="0">
+              <a:buNone/>
+              <a:defRPr sz="1400"/>
+            </a:lvl2pPr>
+            <a:lvl3pPr marL="914400" indent="0">
+              <a:buNone/>
+              <a:defRPr sz="1200"/>
+            </a:lvl3pPr>
+            <a:lvl4pPr marL="1371600" indent="0">
+              <a:buNone/>
+              <a:defRPr sz="1000"/>
+            </a:lvl4pPr>
+            <a:lvl5pPr marL="1828800" indent="0">
+              <a:buNone/>
+              <a:defRPr sz="1000"/>
+            </a:lvl5pPr>
+            <a:lvl6pPr marL="2286000" indent="0">
+              <a:buNone/>
+              <a:defRPr sz="1000"/>
+            </a:lvl6pPr>
+            <a:lvl7pPr marL="2743200" indent="0">
+              <a:buNone/>
+              <a:defRPr sz="1000"/>
+            </a:lvl7pPr>
+            <a:lvl8pPr marL="3200400" indent="0">
+              <a:buNone/>
+              <a:defRPr sz="1000"/>
+            </a:lvl8pPr>
+            <a:lvl9pPr marL="3657600" indent="0">
+              <a:buNone/>
+              <a:defRPr sz="1000"/>
+            </a:lvl9pPr>
+          </a:lstStyle>
+          <a:p>
+            <a:pPr lvl="0"/>
+            <a:r>
+              <a:rPr lang="hu-HU"/>
+              <a:t>Mintaszöveg szerkesztése</a:t>
+            </a:r>
+          </a:p>
+        </p:txBody>
+      </p:sp>
+      <p:sp>
+        <p:nvSpPr>
+          <p:cNvPr id="5" name="Date Placeholder 4"/>
+          <p:cNvSpPr>
+            <a:spLocks noGrp="1"/>
+          </p:cNvSpPr>
+          <p:nvPr>
+            <p:ph type="dt" sz="half" idx="10"/>
+          </p:nvPr>
+        </p:nvSpPr>
+        <p:spPr/>
+        <p:txBody>
+          <a:bodyPr/>
+          <a:lstStyle/>
+          <a:p>
+            <a:fld id="{63A1C593-65D0-4073-BCC9-577B9352EA97}" type="datetimeFigureOut">
+              <a:rPr lang="en-US" smtClean="0"/>
+              <a:t>1/12/2024</a:t>
+            </a:fld>
+            <a:endParaRPr lang="en-US"/>
+          </a:p>
+        </p:txBody>
+      </p:sp>
+      <p:sp>
+        <p:nvSpPr>
+          <p:cNvPr id="6" name="Footer Placeholder 5"/>
+          <p:cNvSpPr>
+            <a:spLocks noGrp="1"/>
+          </p:cNvSpPr>
+          <p:nvPr>
+            <p:ph type="ftr" sz="quarter" idx="11"/>
+          </p:nvPr>
+        </p:nvSpPr>
+        <p:spPr/>
+        <p:txBody>
+          <a:bodyPr/>
+          <a:lstStyle/>
+          <a:p>
+            <a:endParaRPr lang="en-US"/>
+          </a:p>
+        </p:txBody>
+      </p:sp>
+      <p:sp>
+        <p:nvSpPr>
+          <p:cNvPr id="7" name="Slide Number Placeholder 6"/>
+          <p:cNvSpPr>
+            <a:spLocks noGrp="1"/>
+          </p:cNvSpPr>
+          <p:nvPr>
+            <p:ph type="sldNum" sz="quarter" idx="12"/>
+          </p:nvPr>
+        </p:nvSpPr>
+        <p:spPr/>
+        <p:txBody>
+          <a:bodyPr/>
+          <a:lstStyle/>
+          <a:p>
+            <a:fld id="{9B618960-8005-486C-9A75-10CB2AAC16F9}" type="slidenum">
+              <a:rPr lang="en-US" smtClean="0"/>
+              <a:t>‹#›</a:t>
+            </a:fld>
+            <a:endParaRPr lang="en-US"/>
+          </a:p>
+        </p:txBody>
+      </p:sp>
+    </p:spTree>
+    <p:extLst>
+      <p:ext uri="{BB962C8B-B14F-4D97-AF65-F5344CB8AC3E}">
+        <p14:creationId xmlns:p14="http://schemas.microsoft.com/office/powerpoint/2010/main" val="2592480238"/>
+      </p:ext>
+    </p:extLst>
+  </p:cSld>
+  <p:clrMapOvr>
+    <a:masterClrMapping/>
+  </p:clrMapOvr>
+</p:sldLayout>
+</file>
+
+<file path=ppt/slideLayouts/slideLayout9.xml><?xml version="1.0" encoding="utf-8"?>
+<p:sldLayout xmlns:a="http://schemas.openxmlformats.org/drawingml/2006/main" xmlns:r="http://schemas.openxmlformats.org/officeDocument/2006/relationships" xmlns:p="http://schemas.openxmlformats.org/presentationml/2006/main" type="picTx" preserve="1">
+  <p:cSld name="Kép képaláírással">
+    <p:spTree>
+      <p:nvGrpSpPr>
+        <p:cNvPr id="1" name=""/>
+        <p:cNvGrpSpPr/>
+        <p:nvPr/>
+      </p:nvGrpSpPr>
+      <p:grpSpPr>
+        <a:xfrm>
+          <a:off x="0" y="0"/>
+          <a:ext cx="0" cy="0"/>
+          <a:chOff x="0" y="0"/>
+          <a:chExt cx="0" cy="0"/>
+        </a:xfrm>
+      </p:grpSpPr>
+      <p:sp>
+        <p:nvSpPr>
+          <p:cNvPr id="2" name="Title 1"/>
+          <p:cNvSpPr>
+            <a:spLocks noGrp="1"/>
+          </p:cNvSpPr>
+          <p:nvPr>
+            <p:ph type="title"/>
+          </p:nvPr>
+        </p:nvSpPr>
+        <p:spPr>
+          <a:xfrm>
+            <a:off x="917227" y="609600"/>
+            <a:ext cx="5929773" cy="2362200"/>
+          </a:xfrm>
+        </p:spPr>
+        <p:txBody>
+          <a:bodyPr anchor="b">
+            <a:normAutofit/>
+          </a:bodyPr>
           <a:lstStyle>
             <a:lvl1pPr>
               <a:defRPr sz="3200"/>
@@ -2170,10 +4754,10 @@
           </a:lstStyle>
           <a:p>
             <a:r>
-              <a:rPr lang="en-US" smtClean="0"/>
-              <a:t>Click to edit Master title style</a:t>
-            </a:r>
-            <a:endParaRPr lang="en-US"/>
+              <a:rPr lang="hu-HU"/>
+              <a:t>Mintacím szerkesztése</a:t>
+            </a:r>
+            <a:endParaRPr lang="en-US" dirty="0"/>
           </a:p>
         </p:txBody>
       </p:sp>
@@ -2181,7 +4765,7 @@
         <p:nvSpPr>
           <p:cNvPr id="3" name="Picture Placeholder 2"/>
           <p:cNvSpPr>
-            <a:spLocks noGrp="1"/>
+            <a:spLocks noGrp="1" noChangeAspect="1"/>
           </p:cNvSpPr>
           <p:nvPr>
             <p:ph type="pic" idx="1"/>
@@ -2189,14 +4773,40 @@
         </p:nvSpPr>
         <p:spPr>
           <a:xfrm>
-            <a:off x="5183188" y="987425"/>
-            <a:ext cx="6172200" cy="4873625"/>
+            <a:off x="7424804" y="758881"/>
+            <a:ext cx="3255356" cy="4883038"/>
           </a:xfrm>
+          <a:noFill/>
+          <a:ln w="190500" cap="sq">
+            <a:solidFill>
+              <a:srgbClr val="FFFFFF"/>
+            </a:solidFill>
+            <a:miter lim="800000"/>
+          </a:ln>
+          <a:effectLst>
+            <a:outerShdw blurRad="55000" dist="18000" dir="5400000" algn="tl" rotWithShape="0">
+              <a:srgbClr val="000000">
+                <a:alpha val="40000"/>
+              </a:srgbClr>
+            </a:outerShdw>
+          </a:effectLst>
+          <a:scene3d>
+            <a:camera prst="orthographicFront"/>
+            <a:lightRig rig="twoPt" dir="t">
+              <a:rot lat="0" lon="0" rev="7200000"/>
+            </a:lightRig>
+          </a:scene3d>
+          <a:sp3d>
+            <a:bevelT w="25400" h="19050"/>
+            <a:contourClr>
+              <a:srgbClr val="FFFFFF"/>
+            </a:contourClr>
+          </a:sp3d>
         </p:spPr>
         <p:txBody>
-          <a:bodyPr/>
+          <a:bodyPr anchor="t"/>
           <a:lstStyle>
-            <a:lvl1pPr marL="0" indent="0">
+            <a:lvl1pPr marL="0" indent="0" algn="ctr">
               <a:buNone/>
               <a:defRPr sz="3200"/>
             </a:lvl1pPr>
@@ -2234,7 +4844,11 @@
             </a:lvl9pPr>
           </a:lstStyle>
           <a:p>
-            <a:endParaRPr lang="en-US"/>
+            <a:r>
+              <a:rPr lang="hu-HU"/>
+              <a:t>Kép beszúrásához kattintson az ikonra</a:t>
+            </a:r>
+            <a:endParaRPr lang="en-US" dirty="0"/>
           </a:p>
         </p:txBody>
       </p:sp>
@@ -2250,16 +4864,18 @@
         </p:nvSpPr>
         <p:spPr>
           <a:xfrm>
-            <a:off x="839788" y="2057400"/>
-            <a:ext cx="3932237" cy="3811588"/>
+            <a:off x="913794" y="2971800"/>
+            <a:ext cx="5934950" cy="2819400"/>
           </a:xfrm>
         </p:spPr>
         <p:txBody>
-          <a:bodyPr/>
+          <a:bodyPr>
+            <a:normAutofit/>
+          </a:bodyPr>
           <a:lstStyle>
-            <a:lvl1pPr marL="0" indent="0">
-              <a:buNone/>
-              <a:defRPr sz="1600"/>
+            <a:lvl1pPr marL="0" indent="0" algn="ctr">
+              <a:buNone/>
+              <a:defRPr sz="1800"/>
             </a:lvl1pPr>
             <a:lvl2pPr marL="457200" indent="0">
               <a:buNone/>
@@ -2297,10 +4913,9 @@
           <a:p>
             <a:pPr lvl="0"/>
             <a:r>
-              <a:rPr lang="en-US" smtClean="0"/>
-              <a:t>Click to edit Master text styles</a:t>
-            </a:r>
-            <a:endParaRPr lang="en-US" smtClean="0"/>
+              <a:rPr lang="hu-HU"/>
+              <a:t>Mintaszöveg szerkesztése</a:t>
+            </a:r>
           </a:p>
         </p:txBody>
       </p:sp>
@@ -2321,6 +4936,7 @@
           <a:p>
             <a:fld id="{63A1C593-65D0-4073-BCC9-577B9352EA97}" type="datetimeFigureOut">
               <a:rPr lang="en-US" smtClean="0"/>
+              <a:t>1/12/2024</a:t>
             </a:fld>
             <a:endParaRPr lang="en-US"/>
           </a:p>
@@ -2362,12 +4978,18 @@
           <a:p>
             <a:fld id="{9B618960-8005-486C-9A75-10CB2AAC16F9}" type="slidenum">
               <a:rPr lang="en-US" smtClean="0"/>
+              <a:t>‹#›</a:t>
             </a:fld>
             <a:endParaRPr lang="en-US"/>
           </a:p>
         </p:txBody>
       </p:sp>
     </p:spTree>
+    <p:extLst>
+      <p:ext uri="{BB962C8B-B14F-4D97-AF65-F5344CB8AC3E}">
+        <p14:creationId xmlns:p14="http://schemas.microsoft.com/office/powerpoint/2010/main" val="1575560011"/>
+      </p:ext>
+    </p:extLst>
   </p:cSld>
   <p:clrMapOvr>
     <a:masterClrMapping/>
@@ -2379,8 +5001,8 @@
 <p:sldMaster xmlns:a="http://schemas.openxmlformats.org/drawingml/2006/main" xmlns:r="http://schemas.openxmlformats.org/officeDocument/2006/relationships" xmlns:p="http://schemas.openxmlformats.org/presentationml/2006/main">
   <p:cSld>
     <p:bg>
-      <p:bgRef idx="1001">
-        <a:schemeClr val="bg1"/>
+      <p:bgRef idx="1003">
+        <a:schemeClr val="bg2"/>
       </p:bgRef>
     </p:bg>
     <p:spTree>
@@ -2409,8 +5031,8 @@
         </p:nvSpPr>
         <p:spPr>
           <a:xfrm>
-            <a:off x="838200" y="365125"/>
-            <a:ext cx="10515600" cy="1325563"/>
+            <a:off x="913795" y="609600"/>
+            <a:ext cx="10353761" cy="1326321"/>
           </a:xfrm>
           <a:prstGeom prst="rect">
             <a:avLst/>
@@ -2423,10 +5045,10 @@
           <a:lstStyle/>
           <a:p>
             <a:r>
-              <a:rPr lang="en-US" smtClean="0"/>
-              <a:t>Click to edit Master title style</a:t>
-            </a:r>
-            <a:endParaRPr lang="en-US"/>
+              <a:rPr lang="hu-HU"/>
+              <a:t>Mintacím szerkesztése</a:t>
+            </a:r>
+            <a:endParaRPr lang="en-US" dirty="0"/>
           </a:p>
         </p:txBody>
       </p:sp>
@@ -2442,8 +5064,8 @@
         </p:nvSpPr>
         <p:spPr>
           <a:xfrm>
-            <a:off x="838200" y="1825625"/>
-            <a:ext cx="10515600" cy="4351338"/>
+            <a:off x="913795" y="2096064"/>
+            <a:ext cx="10353762" cy="3695136"/>
           </a:xfrm>
           <a:prstGeom prst="rect">
             <a:avLst/>
@@ -2457,42 +5079,38 @@
           <a:p>
             <a:pPr lvl="0"/>
             <a:r>
-              <a:rPr lang="en-US" smtClean="0"/>
-              <a:t>Click to edit Master text styles</a:t>
-            </a:r>
-            <a:endParaRPr lang="en-US" smtClean="0"/>
+              <a:rPr lang="hu-HU"/>
+              <a:t>Mintaszöveg szerkesztése</a:t>
+            </a:r>
           </a:p>
           <a:p>
             <a:pPr lvl="1"/>
             <a:r>
-              <a:rPr lang="en-US" smtClean="0"/>
-              <a:t>Second level</a:t>
-            </a:r>
-            <a:endParaRPr lang="en-US" smtClean="0"/>
+              <a:rPr lang="hu-HU"/>
+              <a:t>Második szint</a:t>
+            </a:r>
           </a:p>
           <a:p>
             <a:pPr lvl="2"/>
             <a:r>
-              <a:rPr lang="en-US" smtClean="0"/>
-              <a:t>Third level</a:t>
-            </a:r>
-            <a:endParaRPr lang="en-US" smtClean="0"/>
+              <a:rPr lang="hu-HU"/>
+              <a:t>Harmadik szint</a:t>
+            </a:r>
           </a:p>
           <a:p>
             <a:pPr lvl="3"/>
             <a:r>
-              <a:rPr lang="en-US" smtClean="0"/>
-              <a:t>Fourth level</a:t>
-            </a:r>
-            <a:endParaRPr lang="en-US" smtClean="0"/>
+              <a:rPr lang="hu-HU"/>
+              <a:t>Negyedik szint</a:t>
+            </a:r>
           </a:p>
           <a:p>
             <a:pPr lvl="4"/>
             <a:r>
-              <a:rPr lang="en-US" smtClean="0"/>
-              <a:t>Fifth level</a:t>
-            </a:r>
-            <a:endParaRPr lang="en-US"/>
+              <a:rPr lang="hu-HU"/>
+              <a:t>Ötödik szint</a:t>
+            </a:r>
+            <a:endParaRPr lang="en-US" dirty="0"/>
           </a:p>
         </p:txBody>
       </p:sp>
@@ -2508,7 +5126,7 @@
         </p:nvSpPr>
         <p:spPr>
           <a:xfrm>
-            <a:off x="838200" y="6356350"/>
+            <a:off x="7678736" y="5883275"/>
             <a:ext cx="2743200" cy="365125"/>
           </a:xfrm>
           <a:prstGeom prst="rect">
@@ -2518,8 +5136,8 @@
         <p:txBody>
           <a:bodyPr vert="horz" lIns="91440" tIns="45720" rIns="91440" bIns="45720" rtlCol="0" anchor="ctr"/>
           <a:lstStyle>
-            <a:lvl1pPr algn="l">
-              <a:defRPr sz="1200">
+            <a:lvl1pPr algn="r">
+              <a:defRPr sz="1000">
                 <a:solidFill>
                   <a:schemeClr val="tx1">
                     <a:tint val="75000"/>
@@ -2531,6 +5149,7 @@
           <a:p>
             <a:fld id="{63A1C593-65D0-4073-BCC9-577B9352EA97}" type="datetimeFigureOut">
               <a:rPr lang="en-US" smtClean="0"/>
+              <a:t>1/12/2024</a:t>
             </a:fld>
             <a:endParaRPr lang="en-US"/>
           </a:p>
@@ -2548,8 +5167,8 @@
         </p:nvSpPr>
         <p:spPr>
           <a:xfrm>
-            <a:off x="4038600" y="6356350"/>
-            <a:ext cx="4114800" cy="365125"/>
+            <a:off x="913794" y="5883275"/>
+            <a:ext cx="6672865" cy="365125"/>
           </a:xfrm>
           <a:prstGeom prst="rect">
             <a:avLst/>
@@ -2558,8 +5177,8 @@
         <p:txBody>
           <a:bodyPr vert="horz" lIns="91440" tIns="45720" rIns="91440" bIns="45720" rtlCol="0" anchor="ctr"/>
           <a:lstStyle>
-            <a:lvl1pPr algn="ctr">
-              <a:defRPr sz="1200">
+            <a:lvl1pPr algn="l">
+              <a:defRPr sz="1000">
                 <a:solidFill>
                   <a:schemeClr val="tx1">
                     <a:tint val="75000"/>
@@ -2585,8 +5204,8 @@
         </p:nvSpPr>
         <p:spPr>
           <a:xfrm>
-            <a:off x="8610600" y="6356350"/>
-            <a:ext cx="2743200" cy="365125"/>
+            <a:off x="10514011" y="5883275"/>
+            <a:ext cx="753545" cy="365125"/>
           </a:xfrm>
           <a:prstGeom prst="rect">
             <a:avLst/>
@@ -2596,7 +5215,7 @@
           <a:bodyPr vert="horz" lIns="91440" tIns="45720" rIns="91440" bIns="45720" rtlCol="0" anchor="ctr"/>
           <a:lstStyle>
             <a:lvl1pPr algn="r">
-              <a:defRPr sz="1200">
+              <a:defRPr sz="1000">
                 <a:solidFill>
                   <a:schemeClr val="tx1">
                     <a:tint val="75000"/>
@@ -2608,30 +5227,42 @@
           <a:p>
             <a:fld id="{9B618960-8005-486C-9A75-10CB2AAC16F9}" type="slidenum">
               <a:rPr lang="en-US" smtClean="0"/>
+              <a:t>‹#›</a:t>
             </a:fld>
             <a:endParaRPr lang="en-US"/>
           </a:p>
         </p:txBody>
       </p:sp>
     </p:spTree>
+    <p:extLst>
+      <p:ext uri="{BB962C8B-B14F-4D97-AF65-F5344CB8AC3E}">
+        <p14:creationId xmlns:p14="http://schemas.microsoft.com/office/powerpoint/2010/main" val="260132177"/>
+      </p:ext>
+    </p:extLst>
   </p:cSld>
-  <p:clrMap bg1="lt1" tx1="dk1" bg2="lt2" tx2="dk2" accent1="accent1" accent2="accent2" accent3="accent3" accent4="accent4" accent5="accent5" accent6="accent6" hlink="hlink" folHlink="folHlink"/>
+  <p:clrMap bg1="dk1" tx1="lt1" bg2="dk2" tx2="lt2" accent1="accent1" accent2="accent2" accent3="accent3" accent4="accent4" accent5="accent5" accent6="accent6" hlink="hlink" folHlink="folHlink"/>
   <p:sldLayoutIdLst>
-    <p:sldLayoutId id="2147483649" r:id="rId1"/>
-    <p:sldLayoutId id="2147483650" r:id="rId2"/>
-    <p:sldLayoutId id="2147483651" r:id="rId3"/>
-    <p:sldLayoutId id="2147483652" r:id="rId4"/>
-    <p:sldLayoutId id="2147483653" r:id="rId5"/>
-    <p:sldLayoutId id="2147483654" r:id="rId6"/>
-    <p:sldLayoutId id="2147483655" r:id="rId7"/>
-    <p:sldLayoutId id="2147483656" r:id="rId8"/>
-    <p:sldLayoutId id="2147483657" r:id="rId9"/>
-    <p:sldLayoutId id="2147483658" r:id="rId10"/>
-    <p:sldLayoutId id="2147483659" r:id="rId11"/>
+    <p:sldLayoutId id="2147483661" r:id="rId1"/>
+    <p:sldLayoutId id="2147483662" r:id="rId2"/>
+    <p:sldLayoutId id="2147483663" r:id="rId3"/>
+    <p:sldLayoutId id="2147483664" r:id="rId4"/>
+    <p:sldLayoutId id="2147483665" r:id="rId5"/>
+    <p:sldLayoutId id="2147483666" r:id="rId6"/>
+    <p:sldLayoutId id="2147483667" r:id="rId7"/>
+    <p:sldLayoutId id="2147483668" r:id="rId8"/>
+    <p:sldLayoutId id="2147483669" r:id="rId9"/>
+    <p:sldLayoutId id="2147483670" r:id="rId10"/>
+    <p:sldLayoutId id="2147483671" r:id="rId11"/>
+    <p:sldLayoutId id="2147483672" r:id="rId12"/>
+    <p:sldLayoutId id="2147483673" r:id="rId13"/>
+    <p:sldLayoutId id="2147483674" r:id="rId14"/>
+    <p:sldLayoutId id="2147483675" r:id="rId15"/>
+    <p:sldLayoutId id="2147483676" r:id="rId16"/>
+    <p:sldLayoutId id="2147483677" r:id="rId17"/>
   </p:sldLayoutIdLst>
   <p:txStyles>
     <p:titleStyle>
-      <a:lvl1pPr algn="l" defTabSz="914400" rtl="0" eaLnBrk="1" latinLnBrk="0" hangingPunct="1">
+      <a:lvl1pPr algn="ctr" defTabSz="914400" rtl="0" eaLnBrk="1" latinLnBrk="0" hangingPunct="1">
         <a:lnSpc>
           <a:spcPct val="90000"/>
         </a:lnSpc>
@@ -2639,10 +5270,17 @@
           <a:spcPct val="0"/>
         </a:spcBef>
         <a:buNone/>
-        <a:defRPr sz="4400" kern="1200">
+        <a:defRPr sz="3400" b="1" i="0" kern="1200" cap="all">
           <a:solidFill>
             <a:schemeClr val="tx1"/>
           </a:solidFill>
+          <a:effectLst>
+            <a:outerShdw blurRad="50800" dist="63500" dir="2700000" algn="tl" rotWithShape="0">
+              <a:srgbClr val="000000">
+                <a:alpha val="48000"/>
+              </a:srgbClr>
+            </a:outerShdw>
+          </a:effectLst>
           <a:latin typeface="+mj-lt"/>
           <a:ea typeface="+mj-ea"/>
           <a:cs typeface="+mj-cs"/>
@@ -2652,17 +5290,24 @@
     <p:bodyStyle>
       <a:lvl1pPr marL="228600" indent="-228600" algn="l" defTabSz="914400" rtl="0" eaLnBrk="1" latinLnBrk="0" hangingPunct="1">
         <a:lnSpc>
-          <a:spcPct val="90000"/>
+          <a:spcPct val="120000"/>
         </a:lnSpc>
         <a:spcBef>
           <a:spcPts val="1000"/>
         </a:spcBef>
         <a:buFont typeface="Arial" panose="020B0604020202020204" pitchFamily="34" charset="0"/>
         <a:buChar char="•"/>
-        <a:defRPr sz="2800" kern="1200">
+        <a:defRPr sz="2000" kern="1200">
           <a:solidFill>
             <a:schemeClr val="tx1"/>
           </a:solidFill>
+          <a:effectLst>
+            <a:outerShdw blurRad="50800" dist="38100" dir="2700000" algn="tl" rotWithShape="0">
+              <a:srgbClr val="000000">
+                <a:alpha val="48000"/>
+              </a:srgbClr>
+            </a:outerShdw>
+          </a:effectLst>
           <a:latin typeface="+mn-lt"/>
           <a:ea typeface="+mn-ea"/>
           <a:cs typeface="+mn-cs"/>
@@ -2670,43 +5315,7 @@
       </a:lvl1pPr>
       <a:lvl2pPr marL="685800" indent="-228600" algn="l" defTabSz="914400" rtl="0" eaLnBrk="1" latinLnBrk="0" hangingPunct="1">
         <a:lnSpc>
-          <a:spcPct val="90000"/>
-        </a:lnSpc>
-        <a:spcBef>
-          <a:spcPts val="500"/>
-        </a:spcBef>
-        <a:buFont typeface="Arial" panose="020B0604020202020204" pitchFamily="34" charset="0"/>
-        <a:buChar char="•"/>
-        <a:defRPr sz="2400" kern="1200">
-          <a:solidFill>
-            <a:schemeClr val="tx1"/>
-          </a:solidFill>
-          <a:latin typeface="+mn-lt"/>
-          <a:ea typeface="+mn-ea"/>
-          <a:cs typeface="+mn-cs"/>
-        </a:defRPr>
-      </a:lvl2pPr>
-      <a:lvl3pPr marL="1143000" indent="-228600" algn="l" defTabSz="914400" rtl="0" eaLnBrk="1" latinLnBrk="0" hangingPunct="1">
-        <a:lnSpc>
-          <a:spcPct val="90000"/>
-        </a:lnSpc>
-        <a:spcBef>
-          <a:spcPts val="500"/>
-        </a:spcBef>
-        <a:buFont typeface="Arial" panose="020B0604020202020204" pitchFamily="34" charset="0"/>
-        <a:buChar char="•"/>
-        <a:defRPr sz="2000" kern="1200">
-          <a:solidFill>
-            <a:schemeClr val="tx1"/>
-          </a:solidFill>
-          <a:latin typeface="+mn-lt"/>
-          <a:ea typeface="+mn-ea"/>
-          <a:cs typeface="+mn-cs"/>
-        </a:defRPr>
-      </a:lvl3pPr>
-      <a:lvl4pPr marL="1600200" indent="-228600" algn="l" defTabSz="914400" rtl="0" eaLnBrk="1" latinLnBrk="0" hangingPunct="1">
-        <a:lnSpc>
-          <a:spcPct val="90000"/>
+          <a:spcPct val="120000"/>
         </a:lnSpc>
         <a:spcBef>
           <a:spcPts val="500"/>
@@ -2717,6 +5326,63 @@
           <a:solidFill>
             <a:schemeClr val="tx1"/>
           </a:solidFill>
+          <a:effectLst>
+            <a:outerShdw blurRad="50800" dist="38100" dir="2700000" algn="tl" rotWithShape="0">
+              <a:srgbClr val="000000">
+                <a:alpha val="48000"/>
+              </a:srgbClr>
+            </a:outerShdw>
+          </a:effectLst>
+          <a:latin typeface="+mn-lt"/>
+          <a:ea typeface="+mn-ea"/>
+          <a:cs typeface="+mn-cs"/>
+        </a:defRPr>
+      </a:lvl2pPr>
+      <a:lvl3pPr marL="1143000" indent="-228600" algn="l" defTabSz="914400" rtl="0" eaLnBrk="1" latinLnBrk="0" hangingPunct="1">
+        <a:lnSpc>
+          <a:spcPct val="120000"/>
+        </a:lnSpc>
+        <a:spcBef>
+          <a:spcPts val="500"/>
+        </a:spcBef>
+        <a:buFont typeface="Arial" panose="020B0604020202020204" pitchFamily="34" charset="0"/>
+        <a:buChar char="•"/>
+        <a:defRPr sz="1600" kern="1200">
+          <a:solidFill>
+            <a:schemeClr val="tx1"/>
+          </a:solidFill>
+          <a:effectLst>
+            <a:outerShdw blurRad="50800" dist="38100" dir="2700000" algn="tl" rotWithShape="0">
+              <a:srgbClr val="000000">
+                <a:alpha val="48000"/>
+              </a:srgbClr>
+            </a:outerShdw>
+          </a:effectLst>
+          <a:latin typeface="+mn-lt"/>
+          <a:ea typeface="+mn-ea"/>
+          <a:cs typeface="+mn-cs"/>
+        </a:defRPr>
+      </a:lvl3pPr>
+      <a:lvl4pPr marL="1600200" indent="-228600" algn="l" defTabSz="914400" rtl="0" eaLnBrk="1" latinLnBrk="0" hangingPunct="1">
+        <a:lnSpc>
+          <a:spcPct val="120000"/>
+        </a:lnSpc>
+        <a:spcBef>
+          <a:spcPts val="500"/>
+        </a:spcBef>
+        <a:buFont typeface="Arial" panose="020B0604020202020204" pitchFamily="34" charset="0"/>
+        <a:buChar char="•"/>
+        <a:defRPr sz="1400" kern="1200">
+          <a:solidFill>
+            <a:schemeClr val="tx1"/>
+          </a:solidFill>
+          <a:effectLst>
+            <a:outerShdw blurRad="50800" dist="38100" dir="2700000" algn="tl" rotWithShape="0">
+              <a:srgbClr val="000000">
+                <a:alpha val="48000"/>
+              </a:srgbClr>
+            </a:outerShdw>
+          </a:effectLst>
           <a:latin typeface="+mn-lt"/>
           <a:ea typeface="+mn-ea"/>
           <a:cs typeface="+mn-cs"/>
@@ -2724,17 +5390,24 @@
       </a:lvl4pPr>
       <a:lvl5pPr marL="2057400" indent="-228600" algn="l" defTabSz="914400" rtl="0" eaLnBrk="1" latinLnBrk="0" hangingPunct="1">
         <a:lnSpc>
-          <a:spcPct val="90000"/>
+          <a:spcPct val="120000"/>
         </a:lnSpc>
         <a:spcBef>
           <a:spcPts val="500"/>
         </a:spcBef>
         <a:buFont typeface="Arial" panose="020B0604020202020204" pitchFamily="34" charset="0"/>
         <a:buChar char="•"/>
-        <a:defRPr sz="1800" kern="1200">
+        <a:defRPr sz="1200" kern="1200">
           <a:solidFill>
             <a:schemeClr val="tx1"/>
           </a:solidFill>
+          <a:effectLst>
+            <a:outerShdw blurRad="50800" dist="38100" dir="2700000" algn="tl" rotWithShape="0">
+              <a:srgbClr val="000000">
+                <a:alpha val="48000"/>
+              </a:srgbClr>
+            </a:outerShdw>
+          </a:effectLst>
           <a:latin typeface="+mn-lt"/>
           <a:ea typeface="+mn-ea"/>
           <a:cs typeface="+mn-cs"/>
@@ -2742,17 +5415,24 @@
       </a:lvl5pPr>
       <a:lvl6pPr marL="2514600" indent="-228600" algn="l" defTabSz="914400" rtl="0" eaLnBrk="1" latinLnBrk="0" hangingPunct="1">
         <a:lnSpc>
-          <a:spcPct val="90000"/>
+          <a:spcPct val="120000"/>
         </a:lnSpc>
         <a:spcBef>
           <a:spcPts val="500"/>
         </a:spcBef>
         <a:buFont typeface="Arial" panose="020B0604020202020204" pitchFamily="34" charset="0"/>
         <a:buChar char="•"/>
-        <a:defRPr sz="1800" kern="1200">
+        <a:defRPr sz="1200" kern="1200">
           <a:solidFill>
             <a:schemeClr val="tx1"/>
           </a:solidFill>
+          <a:effectLst>
+            <a:outerShdw blurRad="50800" dist="38100" dir="2700000" algn="tl" rotWithShape="0">
+              <a:srgbClr val="000000">
+                <a:alpha val="48000"/>
+              </a:srgbClr>
+            </a:outerShdw>
+          </a:effectLst>
           <a:latin typeface="+mn-lt"/>
           <a:ea typeface="+mn-ea"/>
           <a:cs typeface="+mn-cs"/>
@@ -2760,17 +5440,24 @@
       </a:lvl6pPr>
       <a:lvl7pPr marL="2971800" indent="-228600" algn="l" defTabSz="914400" rtl="0" eaLnBrk="1" latinLnBrk="0" hangingPunct="1">
         <a:lnSpc>
-          <a:spcPct val="90000"/>
+          <a:spcPct val="120000"/>
         </a:lnSpc>
         <a:spcBef>
           <a:spcPts val="500"/>
         </a:spcBef>
         <a:buFont typeface="Arial" panose="020B0604020202020204" pitchFamily="34" charset="0"/>
         <a:buChar char="•"/>
-        <a:defRPr sz="1800" kern="1200">
+        <a:defRPr sz="1200" kern="1200">
           <a:solidFill>
             <a:schemeClr val="tx1"/>
           </a:solidFill>
+          <a:effectLst>
+            <a:outerShdw blurRad="50800" dist="38100" dir="2700000" algn="tl" rotWithShape="0">
+              <a:srgbClr val="000000">
+                <a:alpha val="48000"/>
+              </a:srgbClr>
+            </a:outerShdw>
+          </a:effectLst>
           <a:latin typeface="+mn-lt"/>
           <a:ea typeface="+mn-ea"/>
           <a:cs typeface="+mn-cs"/>
@@ -2778,17 +5465,24 @@
       </a:lvl7pPr>
       <a:lvl8pPr marL="3429000" indent="-228600" algn="l" defTabSz="914400" rtl="0" eaLnBrk="1" latinLnBrk="0" hangingPunct="1">
         <a:lnSpc>
-          <a:spcPct val="90000"/>
+          <a:spcPct val="120000"/>
         </a:lnSpc>
         <a:spcBef>
           <a:spcPts val="500"/>
         </a:spcBef>
         <a:buFont typeface="Arial" panose="020B0604020202020204" pitchFamily="34" charset="0"/>
         <a:buChar char="•"/>
-        <a:defRPr sz="1800" kern="1200">
+        <a:defRPr sz="1200" kern="1200">
           <a:solidFill>
             <a:schemeClr val="tx1"/>
           </a:solidFill>
+          <a:effectLst>
+            <a:outerShdw blurRad="50800" dist="38100" dir="2700000" algn="tl" rotWithShape="0">
+              <a:srgbClr val="000000">
+                <a:alpha val="48000"/>
+              </a:srgbClr>
+            </a:outerShdw>
+          </a:effectLst>
           <a:latin typeface="+mn-lt"/>
           <a:ea typeface="+mn-ea"/>
           <a:cs typeface="+mn-cs"/>
@@ -2796,17 +5490,24 @@
       </a:lvl8pPr>
       <a:lvl9pPr marL="3886200" indent="-228600" algn="l" defTabSz="914400" rtl="0" eaLnBrk="1" latinLnBrk="0" hangingPunct="1">
         <a:lnSpc>
-          <a:spcPct val="90000"/>
+          <a:spcPct val="120000"/>
         </a:lnSpc>
         <a:spcBef>
           <a:spcPts val="500"/>
         </a:spcBef>
         <a:buFont typeface="Arial" panose="020B0604020202020204" pitchFamily="34" charset="0"/>
         <a:buChar char="•"/>
-        <a:defRPr sz="1800" kern="1200">
+        <a:defRPr sz="1200" kern="1200">
           <a:solidFill>
             <a:schemeClr val="tx1"/>
           </a:solidFill>
+          <a:effectLst>
+            <a:outerShdw blurRad="50800" dist="38100" dir="2700000" algn="tl" rotWithShape="0">
+              <a:srgbClr val="000000">
+                <a:alpha val="48000"/>
+              </a:srgbClr>
+            </a:outerShdw>
+          </a:effectLst>
           <a:latin typeface="+mn-lt"/>
           <a:ea typeface="+mn-ea"/>
           <a:cs typeface="+mn-cs"/>
@@ -2921,7 +5622,14 @@
         <p:cNvGrpSpPr/>
         <p:nvPr/>
       </p:nvGrpSpPr>
-      <p:grpSpPr/>
+      <p:grpSpPr>
+        <a:xfrm>
+          <a:off x="0" y="0"/>
+          <a:ext cx="0" cy="0"/>
+          <a:chOff x="0" y="0"/>
+          <a:chExt cx="0" cy="0"/>
+        </a:xfrm>
+      </p:grpSpPr>
       <p:sp>
         <p:nvSpPr>
           <p:cNvPr id="2" name="Title 1"/>
@@ -2940,12 +5648,12 @@
         </p:spPr>
         <p:txBody>
           <a:bodyPr/>
+          <a:lstStyle/>
           <a:p>
             <a:r>
               <a:rPr lang="hu-HU" altLang="en-US"/>
               <a:t>Kelgyó projekt</a:t>
             </a:r>
-            <a:endParaRPr lang="hu-HU" altLang="en-US"/>
           </a:p>
         </p:txBody>
       </p:sp>
@@ -2967,13 +5675,13 @@
         </p:spPr>
         <p:txBody>
           <a:bodyPr/>
+          <a:lstStyle/>
           <a:p>
             <a:pPr algn="l"/>
             <a:r>
               <a:rPr lang="hu-HU" altLang="en-US"/>
               <a:t>készítette: Simon Roland, Roben Rómeó, Kocsis Balázs</a:t>
             </a:r>
-            <a:endParaRPr lang="hu-HU" altLang="en-US"/>
           </a:p>
           <a:p>
             <a:pPr algn="l"/>
@@ -2981,7 +5689,6 @@
               <a:rPr lang="hu-HU" altLang="en-US"/>
               <a:t>előadja: Kocsis Balázs</a:t>
             </a:r>
-            <a:endParaRPr lang="hu-HU" altLang="en-US"/>
           </a:p>
         </p:txBody>
       </p:sp>
@@ -3002,7 +5709,14 @@
         <p:cNvGrpSpPr/>
         <p:nvPr/>
       </p:nvGrpSpPr>
-      <p:grpSpPr/>
+      <p:grpSpPr>
+        <a:xfrm>
+          <a:off x="0" y="0"/>
+          <a:ext cx="0" cy="0"/>
+          <a:chOff x="0" y="0"/>
+          <a:chExt cx="0" cy="0"/>
+        </a:xfrm>
+      </p:grpSpPr>
       <p:sp>
         <p:nvSpPr>
           <p:cNvPr id="2" name="Title 1"/>
@@ -3016,13 +5730,13 @@
         <p:spPr/>
         <p:txBody>
           <a:bodyPr/>
+          <a:lstStyle/>
           <a:p>
             <a:pPr algn="ctr"/>
             <a:r>
               <a:rPr lang="hu-HU" altLang="en-US"/>
               <a:t>Előkészületek</a:t>
             </a:r>
-            <a:endParaRPr lang="hu-HU" altLang="en-US"/>
           </a:p>
         </p:txBody>
       </p:sp>
@@ -3039,22 +5753,35 @@
         <p:spPr/>
         <p:txBody>
           <a:bodyPr/>
-          <a:p>
-            <a:r>
-              <a:rPr lang="hu-HU" altLang="en-US"/>
+          <a:lstStyle/>
+          <a:p>
+            <a:r>
+              <a:rPr lang="hu-HU" altLang="en-US" dirty="0"/>
               <a:t>Megvitattuk miről is csináljuk</a:t>
             </a:r>
-            <a:endParaRPr lang="hu-HU" altLang="en-US"/>
-          </a:p>
-          <a:p>
-            <a:r>
-              <a:rPr lang="hu-HU" altLang="en-US"/>
-              <a:t>Végül a Snake nevű játékra esett a választás</a:t>
-            </a:r>
-            <a:endParaRPr lang="hu-HU" altLang="en-US"/>
-          </a:p>
-          <a:p>
-            <a:endParaRPr lang="hu-HU" altLang="en-US"/>
+          </a:p>
+          <a:p>
+            <a:r>
+              <a:rPr lang="hu-HU" altLang="en-US" dirty="0"/>
+              <a:t>Végül a </a:t>
+            </a:r>
+            <a:r>
+              <a:rPr lang="hu-HU" altLang="en-US" dirty="0" err="1"/>
+              <a:t>Snake</a:t>
+            </a:r>
+            <a:r>
+              <a:rPr lang="hu-HU" altLang="en-US" dirty="0"/>
+              <a:t> nevű játékra esett a választás</a:t>
+            </a:r>
+          </a:p>
+          <a:p>
+            <a:r>
+              <a:rPr lang="hu-HU" altLang="en-US" dirty="0"/>
+              <a:t>Kiosztottuk a feladatokat mindenkinek</a:t>
+            </a:r>
+          </a:p>
+          <a:p>
+            <a:endParaRPr lang="hu-HU" altLang="en-US" dirty="0"/>
           </a:p>
         </p:txBody>
       </p:sp>
@@ -3075,7 +5802,14 @@
         <p:cNvGrpSpPr/>
         <p:nvPr/>
       </p:nvGrpSpPr>
-      <p:grpSpPr/>
+      <p:grpSpPr>
+        <a:xfrm>
+          <a:off x="0" y="0"/>
+          <a:ext cx="0" cy="0"/>
+          <a:chOff x="0" y="0"/>
+          <a:chExt cx="0" cy="0"/>
+        </a:xfrm>
+      </p:grpSpPr>
       <p:sp>
         <p:nvSpPr>
           <p:cNvPr id="2" name="Title 1"/>
@@ -3086,15 +5820,21 @@
             <p:ph type="title"/>
           </p:nvPr>
         </p:nvSpPr>
-        <p:spPr/>
-        <p:txBody>
-          <a:bodyPr/>
-          <a:p>
-            <a:r>
-              <a:rPr lang="hu-HU" altLang="en-US"/>
+        <p:spPr>
+          <a:xfrm>
+            <a:off x="919119" y="245745"/>
+            <a:ext cx="10353761" cy="1326321"/>
+          </a:xfrm>
+        </p:spPr>
+        <p:txBody>
+          <a:bodyPr/>
+          <a:lstStyle/>
+          <a:p>
+            <a:r>
+              <a:rPr lang="hu-HU" altLang="en-US" dirty="0" err="1"/>
               <a:t>Trello</a:t>
             </a:r>
-            <a:endParaRPr lang="hu-HU" altLang="en-US"/>
+            <a:endParaRPr lang="hu-HU" altLang="en-US" dirty="0"/>
           </a:p>
         </p:txBody>
       </p:sp>
@@ -3107,7 +5847,7 @@
           <p:nvPr/>
         </p:nvPicPr>
         <p:blipFill>
-          <a:blip r:embed="rId1"/>
+          <a:blip r:embed="rId2"/>
           <a:stretch>
             <a:fillRect/>
           </a:stretch>
@@ -3139,7 +5879,14 @@
         <p:cNvGrpSpPr/>
         <p:nvPr/>
       </p:nvGrpSpPr>
-      <p:grpSpPr/>
+      <p:grpSpPr>
+        <a:xfrm>
+          <a:off x="0" y="0"/>
+          <a:ext cx="0" cy="0"/>
+          <a:chOff x="0" y="0"/>
+          <a:chExt cx="0" cy="0"/>
+        </a:xfrm>
+      </p:grpSpPr>
       <p:sp>
         <p:nvSpPr>
           <p:cNvPr id="2" name="Title 1"/>
@@ -3153,12 +5900,13 @@
         <p:spPr/>
         <p:txBody>
           <a:bodyPr/>
-          <a:p>
-            <a:r>
-              <a:rPr lang="hu-HU" altLang="en-US"/>
+          <a:lstStyle/>
+          <a:p>
+            <a:pPr algn="l"/>
+            <a:r>
+              <a:rPr lang="hu-HU" altLang="en-US" dirty="0"/>
               <a:t>Drótváz</a:t>
             </a:r>
-            <a:endParaRPr lang="hu-HU" altLang="en-US"/>
           </a:p>
         </p:txBody>
       </p:sp>
@@ -3170,16 +5918,15 @@
           </p:cNvPicPr>
           <p:nvPr/>
         </p:nvPicPr>
-        <p:blipFill>
-          <a:blip r:embed="rId1"/>
-          <a:stretch>
-            <a:fillRect/>
-          </a:stretch>
+        <p:blipFill rotWithShape="1">
+          <a:blip r:embed="rId2"/>
+          <a:srcRect r="10341" b="17565"/>
+          <a:stretch/>
         </p:blipFill>
         <p:spPr>
           <a:xfrm>
-            <a:off x="3630930" y="1042670"/>
-            <a:ext cx="7826375" cy="5565775"/>
+            <a:off x="3306077" y="1776597"/>
+            <a:ext cx="7017017" cy="4588109"/>
           </a:xfrm>
           <a:prstGeom prst="rect">
             <a:avLst/>
@@ -3203,7 +5950,14 @@
         <p:cNvGrpSpPr/>
         <p:nvPr/>
       </p:nvGrpSpPr>
-      <p:grpSpPr/>
+      <p:grpSpPr>
+        <a:xfrm>
+          <a:off x="0" y="0"/>
+          <a:ext cx="0" cy="0"/>
+          <a:chOff x="0" y="0"/>
+          <a:chExt cx="0" cy="0"/>
+        </a:xfrm>
+      </p:grpSpPr>
       <p:sp>
         <p:nvSpPr>
           <p:cNvPr id="2" name="Title 1"/>
@@ -3217,12 +5971,12 @@
         <p:spPr/>
         <p:txBody>
           <a:bodyPr/>
+          <a:lstStyle/>
           <a:p>
             <a:r>
               <a:rPr lang="hu-HU" altLang="en-US"/>
               <a:t>Github</a:t>
             </a:r>
-            <a:endParaRPr lang="hu-HU" altLang="en-US"/>
           </a:p>
         </p:txBody>
       </p:sp>
@@ -3235,7 +5989,7 @@
           <p:nvPr/>
         </p:nvPicPr>
         <p:blipFill>
-          <a:blip r:embed="rId1"/>
+          <a:blip r:embed="rId2"/>
           <a:stretch>
             <a:fillRect/>
           </a:stretch>
@@ -3267,7 +6021,14 @@
         <p:cNvGrpSpPr/>
         <p:nvPr/>
       </p:nvGrpSpPr>
-      <p:grpSpPr/>
+      <p:grpSpPr>
+        <a:xfrm>
+          <a:off x="0" y="0"/>
+          <a:ext cx="0" cy="0"/>
+          <a:chOff x="0" y="0"/>
+          <a:chExt cx="0" cy="0"/>
+        </a:xfrm>
+      </p:grpSpPr>
       <p:pic>
         <p:nvPicPr>
           <p:cNvPr id="4" name="Picture 3"/>
@@ -3277,7 +6038,7 @@
           <p:nvPr/>
         </p:nvPicPr>
         <p:blipFill>
-          <a:blip r:embed="rId1"/>
+          <a:blip r:embed="rId2"/>
           <a:stretch>
             <a:fillRect/>
           </a:stretch>
@@ -3309,7 +6070,14 @@
         <p:cNvGrpSpPr/>
         <p:nvPr/>
       </p:nvGrpSpPr>
-      <p:grpSpPr/>
+      <p:grpSpPr>
+        <a:xfrm>
+          <a:off x="0" y="0"/>
+          <a:ext cx="0" cy="0"/>
+          <a:chOff x="0" y="0"/>
+          <a:chExt cx="0" cy="0"/>
+        </a:xfrm>
+      </p:grpSpPr>
       <p:pic>
         <p:nvPicPr>
           <p:cNvPr id="4" name="Picture 3"/>
@@ -3319,7 +6087,7 @@
           <p:nvPr/>
         </p:nvPicPr>
         <p:blipFill>
-          <a:blip r:embed="rId1"/>
+          <a:blip r:embed="rId2"/>
           <a:stretch>
             <a:fillRect/>
           </a:stretch>
@@ -3343,7 +6111,7 @@
           <p:nvPr/>
         </p:nvPicPr>
         <p:blipFill>
-          <a:blip r:embed="rId2"/>
+          <a:blip r:embed="rId3"/>
           <a:stretch>
             <a:fillRect/>
           </a:stretch>
@@ -3375,7 +6143,14 @@
         <p:cNvGrpSpPr/>
         <p:nvPr/>
       </p:nvGrpSpPr>
-      <p:grpSpPr/>
+      <p:grpSpPr>
+        <a:xfrm>
+          <a:off x="0" y="0"/>
+          <a:ext cx="0" cy="0"/>
+          <a:chOff x="0" y="0"/>
+          <a:chExt cx="0" cy="0"/>
+        </a:xfrm>
+      </p:grpSpPr>
       <p:pic>
         <p:nvPicPr>
           <p:cNvPr id="4" name="Picture 3"/>
@@ -3385,7 +6160,7 @@
           <p:nvPr/>
         </p:nvPicPr>
         <p:blipFill>
-          <a:blip r:embed="rId1"/>
+          <a:blip r:embed="rId2"/>
           <a:srcRect l="2024" t="6290" r="804" b="3979"/>
           <a:stretch>
             <a:fillRect/>
@@ -3418,7 +6193,14 @@
         <p:cNvGrpSpPr/>
         <p:nvPr/>
       </p:nvGrpSpPr>
-      <p:grpSpPr/>
+      <p:grpSpPr>
+        <a:xfrm>
+          <a:off x="0" y="0"/>
+          <a:ext cx="0" cy="0"/>
+          <a:chOff x="0" y="0"/>
+          <a:chExt cx="0" cy="0"/>
+        </a:xfrm>
+      </p:grpSpPr>
       <p:sp>
         <p:nvSpPr>
           <p:cNvPr id="2" name="Title 1"/>
@@ -3437,13 +6219,13 @@
         </p:spPr>
         <p:txBody>
           <a:bodyPr/>
+          <a:lstStyle/>
           <a:p>
             <a:pPr algn="ctr"/>
             <a:r>
               <a:rPr lang="hu-HU" altLang="en-US"/>
               <a:t>Köszönöm a figyelmet!</a:t>
             </a:r>
-            <a:endParaRPr lang="hu-HU" altLang="en-US"/>
           </a:p>
         </p:txBody>
       </p:sp>
@@ -3456,9 +6238,9 @@
 </file>
 
 <file path=ppt/theme/theme1.xml><?xml version="1.0" encoding="utf-8"?>
-<a:theme xmlns:a="http://schemas.openxmlformats.org/drawingml/2006/main" name="Office Theme">
+<a:theme xmlns:a="http://schemas.openxmlformats.org/drawingml/2006/main" name="Damask">
   <a:themeElements>
-    <a:clrScheme name="Office">
+    <a:clrScheme name="Damask">
       <a:dk1>
         <a:sysClr val="windowText" lastClr="000000"/>
       </a:dk1>
@@ -3466,39 +6248,39 @@
         <a:sysClr val="window" lastClr="FFFFFF"/>
       </a:lt1>
       <a:dk2>
-        <a:srgbClr val="44546A"/>
+        <a:srgbClr val="2A5B7F"/>
       </a:dk2>
       <a:lt2>
-        <a:srgbClr val="E7E6E6"/>
+        <a:srgbClr val="ABDAFC"/>
       </a:lt2>
       <a:accent1>
-        <a:srgbClr val="5B9BD5"/>
+        <a:srgbClr val="9EC544"/>
       </a:accent1>
       <a:accent2>
-        <a:srgbClr val="ED7D31"/>
+        <a:srgbClr val="50BEA3"/>
       </a:accent2>
       <a:accent3>
-        <a:srgbClr val="A5A5A5"/>
+        <a:srgbClr val="4A9CCC"/>
       </a:accent3>
       <a:accent4>
-        <a:srgbClr val="FFC000"/>
+        <a:srgbClr val="9A66CA"/>
       </a:accent4>
       <a:accent5>
-        <a:srgbClr val="4472C4"/>
+        <a:srgbClr val="C54F71"/>
       </a:accent5>
       <a:accent6>
-        <a:srgbClr val="70AD47"/>
+        <a:srgbClr val="DE9C3C"/>
       </a:accent6>
       <a:hlink>
-        <a:srgbClr val="0563C1"/>
+        <a:srgbClr val="6BA9DA"/>
       </a:hlink>
       <a:folHlink>
-        <a:srgbClr val="954F72"/>
+        <a:srgbClr val="A0BCD3"/>
       </a:folHlink>
     </a:clrScheme>
-    <a:fontScheme name="Office">
+    <a:fontScheme name="Damask">
       <a:majorFont>
-        <a:latin typeface="Calibri Light"/>
+        <a:latin typeface="Bookman Old Style" panose="02050604050505020204"/>
         <a:ea typeface=""/>
         <a:cs typeface=""/>
         <a:font script="Jpan" typeface="ＭＳ Ｐゴシック"/>
@@ -3533,7 +6315,7 @@
         <a:font script="Geor" typeface="Sylfaen"/>
       </a:majorFont>
       <a:minorFont>
-        <a:latin typeface="Calibri"/>
+        <a:latin typeface="Rockwell" panose="02060603020205020403"/>
         <a:ea typeface=""/>
         <a:cs typeface=""/>
         <a:font script="Jpan" typeface="ＭＳ Ｐゴシック"/>
@@ -3568,7 +6350,7 @@
         <a:font script="Geor" typeface="Sylfaen"/>
       </a:minorFont>
     </a:fontScheme>
-    <a:fmtScheme name="Office">
+    <a:fmtScheme name="Damask">
       <a:fillStyleLst>
         <a:solidFill>
           <a:schemeClr val="phClr"/>
@@ -3577,23 +6359,16 @@
           <a:gsLst>
             <a:gs pos="0">
               <a:schemeClr val="phClr">
+                <a:tint val="48000"/>
+                <a:satMod val="105000"/>
                 <a:lumMod val="110000"/>
-                <a:satMod val="105000"/>
-                <a:tint val="67000"/>
-              </a:schemeClr>
-            </a:gs>
-            <a:gs pos="50000">
-              <a:schemeClr val="phClr">
-                <a:lumMod val="105000"/>
-                <a:satMod val="103000"/>
-                <a:tint val="73000"/>
               </a:schemeClr>
             </a:gs>
             <a:gs pos="100000">
               <a:schemeClr val="phClr">
-                <a:lumMod val="105000"/>
+                <a:tint val="78000"/>
                 <a:satMod val="109000"/>
-                <a:tint val="81000"/>
+                <a:lumMod val="100000"/>
               </a:schemeClr>
             </a:gs>
           </a:gsLst>
@@ -3603,23 +6378,23 @@
           <a:gsLst>
             <a:gs pos="0">
               <a:schemeClr val="phClr">
-                <a:satMod val="103000"/>
-                <a:lumMod val="102000"/>
                 <a:tint val="94000"/>
+                <a:satMod val="100000"/>
+                <a:lumMod val="104000"/>
               </a:schemeClr>
             </a:gs>
-            <a:gs pos="50000">
+            <a:gs pos="69000">
               <a:schemeClr val="phClr">
-                <a:satMod val="110000"/>
-                <a:lumMod val="100000"/>
-                <a:shade val="100000"/>
+                <a:shade val="86000"/>
+                <a:satMod val="130000"/>
+                <a:lumMod val="102000"/>
               </a:schemeClr>
             </a:gs>
             <a:gs pos="100000">
               <a:schemeClr val="phClr">
-                <a:lumMod val="99000"/>
-                <a:satMod val="120000"/>
-                <a:shade val="78000"/>
+                <a:shade val="72000"/>
+                <a:satMod val="130000"/>
+                <a:lumMod val="100000"/>
               </a:schemeClr>
             </a:gs>
           </a:gsLst>
@@ -3627,26 +6402,23 @@
         </a:gradFill>
       </a:fillStyleLst>
       <a:lnStyleLst>
-        <a:ln w="6350" cap="flat" cmpd="sng" algn="ctr">
-          <a:solidFill>
-            <a:schemeClr val="phClr"/>
-          </a:solidFill>
-          <a:prstDash val="solid"/>
-          <a:miter lim="800000"/>
-        </a:ln>
         <a:ln w="12700" cap="flat" cmpd="sng" algn="ctr">
           <a:solidFill>
             <a:schemeClr val="phClr"/>
           </a:solidFill>
           <a:prstDash val="solid"/>
-          <a:miter lim="800000"/>
         </a:ln>
         <a:ln w="19050" cap="flat" cmpd="sng" algn="ctr">
           <a:solidFill>
             <a:schemeClr val="phClr"/>
           </a:solidFill>
           <a:prstDash val="solid"/>
-          <a:miter lim="800000"/>
+        </a:ln>
+        <a:ln w="25400" cap="flat" cmpd="sng" algn="ctr">
+          <a:solidFill>
+            <a:schemeClr val="phClr"/>
+          </a:solidFill>
+          <a:prstDash val="solid"/>
         </a:ln>
       </a:lnStyleLst>
       <a:effectStyleLst>
@@ -3654,16 +6426,31 @@
           <a:effectLst/>
         </a:effectStyle>
         <a:effectStyle>
-          <a:effectLst/>
+          <a:effectLst>
+            <a:outerShdw blurRad="50800" dist="38100" dir="5400000" sy="96000" rotWithShape="0">
+              <a:srgbClr val="000000">
+                <a:alpha val="54000"/>
+              </a:srgbClr>
+            </a:outerShdw>
+          </a:effectLst>
         </a:effectStyle>
         <a:effectStyle>
           <a:effectLst>
-            <a:outerShdw blurRad="57150" dist="19050" dir="5400000" algn="ctr" rotWithShape="0">
+            <a:outerShdw blurRad="76200" dist="38100" dir="5400000" algn="ctr" rotWithShape="0">
               <a:srgbClr val="000000">
-                <a:alpha val="63000"/>
+                <a:alpha val="76000"/>
               </a:srgbClr>
             </a:outerShdw>
           </a:effectLst>
+          <a:scene3d>
+            <a:camera prst="orthographicFront">
+              <a:rot lat="0" lon="0" rev="0"/>
+            </a:camera>
+            <a:lightRig rig="balanced" dir="t"/>
+          </a:scene3d>
+          <a:sp3d prstMaterial="matte">
+            <a:bevelT w="25400" h="25400" prst="relaxedInset"/>
+          </a:sp3d>
         </a:effectStyle>
       </a:effectStyleLst>
       <a:bgFillStyleLst>
@@ -3676,39 +6463,31 @@
             <a:satMod val="170000"/>
           </a:schemeClr>
         </a:solidFill>
-        <a:gradFill rotWithShape="1">
-          <a:gsLst>
-            <a:gs pos="0">
+        <a:blipFill rotWithShape="1">
+          <a:blip xmlns:r="http://schemas.openxmlformats.org/officeDocument/2006/relationships" r:embed="rId1">
+            <a:duotone>
               <a:schemeClr val="phClr">
-                <a:tint val="93000"/>
-                <a:satMod val="150000"/>
-                <a:shade val="98000"/>
-                <a:lumMod val="102000"/>
+                <a:shade val="18000"/>
+                <a:satMod val="160000"/>
+                <a:lumMod val="28000"/>
               </a:schemeClr>
-            </a:gs>
-            <a:gs pos="50000">
               <a:schemeClr val="phClr">
-                <a:tint val="98000"/>
-                <a:satMod val="130000"/>
-                <a:shade val="90000"/>
-                <a:lumMod val="103000"/>
+                <a:tint val="95000"/>
+                <a:satMod val="160000"/>
+                <a:lumMod val="116000"/>
               </a:schemeClr>
-            </a:gs>
-            <a:gs pos="100000">
-              <a:schemeClr val="phClr">
-                <a:shade val="63000"/>
-                <a:satMod val="120000"/>
-              </a:schemeClr>
-            </a:gs>
-          </a:gsLst>
-          <a:lin ang="5400000" scaled="0"/>
-        </a:gradFill>
+            </a:duotone>
+          </a:blip>
+          <a:stretch/>
+        </a:blipFill>
       </a:bgFillStyleLst>
     </a:fmtScheme>
   </a:themeElements>
+  <a:objectDefaults/>
+  <a:extraClrSchemeLst/>
   <a:extLst>
     <a:ext uri="{05A4C25C-085E-4340-85A3-A5531E510DB2}">
-      <thm15:themeFamily xmlns:thm15="http://schemas.microsoft.com/office/thememl/2012/main" name="Office Theme" id="{62F939B6-93AF-4DB8-9C6B-D6C7DFDC589F}" vid="{4A3C46E8-61CC-4603-A589-7422A47A8E4A}"/>
+      <thm15:themeFamily xmlns:thm15="http://schemas.microsoft.com/office/thememl/2012/main" name="Damask" id="{F9A299A0-33D0-4E0F-9F3F-7163E3744208}" vid="{746EEEEA-FB6A-406B-B510-531588D54811}"/>
     </a:ext>
   </a:extLst>
 </a:theme>
